--- a/week7/week7_slides.pptx
+++ b/week7/week7_slides.pptx
@@ -5097,9 +5097,19 @@
                 <a:latin typeface="Microsoft YaHei" panose="020B0503020204020204" pitchFamily="34" charset="-122"/>
                 <a:ea typeface="Microsoft YaHei" panose="020B0503020204020204" pitchFamily="34" charset="-122"/>
               </a:rPr>
-              <a:t>2.1</a:t>
-            </a:r>
-            <a:endParaRPr lang="en-US" altLang="zh-CN" sz="2800" b="1" dirty="0">
+              <a:t>2.</a:t>
+            </a:r>
+            <a:r>
+              <a:rPr lang="en-CA" altLang="en-US" sz="2800" b="1" dirty="0">
+                <a:solidFill>
+                  <a:schemeClr val="bg1"/>
+                </a:solidFill>
+                <a:latin typeface="Microsoft YaHei" panose="020B0503020204020204" pitchFamily="34" charset="-122"/>
+                <a:ea typeface="Microsoft YaHei" panose="020B0503020204020204" pitchFamily="34" charset="-122"/>
+              </a:rPr>
+              <a:t>3</a:t>
+            </a:r>
+            <a:endParaRPr lang="en-CA" altLang="en-US" sz="2800" b="1" dirty="0">
               <a:solidFill>
                 <a:schemeClr val="bg1"/>
               </a:solidFill>
@@ -5478,9 +5488,19 @@
                 <a:latin typeface="Microsoft YaHei" panose="020B0503020204020204" pitchFamily="34" charset="-122"/>
                 <a:ea typeface="Microsoft YaHei" panose="020B0503020204020204" pitchFamily="34" charset="-122"/>
               </a:rPr>
-              <a:t>2.1</a:t>
-            </a:r>
-            <a:endParaRPr lang="en-US" altLang="zh-CN" sz="2800" b="1" dirty="0">
+              <a:t>2.</a:t>
+            </a:r>
+            <a:r>
+              <a:rPr lang="en-CA" sz="2800" b="1" dirty="0">
+                <a:solidFill>
+                  <a:schemeClr val="bg1"/>
+                </a:solidFill>
+                <a:latin typeface="Microsoft YaHei" panose="020B0503020204020204" pitchFamily="34" charset="-122"/>
+                <a:ea typeface="Microsoft YaHei" panose="020B0503020204020204" pitchFamily="34" charset="-122"/>
+              </a:rPr>
+              <a:t>4</a:t>
+            </a:r>
+            <a:endParaRPr lang="en-CA" sz="2800" b="1" dirty="0">
               <a:solidFill>
                 <a:schemeClr val="bg1"/>
               </a:solidFill>
@@ -5859,9 +5879,19 @@
                 <a:latin typeface="Microsoft YaHei" panose="020B0503020204020204" pitchFamily="34" charset="-122"/>
                 <a:ea typeface="Microsoft YaHei" panose="020B0503020204020204" pitchFamily="34" charset="-122"/>
               </a:rPr>
-              <a:t>2.1</a:t>
-            </a:r>
-            <a:endParaRPr lang="en-US" altLang="zh-CN" sz="2800" b="1" dirty="0">
+              <a:t>2.</a:t>
+            </a:r>
+            <a:r>
+              <a:rPr lang="en-CA" altLang="en-US" sz="2800" b="1" dirty="0">
+                <a:solidFill>
+                  <a:schemeClr val="bg1"/>
+                </a:solidFill>
+                <a:latin typeface="Microsoft YaHei" panose="020B0503020204020204" pitchFamily="34" charset="-122"/>
+                <a:ea typeface="Microsoft YaHei" panose="020B0503020204020204" pitchFamily="34" charset="-122"/>
+              </a:rPr>
+              <a:t>5</a:t>
+            </a:r>
+            <a:endParaRPr lang="en-CA" altLang="en-US" sz="2800" b="1" dirty="0">
               <a:solidFill>
                 <a:schemeClr val="bg1"/>
               </a:solidFill>
@@ -6231,9 +6261,19 @@
                 <a:latin typeface="Microsoft YaHei" panose="020B0503020204020204" pitchFamily="34" charset="-122"/>
                 <a:ea typeface="Microsoft YaHei" panose="020B0503020204020204" pitchFamily="34" charset="-122"/>
               </a:rPr>
-              <a:t>2.1</a:t>
-            </a:r>
-            <a:endParaRPr lang="en-US" altLang="zh-CN" sz="2800" b="1" dirty="0">
+              <a:t>2.</a:t>
+            </a:r>
+            <a:r>
+              <a:rPr lang="en-CA" altLang="en-US" sz="2800" b="1" dirty="0">
+                <a:solidFill>
+                  <a:schemeClr val="bg1"/>
+                </a:solidFill>
+                <a:latin typeface="Microsoft YaHei" panose="020B0503020204020204" pitchFamily="34" charset="-122"/>
+                <a:ea typeface="Microsoft YaHei" panose="020B0503020204020204" pitchFamily="34" charset="-122"/>
+              </a:rPr>
+              <a:t>6</a:t>
+            </a:r>
+            <a:endParaRPr lang="en-CA" altLang="en-US" sz="2800" b="1" dirty="0">
               <a:solidFill>
                 <a:schemeClr val="bg1"/>
               </a:solidFill>
@@ -6608,9 +6648,19 @@
                 <a:latin typeface="Microsoft YaHei" panose="020B0503020204020204" pitchFamily="34" charset="-122"/>
                 <a:ea typeface="Microsoft YaHei" panose="020B0503020204020204" pitchFamily="34" charset="-122"/>
               </a:rPr>
-              <a:t>2.1</a:t>
-            </a:r>
-            <a:endParaRPr lang="en-US" altLang="zh-CN" sz="2800" b="1" dirty="0">
+              <a:t>2.</a:t>
+            </a:r>
+            <a:r>
+              <a:rPr lang="en-CA" altLang="en-US" sz="2800" b="1" dirty="0">
+                <a:solidFill>
+                  <a:schemeClr val="bg1"/>
+                </a:solidFill>
+                <a:latin typeface="Microsoft YaHei" panose="020B0503020204020204" pitchFamily="34" charset="-122"/>
+                <a:ea typeface="Microsoft YaHei" panose="020B0503020204020204" pitchFamily="34" charset="-122"/>
+              </a:rPr>
+              <a:t>7</a:t>
+            </a:r>
+            <a:endParaRPr lang="en-CA" altLang="en-US" sz="2800" b="1" dirty="0">
               <a:solidFill>
                 <a:schemeClr val="bg1"/>
               </a:solidFill>
@@ -6980,9 +7030,19 @@
                 <a:latin typeface="Microsoft YaHei" panose="020B0503020204020204" pitchFamily="34" charset="-122"/>
                 <a:ea typeface="Microsoft YaHei" panose="020B0503020204020204" pitchFamily="34" charset="-122"/>
               </a:rPr>
-              <a:t>2.1</a:t>
-            </a:r>
-            <a:endParaRPr lang="en-US" altLang="zh-CN" sz="2800" b="1" dirty="0">
+              <a:t>2.</a:t>
+            </a:r>
+            <a:r>
+              <a:rPr lang="en-CA" altLang="en-US" sz="2800" b="1" dirty="0">
+                <a:solidFill>
+                  <a:schemeClr val="bg1"/>
+                </a:solidFill>
+                <a:latin typeface="Microsoft YaHei" panose="020B0503020204020204" pitchFamily="34" charset="-122"/>
+                <a:ea typeface="Microsoft YaHei" panose="020B0503020204020204" pitchFamily="34" charset="-122"/>
+              </a:rPr>
+              <a:t>8</a:t>
+            </a:r>
+            <a:endParaRPr lang="en-CA" altLang="en-US" sz="2800" b="1" dirty="0">
               <a:solidFill>
                 <a:schemeClr val="bg1"/>
               </a:solidFill>
@@ -7818,6 +7878,16 @@
               <a:buFont typeface="Arial" panose="020B0604020202020204" pitchFamily="34" charset="0"/>
             </a:pPr>
             <a:r>
+              <a:rPr lang="en-CA" altLang="en-US" sz="2800" b="1" dirty="0">
+                <a:solidFill>
+                  <a:schemeClr val="bg1"/>
+                </a:solidFill>
+                <a:latin typeface="Microsoft YaHei" panose="020B0503020204020204" pitchFamily="34" charset="-122"/>
+                <a:ea typeface="Microsoft YaHei" panose="020B0503020204020204" pitchFamily="34" charset="-122"/>
+              </a:rPr>
+              <a:t>3</a:t>
+            </a:r>
+            <a:r>
               <a:rPr lang="en-US" altLang="zh-CN" sz="2800" b="1" dirty="0">
                 <a:solidFill>
                   <a:schemeClr val="bg1"/>
@@ -7825,7 +7895,7 @@
                 <a:latin typeface="Microsoft YaHei" panose="020B0503020204020204" pitchFamily="34" charset="-122"/>
                 <a:ea typeface="Microsoft YaHei" panose="020B0503020204020204" pitchFamily="34" charset="-122"/>
               </a:rPr>
-              <a:t>2.1</a:t>
+              <a:t>.1</a:t>
             </a:r>
             <a:endParaRPr lang="en-US" altLang="zh-CN" sz="2800" b="1" dirty="0">
               <a:solidFill>
@@ -8183,6 +8253,16 @@
               <a:buFont typeface="Arial" panose="020B0604020202020204" pitchFamily="34" charset="0"/>
             </a:pPr>
             <a:r>
+              <a:rPr lang="en-CA" altLang="en-US" sz="2800" b="1" dirty="0">
+                <a:solidFill>
+                  <a:schemeClr val="bg1"/>
+                </a:solidFill>
+                <a:latin typeface="Microsoft YaHei" panose="020B0503020204020204" pitchFamily="34" charset="-122"/>
+                <a:ea typeface="Microsoft YaHei" panose="020B0503020204020204" pitchFamily="34" charset="-122"/>
+              </a:rPr>
+              <a:t>3</a:t>
+            </a:r>
+            <a:r>
               <a:rPr lang="en-US" altLang="zh-CN" sz="2800" b="1" dirty="0">
                 <a:solidFill>
                   <a:schemeClr val="bg1"/>
@@ -8190,9 +8270,19 @@
                 <a:latin typeface="Microsoft YaHei" panose="020B0503020204020204" pitchFamily="34" charset="-122"/>
                 <a:ea typeface="Microsoft YaHei" panose="020B0503020204020204" pitchFamily="34" charset="-122"/>
               </a:rPr>
-              <a:t>2.1</a:t>
-            </a:r>
-            <a:endParaRPr lang="en-US" altLang="zh-CN" sz="2800" b="1" dirty="0">
+              <a:t>.</a:t>
+            </a:r>
+            <a:r>
+              <a:rPr lang="en-CA" altLang="en-US" sz="2800" b="1" dirty="0">
+                <a:solidFill>
+                  <a:schemeClr val="bg1"/>
+                </a:solidFill>
+                <a:latin typeface="Microsoft YaHei" panose="020B0503020204020204" pitchFamily="34" charset="-122"/>
+                <a:ea typeface="Microsoft YaHei" panose="020B0503020204020204" pitchFamily="34" charset="-122"/>
+              </a:rPr>
+              <a:t>2</a:t>
+            </a:r>
+            <a:endParaRPr lang="en-CA" altLang="en-US" sz="2800" b="1" dirty="0">
               <a:solidFill>
                 <a:schemeClr val="bg1"/>
               </a:solidFill>
@@ -8612,6 +8702,16 @@
               <a:buFont typeface="Arial" panose="020B0604020202020204" pitchFamily="34" charset="0"/>
             </a:pPr>
             <a:r>
+              <a:rPr lang="en-CA" altLang="en-US" sz="2800" b="1" dirty="0">
+                <a:solidFill>
+                  <a:schemeClr val="bg1"/>
+                </a:solidFill>
+                <a:latin typeface="Microsoft YaHei" panose="020B0503020204020204" pitchFamily="34" charset="-122"/>
+                <a:ea typeface="Microsoft YaHei" panose="020B0503020204020204" pitchFamily="34" charset="-122"/>
+              </a:rPr>
+              <a:t>3</a:t>
+            </a:r>
+            <a:r>
               <a:rPr lang="en-US" altLang="zh-CN" sz="2800" b="1" dirty="0">
                 <a:solidFill>
                   <a:schemeClr val="bg1"/>
@@ -8619,9 +8719,19 @@
                 <a:latin typeface="Microsoft YaHei" panose="020B0503020204020204" pitchFamily="34" charset="-122"/>
                 <a:ea typeface="Microsoft YaHei" panose="020B0503020204020204" pitchFamily="34" charset="-122"/>
               </a:rPr>
-              <a:t>2.1</a:t>
-            </a:r>
-            <a:endParaRPr lang="en-US" altLang="zh-CN" sz="2800" b="1" dirty="0">
+              <a:t>.</a:t>
+            </a:r>
+            <a:r>
+              <a:rPr lang="en-CA" altLang="en-US" sz="2800" b="1" dirty="0">
+                <a:solidFill>
+                  <a:schemeClr val="bg1"/>
+                </a:solidFill>
+                <a:latin typeface="Microsoft YaHei" panose="020B0503020204020204" pitchFamily="34" charset="-122"/>
+                <a:ea typeface="Microsoft YaHei" panose="020B0503020204020204" pitchFamily="34" charset="-122"/>
+              </a:rPr>
+              <a:t>3</a:t>
+            </a:r>
+            <a:endParaRPr lang="en-CA" altLang="en-US" sz="2800" b="1" dirty="0">
               <a:solidFill>
                 <a:schemeClr val="bg1"/>
               </a:solidFill>
@@ -10475,6 +10585,16 @@
               <a:buFont typeface="Arial" panose="020B0604020202020204" pitchFamily="34" charset="0"/>
             </a:pPr>
             <a:r>
+              <a:rPr lang="en-CA" altLang="en-US" sz="2800" b="1" dirty="0">
+                <a:solidFill>
+                  <a:schemeClr val="bg1"/>
+                </a:solidFill>
+                <a:latin typeface="Microsoft YaHei" panose="020B0503020204020204" pitchFamily="34" charset="-122"/>
+                <a:ea typeface="Microsoft YaHei" panose="020B0503020204020204" pitchFamily="34" charset="-122"/>
+              </a:rPr>
+              <a:t>3</a:t>
+            </a:r>
+            <a:r>
               <a:rPr lang="en-US" altLang="zh-CN" sz="2800" b="1" dirty="0">
                 <a:solidFill>
                   <a:schemeClr val="bg1"/>
@@ -10482,9 +10602,19 @@
                 <a:latin typeface="Microsoft YaHei" panose="020B0503020204020204" pitchFamily="34" charset="-122"/>
                 <a:ea typeface="Microsoft YaHei" panose="020B0503020204020204" pitchFamily="34" charset="-122"/>
               </a:rPr>
-              <a:t>2.1</a:t>
-            </a:r>
-            <a:endParaRPr lang="en-US" altLang="zh-CN" sz="2800" b="1" dirty="0">
+              <a:t>.</a:t>
+            </a:r>
+            <a:r>
+              <a:rPr lang="en-CA" altLang="en-US" sz="2800" b="1" dirty="0">
+                <a:solidFill>
+                  <a:schemeClr val="bg1"/>
+                </a:solidFill>
+                <a:latin typeface="Microsoft YaHei" panose="020B0503020204020204" pitchFamily="34" charset="-122"/>
+                <a:ea typeface="Microsoft YaHei" panose="020B0503020204020204" pitchFamily="34" charset="-122"/>
+              </a:rPr>
+              <a:t>4</a:t>
+            </a:r>
+            <a:endParaRPr lang="en-CA" altLang="en-US" sz="2800" b="1" dirty="0">
               <a:solidFill>
                 <a:schemeClr val="bg1"/>
               </a:solidFill>
@@ -10872,6 +11002,16 @@
               <a:buFont typeface="Arial" panose="020B0604020202020204" pitchFamily="34" charset="0"/>
             </a:pPr>
             <a:r>
+              <a:rPr lang="en-CA" altLang="en-US" sz="2800" b="1" dirty="0">
+                <a:solidFill>
+                  <a:schemeClr val="bg1"/>
+                </a:solidFill>
+                <a:latin typeface="Microsoft YaHei" panose="020B0503020204020204" pitchFamily="34" charset="-122"/>
+                <a:ea typeface="Microsoft YaHei" panose="020B0503020204020204" pitchFamily="34" charset="-122"/>
+              </a:rPr>
+              <a:t>3</a:t>
+            </a:r>
+            <a:r>
               <a:rPr lang="en-US" altLang="zh-CN" sz="2800" b="1" dirty="0">
                 <a:solidFill>
                   <a:schemeClr val="bg1"/>
@@ -10879,9 +11019,19 @@
                 <a:latin typeface="Microsoft YaHei" panose="020B0503020204020204" pitchFamily="34" charset="-122"/>
                 <a:ea typeface="Microsoft YaHei" panose="020B0503020204020204" pitchFamily="34" charset="-122"/>
               </a:rPr>
-              <a:t>2.1</a:t>
-            </a:r>
-            <a:endParaRPr lang="en-US" altLang="zh-CN" sz="2800" b="1" dirty="0">
+              <a:t>.</a:t>
+            </a:r>
+            <a:r>
+              <a:rPr lang="en-CA" altLang="en-US" sz="2800" b="1" dirty="0">
+                <a:solidFill>
+                  <a:schemeClr val="bg1"/>
+                </a:solidFill>
+                <a:latin typeface="Microsoft YaHei" panose="020B0503020204020204" pitchFamily="34" charset="-122"/>
+                <a:ea typeface="Microsoft YaHei" panose="020B0503020204020204" pitchFamily="34" charset="-122"/>
+              </a:rPr>
+              <a:t>5</a:t>
+            </a:r>
+            <a:endParaRPr lang="en-CA" altLang="en-US" sz="2800" b="1" dirty="0">
               <a:solidFill>
                 <a:schemeClr val="bg1"/>
               </a:solidFill>
@@ -11277,6 +11427,16 @@
               <a:buFont typeface="Arial" panose="020B0604020202020204" pitchFamily="34" charset="0"/>
             </a:pPr>
             <a:r>
+              <a:rPr lang="en-CA" altLang="en-US" sz="2800" b="1" dirty="0">
+                <a:solidFill>
+                  <a:schemeClr val="bg1"/>
+                </a:solidFill>
+                <a:latin typeface="Microsoft YaHei" panose="020B0503020204020204" pitchFamily="34" charset="-122"/>
+                <a:ea typeface="Microsoft YaHei" panose="020B0503020204020204" pitchFamily="34" charset="-122"/>
+              </a:rPr>
+              <a:t>3</a:t>
+            </a:r>
+            <a:r>
               <a:rPr lang="en-US" altLang="zh-CN" sz="2800" b="1" dirty="0">
                 <a:solidFill>
                   <a:schemeClr val="bg1"/>
@@ -11284,9 +11444,19 @@
                 <a:latin typeface="Microsoft YaHei" panose="020B0503020204020204" pitchFamily="34" charset="-122"/>
                 <a:ea typeface="Microsoft YaHei" panose="020B0503020204020204" pitchFamily="34" charset="-122"/>
               </a:rPr>
-              <a:t>2.1</a:t>
-            </a:r>
-            <a:endParaRPr lang="en-US" altLang="zh-CN" sz="2800" b="1" dirty="0">
+              <a:t>.</a:t>
+            </a:r>
+            <a:r>
+              <a:rPr lang="en-CA" altLang="en-US" sz="2800" b="1" dirty="0">
+                <a:solidFill>
+                  <a:schemeClr val="bg1"/>
+                </a:solidFill>
+                <a:latin typeface="Microsoft YaHei" panose="020B0503020204020204" pitchFamily="34" charset="-122"/>
+                <a:ea typeface="Microsoft YaHei" panose="020B0503020204020204" pitchFamily="34" charset="-122"/>
+              </a:rPr>
+              <a:t>6</a:t>
+            </a:r>
+            <a:endParaRPr lang="en-CA" altLang="en-US" sz="2800" b="1" dirty="0">
               <a:solidFill>
                 <a:schemeClr val="bg1"/>
               </a:solidFill>
@@ -11634,6 +11804,16 @@
               <a:buFont typeface="Arial" panose="020B0604020202020204" pitchFamily="34" charset="0"/>
             </a:pPr>
             <a:r>
+              <a:rPr lang="en-CA" altLang="en-US" sz="2800" b="1" dirty="0">
+                <a:solidFill>
+                  <a:schemeClr val="bg1"/>
+                </a:solidFill>
+                <a:latin typeface="Microsoft YaHei" panose="020B0503020204020204" pitchFamily="34" charset="-122"/>
+                <a:ea typeface="Microsoft YaHei" panose="020B0503020204020204" pitchFamily="34" charset="-122"/>
+              </a:rPr>
+              <a:t>3</a:t>
+            </a:r>
+            <a:r>
               <a:rPr lang="en-US" altLang="zh-CN" sz="2800" b="1" dirty="0">
                 <a:solidFill>
                   <a:schemeClr val="bg1"/>
@@ -11641,9 +11821,19 @@
                 <a:latin typeface="Microsoft YaHei" panose="020B0503020204020204" pitchFamily="34" charset="-122"/>
                 <a:ea typeface="Microsoft YaHei" panose="020B0503020204020204" pitchFamily="34" charset="-122"/>
               </a:rPr>
-              <a:t>2.1</a:t>
-            </a:r>
-            <a:endParaRPr lang="en-US" altLang="zh-CN" sz="2800" b="1" dirty="0">
+              <a:t>.</a:t>
+            </a:r>
+            <a:r>
+              <a:rPr lang="en-CA" altLang="en-US" sz="2800" b="1" dirty="0">
+                <a:solidFill>
+                  <a:schemeClr val="bg1"/>
+                </a:solidFill>
+                <a:latin typeface="Microsoft YaHei" panose="020B0503020204020204" pitchFamily="34" charset="-122"/>
+                <a:ea typeface="Microsoft YaHei" panose="020B0503020204020204" pitchFamily="34" charset="-122"/>
+              </a:rPr>
+              <a:t>7</a:t>
+            </a:r>
+            <a:endParaRPr lang="en-CA" altLang="en-US" sz="2800" b="1" dirty="0">
               <a:solidFill>
                 <a:schemeClr val="bg1"/>
               </a:solidFill>
@@ -12031,6 +12221,16 @@
               <a:buFont typeface="Arial" panose="020B0604020202020204" pitchFamily="34" charset="0"/>
             </a:pPr>
             <a:r>
+              <a:rPr lang="en-CA" altLang="en-US" sz="2800" b="1" dirty="0">
+                <a:solidFill>
+                  <a:schemeClr val="bg1"/>
+                </a:solidFill>
+                <a:latin typeface="Microsoft YaHei" panose="020B0503020204020204" pitchFamily="34" charset="-122"/>
+                <a:ea typeface="Microsoft YaHei" panose="020B0503020204020204" pitchFamily="34" charset="-122"/>
+              </a:rPr>
+              <a:t>3</a:t>
+            </a:r>
+            <a:r>
               <a:rPr lang="en-US" altLang="zh-CN" sz="2800" b="1" dirty="0">
                 <a:solidFill>
                   <a:schemeClr val="bg1"/>
@@ -12038,9 +12238,19 @@
                 <a:latin typeface="Microsoft YaHei" panose="020B0503020204020204" pitchFamily="34" charset="-122"/>
                 <a:ea typeface="Microsoft YaHei" panose="020B0503020204020204" pitchFamily="34" charset="-122"/>
               </a:rPr>
-              <a:t>2.1</a:t>
-            </a:r>
-            <a:endParaRPr lang="en-US" altLang="zh-CN" sz="2800" b="1" dirty="0">
+              <a:t>.</a:t>
+            </a:r>
+            <a:r>
+              <a:rPr lang="en-CA" altLang="en-US" sz="2800" b="1" dirty="0">
+                <a:solidFill>
+                  <a:schemeClr val="bg1"/>
+                </a:solidFill>
+                <a:latin typeface="Microsoft YaHei" panose="020B0503020204020204" pitchFamily="34" charset="-122"/>
+                <a:ea typeface="Microsoft YaHei" panose="020B0503020204020204" pitchFamily="34" charset="-122"/>
+              </a:rPr>
+              <a:t>8</a:t>
+            </a:r>
+            <a:endParaRPr lang="en-CA" altLang="en-US" sz="2800" b="1" dirty="0">
               <a:solidFill>
                 <a:schemeClr val="bg1"/>
               </a:solidFill>
@@ -12390,6 +12600,16 @@
               <a:buFont typeface="Arial" panose="020B0604020202020204" pitchFamily="34" charset="0"/>
             </a:pPr>
             <a:r>
+              <a:rPr lang="en-CA" altLang="en-US" sz="2800" b="1" dirty="0">
+                <a:solidFill>
+                  <a:schemeClr val="bg1"/>
+                </a:solidFill>
+                <a:latin typeface="Microsoft YaHei" panose="020B0503020204020204" pitchFamily="34" charset="-122"/>
+                <a:ea typeface="Microsoft YaHei" panose="020B0503020204020204" pitchFamily="34" charset="-122"/>
+              </a:rPr>
+              <a:t>3</a:t>
+            </a:r>
+            <a:r>
               <a:rPr lang="en-US" altLang="zh-CN" sz="2800" b="1" dirty="0">
                 <a:solidFill>
                   <a:schemeClr val="bg1"/>
@@ -12397,9 +12617,19 @@
                 <a:latin typeface="Microsoft YaHei" panose="020B0503020204020204" pitchFamily="34" charset="-122"/>
                 <a:ea typeface="Microsoft YaHei" panose="020B0503020204020204" pitchFamily="34" charset="-122"/>
               </a:rPr>
-              <a:t>2.1</a:t>
-            </a:r>
-            <a:endParaRPr lang="en-US" altLang="zh-CN" sz="2800" b="1" dirty="0">
+              <a:t>.</a:t>
+            </a:r>
+            <a:r>
+              <a:rPr lang="en-CA" altLang="en-US" sz="2800" b="1" dirty="0">
+                <a:solidFill>
+                  <a:schemeClr val="bg1"/>
+                </a:solidFill>
+                <a:latin typeface="Microsoft YaHei" panose="020B0503020204020204" pitchFamily="34" charset="-122"/>
+                <a:ea typeface="Microsoft YaHei" panose="020B0503020204020204" pitchFamily="34" charset="-122"/>
+              </a:rPr>
+              <a:t>9</a:t>
+            </a:r>
+            <a:endParaRPr lang="en-CA" altLang="en-US" sz="2800" b="1" dirty="0">
               <a:solidFill>
                 <a:schemeClr val="bg1"/>
               </a:solidFill>
@@ -12742,8 +12972,8 @@
         </p:nvSpPr>
         <p:spPr>
           <a:xfrm>
-            <a:off x="0" y="350838"/>
-            <a:ext cx="814388" cy="521970"/>
+            <a:off x="0" y="351155"/>
+            <a:ext cx="958215" cy="521970"/>
           </a:xfrm>
           <a:prstGeom prst="rect">
             <a:avLst/>
@@ -12754,7 +12984,7 @@
           </a:ln>
         </p:spPr>
         <p:txBody>
-          <a:bodyPr anchor="t" anchorCtr="0">
+          <a:bodyPr wrap="square" anchor="t" anchorCtr="0">
             <a:spAutoFit/>
           </a:bodyPr>
           <a:lstStyle/>
@@ -12762,6 +12992,16 @@
             <a:pPr>
               <a:buFont typeface="Arial" panose="020B0604020202020204" pitchFamily="34" charset="0"/>
             </a:pPr>
+            <a:r>
+              <a:rPr lang="en-CA" altLang="en-US" sz="2800" b="1" dirty="0">
+                <a:solidFill>
+                  <a:schemeClr val="bg1"/>
+                </a:solidFill>
+                <a:latin typeface="Microsoft YaHei" panose="020B0503020204020204" pitchFamily="34" charset="-122"/>
+                <a:ea typeface="Microsoft YaHei" panose="020B0503020204020204" pitchFamily="34" charset="-122"/>
+              </a:rPr>
+              <a:t>3</a:t>
+            </a:r>
             <a:r>
               <a:rPr lang="en-US" altLang="zh-CN" sz="2800" b="1" dirty="0">
                 <a:solidFill>
@@ -12770,9 +13010,19 @@
                 <a:latin typeface="Microsoft YaHei" panose="020B0503020204020204" pitchFamily="34" charset="-122"/>
                 <a:ea typeface="Microsoft YaHei" panose="020B0503020204020204" pitchFamily="34" charset="-122"/>
               </a:rPr>
-              <a:t>2.1</a:t>
-            </a:r>
-            <a:endParaRPr lang="en-US" altLang="zh-CN" sz="2800" b="1" dirty="0">
+              <a:t>.1</a:t>
+            </a:r>
+            <a:r>
+              <a:rPr lang="en-CA" altLang="en-US" sz="2800" b="1" dirty="0">
+                <a:solidFill>
+                  <a:schemeClr val="bg1"/>
+                </a:solidFill>
+                <a:latin typeface="Microsoft YaHei" panose="020B0503020204020204" pitchFamily="34" charset="-122"/>
+                <a:ea typeface="Microsoft YaHei" panose="020B0503020204020204" pitchFamily="34" charset="-122"/>
+              </a:rPr>
+              <a:t>0</a:t>
+            </a:r>
+            <a:endParaRPr lang="en-CA" altLang="en-US" sz="2800" b="1" dirty="0">
               <a:solidFill>
                 <a:schemeClr val="bg1"/>
               </a:solidFill>
@@ -13123,8 +13373,8 @@
         </p:nvSpPr>
         <p:spPr>
           <a:xfrm>
-            <a:off x="0" y="350838"/>
-            <a:ext cx="814388" cy="521970"/>
+            <a:off x="0" y="351155"/>
+            <a:ext cx="1021080" cy="521970"/>
           </a:xfrm>
           <a:prstGeom prst="rect">
             <a:avLst/>
@@ -13135,7 +13385,7 @@
           </a:ln>
         </p:spPr>
         <p:txBody>
-          <a:bodyPr anchor="t" anchorCtr="0">
+          <a:bodyPr wrap="square" anchor="t" anchorCtr="0">
             <a:spAutoFit/>
           </a:bodyPr>
           <a:lstStyle/>
@@ -13143,6 +13393,16 @@
             <a:pPr>
               <a:buFont typeface="Arial" panose="020B0604020202020204" pitchFamily="34" charset="0"/>
             </a:pPr>
+            <a:r>
+              <a:rPr lang="en-CA" altLang="en-US" sz="2800" b="1" dirty="0">
+                <a:solidFill>
+                  <a:schemeClr val="bg1"/>
+                </a:solidFill>
+                <a:latin typeface="Microsoft YaHei" panose="020B0503020204020204" pitchFamily="34" charset="-122"/>
+                <a:ea typeface="Microsoft YaHei" panose="020B0503020204020204" pitchFamily="34" charset="-122"/>
+              </a:rPr>
+              <a:t>3</a:t>
+            </a:r>
             <a:r>
               <a:rPr lang="en-US" altLang="zh-CN" sz="2800" b="1" dirty="0">
                 <a:solidFill>
@@ -13151,9 +13411,19 @@
                 <a:latin typeface="Microsoft YaHei" panose="020B0503020204020204" pitchFamily="34" charset="-122"/>
                 <a:ea typeface="Microsoft YaHei" panose="020B0503020204020204" pitchFamily="34" charset="-122"/>
               </a:rPr>
-              <a:t>2.1</a:t>
-            </a:r>
-            <a:endParaRPr lang="en-US" altLang="zh-CN" sz="2800" b="1" dirty="0">
+              <a:t>.1</a:t>
+            </a:r>
+            <a:r>
+              <a:rPr lang="en-CA" altLang="en-US" sz="2800" b="1" dirty="0">
+                <a:solidFill>
+                  <a:schemeClr val="bg1"/>
+                </a:solidFill>
+                <a:latin typeface="Microsoft YaHei" panose="020B0503020204020204" pitchFamily="34" charset="-122"/>
+                <a:ea typeface="Microsoft YaHei" panose="020B0503020204020204" pitchFamily="34" charset="-122"/>
+              </a:rPr>
+              <a:t>1</a:t>
+            </a:r>
+            <a:endParaRPr lang="en-CA" altLang="en-US" sz="2800" b="1" dirty="0">
               <a:solidFill>
                 <a:schemeClr val="bg1"/>
               </a:solidFill>
@@ -13504,8 +13774,8 @@
         </p:nvSpPr>
         <p:spPr>
           <a:xfrm>
-            <a:off x="0" y="350838"/>
-            <a:ext cx="814388" cy="521970"/>
+            <a:off x="0" y="351155"/>
+            <a:ext cx="1120775" cy="521970"/>
           </a:xfrm>
           <a:prstGeom prst="rect">
             <a:avLst/>
@@ -13516,7 +13786,7 @@
           </a:ln>
         </p:spPr>
         <p:txBody>
-          <a:bodyPr anchor="t" anchorCtr="0">
+          <a:bodyPr wrap="square" anchor="t" anchorCtr="0">
             <a:spAutoFit/>
           </a:bodyPr>
           <a:lstStyle/>
@@ -13524,6 +13794,16 @@
             <a:pPr>
               <a:buFont typeface="Arial" panose="020B0604020202020204" pitchFamily="34" charset="0"/>
             </a:pPr>
+            <a:r>
+              <a:rPr lang="en-CA" altLang="en-US" sz="2800" b="1" dirty="0">
+                <a:solidFill>
+                  <a:schemeClr val="bg1"/>
+                </a:solidFill>
+                <a:latin typeface="Microsoft YaHei" panose="020B0503020204020204" pitchFamily="34" charset="-122"/>
+                <a:ea typeface="Microsoft YaHei" panose="020B0503020204020204" pitchFamily="34" charset="-122"/>
+              </a:rPr>
+              <a:t>3</a:t>
+            </a:r>
             <a:r>
               <a:rPr lang="en-US" altLang="zh-CN" sz="2800" b="1" dirty="0">
                 <a:solidFill>
@@ -13532,9 +13812,19 @@
                 <a:latin typeface="Microsoft YaHei" panose="020B0503020204020204" pitchFamily="34" charset="-122"/>
                 <a:ea typeface="Microsoft YaHei" panose="020B0503020204020204" pitchFamily="34" charset="-122"/>
               </a:rPr>
-              <a:t>2.1</a:t>
-            </a:r>
-            <a:endParaRPr lang="en-US" altLang="zh-CN" sz="2800" b="1" dirty="0">
+              <a:t>.1</a:t>
+            </a:r>
+            <a:r>
+              <a:rPr lang="en-CA" altLang="en-US" sz="2800" b="1" dirty="0">
+                <a:solidFill>
+                  <a:schemeClr val="bg1"/>
+                </a:solidFill>
+                <a:latin typeface="Microsoft YaHei" panose="020B0503020204020204" pitchFamily="34" charset="-122"/>
+                <a:ea typeface="Microsoft YaHei" panose="020B0503020204020204" pitchFamily="34" charset="-122"/>
+              </a:rPr>
+              <a:t>2</a:t>
+            </a:r>
+            <a:endParaRPr lang="en-CA" altLang="en-US" sz="2800" b="1" dirty="0">
               <a:solidFill>
                 <a:schemeClr val="bg1"/>
               </a:solidFill>
@@ -14206,9 +14496,19 @@
                   <a:latin typeface="Microsoft YaHei" panose="020B0503020204020204" pitchFamily="34" charset="-122"/>
                   <a:ea typeface="Microsoft YaHei" panose="020B0503020204020204" pitchFamily="34" charset="-122"/>
                 </a:rPr>
-                <a:t>05</a:t>
+                <a:t>0</a:t>
               </a:r>
-              <a:endParaRPr lang="en-US" altLang="zh-CN" sz="4400" b="1" dirty="0">
+              <a:r>
+                <a:rPr lang="en-CA" altLang="en-US" sz="4400" b="1" dirty="0">
+                  <a:solidFill>
+                    <a:schemeClr val="bg1"/>
+                  </a:solidFill>
+                  <a:latin typeface="Microsoft YaHei" panose="020B0503020204020204" pitchFamily="34" charset="-122"/>
+                  <a:ea typeface="Microsoft YaHei" panose="020B0503020204020204" pitchFamily="34" charset="-122"/>
+                </a:rPr>
+                <a:t>4</a:t>
+              </a:r>
+              <a:endParaRPr lang="en-CA" altLang="en-US" sz="4400" b="1" dirty="0">
                 <a:solidFill>
                   <a:schemeClr val="bg1"/>
                 </a:solidFill>
@@ -14892,6 +15192,16 @@
               <a:buFont typeface="Arial" panose="020B0604020202020204" pitchFamily="34" charset="0"/>
             </a:pPr>
             <a:r>
+              <a:rPr lang="en-CA" altLang="en-US" sz="2800" b="1" dirty="0">
+                <a:solidFill>
+                  <a:schemeClr val="bg1"/>
+                </a:solidFill>
+                <a:latin typeface="Microsoft YaHei" panose="020B0503020204020204" pitchFamily="34" charset="-122"/>
+                <a:ea typeface="Microsoft YaHei" panose="020B0503020204020204" pitchFamily="34" charset="-122"/>
+              </a:rPr>
+              <a:t>4</a:t>
+            </a:r>
+            <a:r>
               <a:rPr lang="en-US" altLang="zh-CN" sz="2800" b="1" dirty="0">
                 <a:solidFill>
                   <a:schemeClr val="bg1"/>
@@ -14899,7 +15209,7 @@
                 <a:latin typeface="Microsoft YaHei" panose="020B0503020204020204" pitchFamily="34" charset="-122"/>
                 <a:ea typeface="Microsoft YaHei" panose="020B0503020204020204" pitchFamily="34" charset="-122"/>
               </a:rPr>
-              <a:t>2.1</a:t>
+              <a:t>.1</a:t>
             </a:r>
             <a:endParaRPr lang="en-US" altLang="zh-CN" sz="2800" b="1" dirty="0">
               <a:solidFill>
@@ -15301,6 +15611,16 @@
               <a:buFont typeface="Arial" panose="020B0604020202020204" pitchFamily="34" charset="0"/>
             </a:pPr>
             <a:r>
+              <a:rPr lang="en-CA" altLang="en-US" sz="2800" b="1" dirty="0">
+                <a:solidFill>
+                  <a:schemeClr val="bg1"/>
+                </a:solidFill>
+                <a:latin typeface="Microsoft YaHei" panose="020B0503020204020204" pitchFamily="34" charset="-122"/>
+                <a:ea typeface="Microsoft YaHei" panose="020B0503020204020204" pitchFamily="34" charset="-122"/>
+              </a:rPr>
+              <a:t>4</a:t>
+            </a:r>
+            <a:r>
               <a:rPr lang="en-US" altLang="zh-CN" sz="2800" b="1" dirty="0">
                 <a:solidFill>
                   <a:schemeClr val="bg1"/>
@@ -15308,7 +15628,7 @@
                 <a:latin typeface="Microsoft YaHei" panose="020B0503020204020204" pitchFamily="34" charset="-122"/>
                 <a:ea typeface="Microsoft YaHei" panose="020B0503020204020204" pitchFamily="34" charset="-122"/>
               </a:rPr>
-              <a:t>5.2</a:t>
+              <a:t>.2</a:t>
             </a:r>
             <a:endParaRPr lang="en-US" altLang="zh-CN" sz="2800" b="1" dirty="0">
               <a:solidFill>
@@ -15673,6 +15993,16 @@
               <a:buFont typeface="Arial" panose="020B0604020202020204" pitchFamily="34" charset="0"/>
             </a:pPr>
             <a:r>
+              <a:rPr lang="en-CA" altLang="en-US" sz="2800" b="1" dirty="0">
+                <a:solidFill>
+                  <a:schemeClr val="bg1"/>
+                </a:solidFill>
+                <a:latin typeface="Microsoft YaHei" panose="020B0503020204020204" pitchFamily="34" charset="-122"/>
+                <a:ea typeface="Microsoft YaHei" panose="020B0503020204020204" pitchFamily="34" charset="-122"/>
+              </a:rPr>
+              <a:t>4</a:t>
+            </a:r>
+            <a:r>
               <a:rPr lang="en-US" altLang="zh-CN" sz="2800" b="1" dirty="0">
                 <a:solidFill>
                   <a:schemeClr val="bg1"/>
@@ -15680,9 +16010,19 @@
                 <a:latin typeface="Microsoft YaHei" panose="020B0503020204020204" pitchFamily="34" charset="-122"/>
                 <a:ea typeface="Microsoft YaHei" panose="020B0503020204020204" pitchFamily="34" charset="-122"/>
               </a:rPr>
-              <a:t>5.2</a:t>
-            </a:r>
-            <a:endParaRPr lang="en-US" altLang="zh-CN" sz="2800" b="1" dirty="0">
+              <a:t>.</a:t>
+            </a:r>
+            <a:r>
+              <a:rPr lang="en-CA" altLang="en-US" sz="2800" b="1" dirty="0">
+                <a:solidFill>
+                  <a:schemeClr val="bg1"/>
+                </a:solidFill>
+                <a:latin typeface="Microsoft YaHei" panose="020B0503020204020204" pitchFamily="34" charset="-122"/>
+                <a:ea typeface="Microsoft YaHei" panose="020B0503020204020204" pitchFamily="34" charset="-122"/>
+              </a:rPr>
+              <a:t>3</a:t>
+            </a:r>
+            <a:endParaRPr lang="en-CA" altLang="en-US" sz="2800" b="1" dirty="0">
               <a:solidFill>
                 <a:schemeClr val="bg1"/>
               </a:solidFill>
@@ -19448,9 +19788,19 @@
                 <a:latin typeface="Microsoft YaHei" panose="020B0503020204020204" pitchFamily="34" charset="-122"/>
                 <a:ea typeface="Microsoft YaHei" panose="020B0503020204020204" pitchFamily="34" charset="-122"/>
               </a:rPr>
-              <a:t>2.1</a:t>
-            </a:r>
-            <a:endParaRPr lang="en-US" altLang="zh-CN" sz="2800" b="1" dirty="0">
+              <a:t>2.</a:t>
+            </a:r>
+            <a:r>
+              <a:rPr lang="en-CA" altLang="en-US" sz="2800" b="1" dirty="0">
+                <a:solidFill>
+                  <a:schemeClr val="bg1"/>
+                </a:solidFill>
+                <a:latin typeface="Microsoft YaHei" panose="020B0503020204020204" pitchFamily="34" charset="-122"/>
+                <a:ea typeface="Microsoft YaHei" panose="020B0503020204020204" pitchFamily="34" charset="-122"/>
+              </a:rPr>
+              <a:t>2</a:t>
+            </a:r>
+            <a:endParaRPr lang="en-CA" altLang="en-US" sz="2800" b="1" dirty="0">
               <a:solidFill>
                 <a:schemeClr val="bg1"/>
               </a:solidFill>

--- a/week7/week7_slides.pptx
+++ b/week7/week7_slides.pptx
@@ -3,48 +3,48 @@
 <p:presentation xmlns:a="http://schemas.openxmlformats.org/drawingml/2006/main" xmlns:r="http://schemas.openxmlformats.org/officeDocument/2006/relationships" xmlns:p="http://schemas.openxmlformats.org/presentationml/2006/main">
   <p:sldMasterIdLst>
     <p:sldMasterId id="2147483648" r:id="rId1"/>
-    <p:sldMasterId id="2147483651" r:id="rId3"/>
+    <p:sldMasterId id="2147483651" r:id="rId2"/>
   </p:sldMasterIdLst>
   <p:notesMasterIdLst>
-    <p:notesMasterId r:id="rId37"/>
+    <p:notesMasterId r:id="rId36"/>
   </p:notesMasterIdLst>
   <p:handoutMasterIdLst>
-    <p:handoutMasterId r:id="rId38"/>
+    <p:handoutMasterId r:id="rId37"/>
   </p:handoutMasterIdLst>
   <p:sldIdLst>
-    <p:sldId id="256" r:id="rId4"/>
-    <p:sldId id="257" r:id="rId5"/>
-    <p:sldId id="293" r:id="rId6"/>
-    <p:sldId id="442" r:id="rId7"/>
-    <p:sldId id="441" r:id="rId8"/>
-    <p:sldId id="532" r:id="rId9"/>
-    <p:sldId id="443" r:id="rId10"/>
-    <p:sldId id="569" r:id="rId11"/>
-    <p:sldId id="534" r:id="rId12"/>
-    <p:sldId id="570" r:id="rId13"/>
-    <p:sldId id="581" r:id="rId14"/>
-    <p:sldId id="582" r:id="rId15"/>
-    <p:sldId id="583" r:id="rId16"/>
-    <p:sldId id="584" r:id="rId17"/>
-    <p:sldId id="585" r:id="rId18"/>
-    <p:sldId id="444" r:id="rId19"/>
-    <p:sldId id="571" r:id="rId20"/>
-    <p:sldId id="574" r:id="rId21"/>
-    <p:sldId id="575" r:id="rId22"/>
-    <p:sldId id="572" r:id="rId23"/>
-    <p:sldId id="566" r:id="rId24"/>
-    <p:sldId id="567" r:id="rId25"/>
-    <p:sldId id="578" r:id="rId26"/>
-    <p:sldId id="579" r:id="rId27"/>
-    <p:sldId id="580" r:id="rId28"/>
-    <p:sldId id="573" r:id="rId29"/>
-    <p:sldId id="577" r:id="rId30"/>
-    <p:sldId id="576" r:id="rId31"/>
-    <p:sldId id="378" r:id="rId32"/>
-    <p:sldId id="568" r:id="rId33"/>
-    <p:sldId id="587" r:id="rId34"/>
-    <p:sldId id="538" r:id="rId35"/>
-    <p:sldId id="289" r:id="rId36"/>
+    <p:sldId id="256" r:id="rId3"/>
+    <p:sldId id="257" r:id="rId4"/>
+    <p:sldId id="293" r:id="rId5"/>
+    <p:sldId id="442" r:id="rId6"/>
+    <p:sldId id="441" r:id="rId7"/>
+    <p:sldId id="532" r:id="rId8"/>
+    <p:sldId id="443" r:id="rId9"/>
+    <p:sldId id="569" r:id="rId10"/>
+    <p:sldId id="534" r:id="rId11"/>
+    <p:sldId id="570" r:id="rId12"/>
+    <p:sldId id="581" r:id="rId13"/>
+    <p:sldId id="582" r:id="rId14"/>
+    <p:sldId id="583" r:id="rId15"/>
+    <p:sldId id="584" r:id="rId16"/>
+    <p:sldId id="585" r:id="rId17"/>
+    <p:sldId id="444" r:id="rId18"/>
+    <p:sldId id="571" r:id="rId19"/>
+    <p:sldId id="574" r:id="rId20"/>
+    <p:sldId id="575" r:id="rId21"/>
+    <p:sldId id="572" r:id="rId22"/>
+    <p:sldId id="566" r:id="rId23"/>
+    <p:sldId id="567" r:id="rId24"/>
+    <p:sldId id="578" r:id="rId25"/>
+    <p:sldId id="579" r:id="rId26"/>
+    <p:sldId id="580" r:id="rId27"/>
+    <p:sldId id="573" r:id="rId28"/>
+    <p:sldId id="577" r:id="rId29"/>
+    <p:sldId id="576" r:id="rId30"/>
+    <p:sldId id="378" r:id="rId31"/>
+    <p:sldId id="568" r:id="rId32"/>
+    <p:sldId id="587" r:id="rId33"/>
+    <p:sldId id="538" r:id="rId34"/>
+    <p:sldId id="289" r:id="rId35"/>
   </p:sldIdLst>
   <p:sldSz cx="12192000" cy="6858000"/>
   <p:notesSz cx="6858000" cy="9144000"/>
@@ -241,6 +241,22 @@
       </a:defRPr>
     </a:lvl9pPr>
   </p:defaultTextStyle>
+  <p:extLst>
+    <p:ext uri="{EFAFB233-063F-42B5-8137-9DF3F51BA10A}">
+      <p15:sldGuideLst xmlns:p15="http://schemas.microsoft.com/office/powerpoint/2012/main">
+        <p15:guide id="1" orient="horz" pos="2116">
+          <p15:clr>
+            <a:srgbClr val="A4A3A4"/>
+          </p15:clr>
+        </p15:guide>
+        <p15:guide id="2" pos="2932">
+          <p15:clr>
+            <a:srgbClr val="A4A3A4"/>
+          </p15:clr>
+        </p15:guide>
+      </p15:sldGuideLst>
+    </p:ext>
+  </p:extLst>
 </p:presentation>
 </file>
 
@@ -332,6 +348,7 @@
                 <a:ea typeface="SimSun" panose="02010600030101010101" pitchFamily="2" charset="-122"/>
                 <a:cs typeface="+mn-cs"/>
               </a:rPr>
+              <a:t>2022/10/30</a:t>
             </a:fld>
             <a:endParaRPr lang="zh-CN" altLang="en-US" strike="noStrike" noProof="1"/>
           </a:p>
@@ -403,12 +420,18 @@
                 <a:ea typeface="SimSun" panose="02010600030101010101" pitchFamily="2" charset="-122"/>
                 <a:cs typeface="+mn-cs"/>
               </a:rPr>
+              <a:t>‹#›</a:t>
             </a:fld>
             <a:endParaRPr lang="zh-CN" altLang="en-US" strike="noStrike" noProof="1"/>
           </a:p>
         </p:txBody>
       </p:sp>
     </p:spTree>
+    <p:extLst>
+      <p:ext uri="{BB962C8B-B14F-4D97-AF65-F5344CB8AC3E}">
+        <p14:creationId xmlns:p14="http://schemas.microsoft.com/office/powerpoint/2010/main" val="1"/>
+      </p:ext>
+    </p:extLst>
   </p:cSld>
   <p:clrMap bg1="lt1" tx1="dk1" bg2="lt2" tx2="dk2" accent1="accent1" accent2="accent2" accent3="accent3" accent4="accent4" accent5="accent5" accent6="accent6" hlink="hlink" folHlink="folHlink"/>
 </p:handoutMaster>
@@ -502,6 +525,7 @@
                 <a:ea typeface="SimSun" panose="02010600030101010101" pitchFamily="2" charset="-122"/>
                 <a:cs typeface="+mn-cs"/>
               </a:rPr>
+              <a:t>2022/10/30</a:t>
             </a:fld>
             <a:endParaRPr lang="zh-CN" altLang="en-US" strike="noStrike" noProof="1"/>
           </a:p>
@@ -569,7 +593,6 @@
               <a:rPr lang="zh-CN" altLang="en-US"/>
               <a:t>Click to edit Master text style</a:t>
             </a:r>
-            <a:endParaRPr lang="zh-CN" altLang="en-US"/>
           </a:p>
           <a:p>
             <a:pPr lvl="1"/>
@@ -577,7 +600,6 @@
               <a:rPr lang="zh-CN" altLang="en-US"/>
               <a:t>Second level</a:t>
             </a:r>
-            <a:endParaRPr lang="zh-CN" altLang="en-US"/>
           </a:p>
           <a:p>
             <a:pPr lvl="2"/>
@@ -585,7 +607,6 @@
               <a:rPr lang="zh-CN" altLang="en-US"/>
               <a:t>Third level</a:t>
             </a:r>
-            <a:endParaRPr lang="zh-CN" altLang="en-US"/>
           </a:p>
           <a:p>
             <a:pPr lvl="3"/>
@@ -593,7 +614,6 @@
               <a:rPr lang="zh-CN" altLang="en-US"/>
               <a:t>Fourth level</a:t>
             </a:r>
-            <a:endParaRPr lang="zh-CN" altLang="en-US"/>
           </a:p>
           <a:p>
             <a:pPr lvl="4"/>
@@ -601,7 +621,6 @@
               <a:rPr lang="zh-CN" altLang="en-US"/>
               <a:t>Fifth level</a:t>
             </a:r>
-            <a:endParaRPr lang="zh-CN" altLang="en-US"/>
           </a:p>
         </p:txBody>
       </p:sp>
@@ -671,6 +690,7 @@
                 <a:ea typeface="SimSun" panose="02010600030101010101" pitchFamily="2" charset="-122"/>
                 <a:cs typeface="+mn-cs"/>
               </a:rPr>
+              <a:t>‹#›</a:t>
             </a:fld>
             <a:endParaRPr lang="zh-CN" altLang="en-US" strike="noStrike" noProof="1"/>
           </a:p>
@@ -821,7 +841,6 @@
               <a:rPr lang="zh-CN" altLang="en-US" strike="noStrike" noProof="1"/>
               <a:t>Click to edit Master title style</a:t>
             </a:r>
-            <a:endParaRPr lang="zh-CN" altLang="en-US" strike="noStrike" noProof="1"/>
           </a:p>
         </p:txBody>
       </p:sp>
@@ -887,7 +906,6 @@
               <a:rPr lang="zh-CN" altLang="en-US" strike="noStrike" noProof="1"/>
               <a:t>Click to edit Master title style</a:t>
             </a:r>
-            <a:endParaRPr lang="zh-CN" altLang="en-US" strike="noStrike" noProof="1"/>
           </a:p>
         </p:txBody>
       </p:sp>
@@ -1039,6 +1057,7 @@
                 <a:ea typeface="+mn-ea"/>
                 <a:cs typeface="+mn-cs"/>
               </a:rPr>
+              <a:t>‹#›</a:t>
             </a:fld>
             <a:endParaRPr kumimoji="0" lang="zh-CN" altLang="en-US" sz="1200" b="0" i="0" u="none" strike="noStrike" kern="1200" cap="none" spc="0" normalizeH="0" baseline="0" noProof="0">
               <a:ln>
@@ -1107,7 +1126,6 @@
               <a:rPr lang="zh-CN" altLang="en-US" strike="noStrike" noProof="1"/>
               <a:t>Click to edit Master title style</a:t>
             </a:r>
-            <a:endParaRPr lang="zh-CN" altLang="en-US" strike="noStrike" noProof="1"/>
           </a:p>
         </p:txBody>
       </p:sp>
@@ -1131,7 +1149,6 @@
               <a:rPr lang="zh-CN" altLang="en-US" strike="noStrike" noProof="1"/>
               <a:t>Click to edit Master text style</a:t>
             </a:r>
-            <a:endParaRPr lang="zh-CN" altLang="en-US" strike="noStrike" noProof="1"/>
           </a:p>
           <a:p>
             <a:pPr lvl="1" fontAlgn="base"/>
@@ -1139,7 +1156,6 @@
               <a:rPr lang="zh-CN" altLang="en-US" strike="noStrike" noProof="1"/>
               <a:t>Second level</a:t>
             </a:r>
-            <a:endParaRPr lang="zh-CN" altLang="en-US" strike="noStrike" noProof="1"/>
           </a:p>
           <a:p>
             <a:pPr lvl="2" fontAlgn="base"/>
@@ -1147,7 +1163,6 @@
               <a:rPr lang="zh-CN" altLang="en-US" strike="noStrike" noProof="1"/>
               <a:t>Third level</a:t>
             </a:r>
-            <a:endParaRPr lang="zh-CN" altLang="en-US" strike="noStrike" noProof="1"/>
           </a:p>
           <a:p>
             <a:pPr lvl="3" fontAlgn="base"/>
@@ -1155,7 +1170,6 @@
               <a:rPr lang="zh-CN" altLang="en-US" strike="noStrike" noProof="1"/>
               <a:t>Fourth level</a:t>
             </a:r>
-            <a:endParaRPr lang="zh-CN" altLang="en-US" strike="noStrike" noProof="1"/>
           </a:p>
           <a:p>
             <a:pPr lvl="4" fontAlgn="base"/>
@@ -1163,7 +1177,6 @@
               <a:rPr lang="zh-CN" altLang="en-US" strike="noStrike" noProof="1"/>
               <a:t>Fifth level</a:t>
             </a:r>
-            <a:endParaRPr lang="zh-CN" altLang="en-US" strike="noStrike" noProof="1"/>
           </a:p>
         </p:txBody>
       </p:sp>
@@ -1315,6 +1328,7 @@
                 <a:ea typeface="+mn-ea"/>
                 <a:cs typeface="+mn-cs"/>
               </a:rPr>
+              <a:t>‹#›</a:t>
             </a:fld>
             <a:endParaRPr kumimoji="0" lang="zh-CN" altLang="en-US" sz="1200" b="0" i="0" u="none" strike="noStrike" kern="1200" cap="none" spc="0" normalizeH="0" baseline="0" noProof="0">
               <a:ln>
@@ -1392,7 +1406,6 @@
               <a:rPr lang="zh-CN" altLang="en-US" strike="noStrike" noProof="1"/>
               <a:t>Click to edit Master title style</a:t>
             </a:r>
-            <a:endParaRPr lang="zh-CN" altLang="en-US" strike="noStrike" noProof="1"/>
           </a:p>
         </p:txBody>
       </p:sp>
@@ -1458,7 +1471,6 @@
               <a:rPr lang="zh-CN" altLang="en-US" strike="noStrike" noProof="1"/>
               <a:t>Click to edit Master title style</a:t>
             </a:r>
-            <a:endParaRPr lang="zh-CN" altLang="en-US" strike="noStrike" noProof="1"/>
           </a:p>
         </p:txBody>
       </p:sp>
@@ -1610,6 +1622,7 @@
                 <a:ea typeface="+mn-ea"/>
                 <a:cs typeface="+mn-cs"/>
               </a:rPr>
+              <a:t>‹#›</a:t>
             </a:fld>
             <a:endParaRPr kumimoji="0" lang="zh-CN" altLang="en-US" sz="1200" b="0" i="0" u="none" strike="noStrike" kern="1200" cap="none" spc="0" normalizeH="0" baseline="0" noProof="0">
               <a:ln>
@@ -1678,7 +1691,6 @@
               <a:rPr lang="zh-CN" altLang="en-US" strike="noStrike" noProof="1"/>
               <a:t>Click to edit Master title style</a:t>
             </a:r>
-            <a:endParaRPr lang="zh-CN" altLang="en-US" strike="noStrike" noProof="1"/>
           </a:p>
         </p:txBody>
       </p:sp>
@@ -1702,7 +1714,6 @@
               <a:rPr lang="zh-CN" altLang="en-US" strike="noStrike" noProof="1"/>
               <a:t>Click to edit Master text style</a:t>
             </a:r>
-            <a:endParaRPr lang="zh-CN" altLang="en-US" strike="noStrike" noProof="1"/>
           </a:p>
           <a:p>
             <a:pPr lvl="1" fontAlgn="base"/>
@@ -1710,7 +1721,6 @@
               <a:rPr lang="zh-CN" altLang="en-US" strike="noStrike" noProof="1"/>
               <a:t>Second level</a:t>
             </a:r>
-            <a:endParaRPr lang="zh-CN" altLang="en-US" strike="noStrike" noProof="1"/>
           </a:p>
           <a:p>
             <a:pPr lvl="2" fontAlgn="base"/>
@@ -1718,7 +1728,6 @@
               <a:rPr lang="zh-CN" altLang="en-US" strike="noStrike" noProof="1"/>
               <a:t>Third level</a:t>
             </a:r>
-            <a:endParaRPr lang="zh-CN" altLang="en-US" strike="noStrike" noProof="1"/>
           </a:p>
           <a:p>
             <a:pPr lvl="3" fontAlgn="base"/>
@@ -1726,7 +1735,6 @@
               <a:rPr lang="zh-CN" altLang="en-US" strike="noStrike" noProof="1"/>
               <a:t>Fourth level</a:t>
             </a:r>
-            <a:endParaRPr lang="zh-CN" altLang="en-US" strike="noStrike" noProof="1"/>
           </a:p>
           <a:p>
             <a:pPr lvl="4" fontAlgn="base"/>
@@ -1734,7 +1742,6 @@
               <a:rPr lang="zh-CN" altLang="en-US" strike="noStrike" noProof="1"/>
               <a:t>Fifth level</a:t>
             </a:r>
-            <a:endParaRPr lang="zh-CN" altLang="en-US" strike="noStrike" noProof="1"/>
           </a:p>
         </p:txBody>
       </p:sp>
@@ -1886,6 +1893,7 @@
                 <a:ea typeface="+mn-ea"/>
                 <a:cs typeface="+mn-cs"/>
               </a:rPr>
+              <a:t>‹#›</a:t>
             </a:fld>
             <a:endParaRPr kumimoji="0" lang="zh-CN" altLang="en-US" sz="1200" b="0" i="0" u="none" strike="noStrike" kern="1200" cap="none" spc="0" normalizeH="0" baseline="0" noProof="0">
               <a:ln>
@@ -1974,7 +1982,6 @@
               <a:rPr lang="zh-CN" altLang="en-US" dirty="0"/>
               <a:t>Click to edit Master title style</a:t>
             </a:r>
-            <a:endParaRPr lang="zh-CN" altLang="en-US" dirty="0"/>
           </a:p>
         </p:txBody>
       </p:sp>
@@ -2010,7 +2017,6 @@
               <a:rPr lang="zh-CN" altLang="en-US" dirty="0"/>
               <a:t>Click to edit Master text style</a:t>
             </a:r>
-            <a:endParaRPr lang="zh-CN" altLang="en-US" dirty="0"/>
           </a:p>
           <a:p>
             <a:pPr lvl="1"/>
@@ -2018,7 +2024,6 @@
               <a:rPr lang="zh-CN" altLang="en-US" dirty="0"/>
               <a:t>Second level</a:t>
             </a:r>
-            <a:endParaRPr lang="zh-CN" altLang="en-US" dirty="0"/>
           </a:p>
           <a:p>
             <a:pPr lvl="2"/>
@@ -2026,7 +2031,6 @@
               <a:rPr lang="zh-CN" altLang="en-US" dirty="0"/>
               <a:t>Third level</a:t>
             </a:r>
-            <a:endParaRPr lang="zh-CN" altLang="en-US" dirty="0"/>
           </a:p>
           <a:p>
             <a:pPr lvl="3"/>
@@ -2034,7 +2038,6 @@
               <a:rPr lang="zh-CN" altLang="en-US" dirty="0"/>
               <a:t>Fourth level</a:t>
             </a:r>
-            <a:endParaRPr lang="zh-CN" altLang="en-US" dirty="0"/>
           </a:p>
           <a:p>
             <a:pPr lvl="4"/>
@@ -2042,7 +2045,6 @@
               <a:rPr lang="zh-CN" altLang="en-US" dirty="0"/>
               <a:t>Fifth level</a:t>
             </a:r>
-            <a:endParaRPr lang="zh-CN" altLang="en-US" dirty="0"/>
           </a:p>
         </p:txBody>
       </p:sp>
@@ -2272,6 +2274,7 @@
                 <a:ea typeface="+mn-ea"/>
                 <a:cs typeface="+mn-cs"/>
               </a:rPr>
+              <a:t>‹#›</a:t>
             </a:fld>
             <a:endParaRPr kumimoji="0" lang="zh-CN" altLang="en-US" sz="1200" b="0" i="0" u="none" strike="noStrike" kern="1200" cap="none" spc="0" normalizeH="0" baseline="0" noProof="0">
               <a:ln>
@@ -2804,7 +2807,6 @@
               <a:rPr lang="zh-CN" altLang="en-US" dirty="0"/>
               <a:t>Click to edit Master title style</a:t>
             </a:r>
-            <a:endParaRPr lang="zh-CN" altLang="en-US" dirty="0"/>
           </a:p>
         </p:txBody>
       </p:sp>
@@ -2840,7 +2842,6 @@
               <a:rPr lang="zh-CN" altLang="en-US" dirty="0"/>
               <a:t>Click to edit Master text style</a:t>
             </a:r>
-            <a:endParaRPr lang="zh-CN" altLang="en-US" dirty="0"/>
           </a:p>
           <a:p>
             <a:pPr lvl="1"/>
@@ -2848,7 +2849,6 @@
               <a:rPr lang="zh-CN" altLang="en-US" dirty="0"/>
               <a:t>Second level</a:t>
             </a:r>
-            <a:endParaRPr lang="zh-CN" altLang="en-US" dirty="0"/>
           </a:p>
           <a:p>
             <a:pPr lvl="2"/>
@@ -2856,7 +2856,6 @@
               <a:rPr lang="zh-CN" altLang="en-US" dirty="0"/>
               <a:t>Third level</a:t>
             </a:r>
-            <a:endParaRPr lang="zh-CN" altLang="en-US" dirty="0"/>
           </a:p>
           <a:p>
             <a:pPr lvl="3"/>
@@ -2864,7 +2863,6 @@
               <a:rPr lang="zh-CN" altLang="en-US" dirty="0"/>
               <a:t>Fourth level</a:t>
             </a:r>
-            <a:endParaRPr lang="zh-CN" altLang="en-US" dirty="0"/>
           </a:p>
           <a:p>
             <a:pPr lvl="4"/>
@@ -2872,7 +2870,6 @@
               <a:rPr lang="zh-CN" altLang="en-US" dirty="0"/>
               <a:t>Fifth level</a:t>
             </a:r>
-            <a:endParaRPr lang="zh-CN" altLang="en-US" dirty="0"/>
           </a:p>
         </p:txBody>
       </p:sp>
@@ -3102,6 +3099,7 @@
                 <a:ea typeface="+mn-ea"/>
                 <a:cs typeface="+mn-cs"/>
               </a:rPr>
+              <a:t>‹#›</a:t>
             </a:fld>
             <a:endParaRPr kumimoji="0" lang="zh-CN" altLang="en-US" sz="1200" b="0" i="0" u="none" strike="noStrike" kern="1200" cap="none" spc="0" normalizeH="0" baseline="0" noProof="0">
               <a:ln>
@@ -3874,13 +3872,6 @@
               </a:rPr>
               <a:t>H.A.C.C.</a:t>
             </a:r>
-            <a:endParaRPr lang="en-US" altLang="zh-CN" sz="3200" b="1" dirty="0">
-              <a:solidFill>
-                <a:srgbClr val="262626"/>
-              </a:solidFill>
-              <a:latin typeface="Microsoft YaHei" panose="020B0503020204020204" pitchFamily="34" charset="-122"/>
-              <a:ea typeface="Microsoft YaHei" panose="020B0503020204020204" pitchFamily="34" charset="-122"/>
-            </a:endParaRPr>
           </a:p>
           <a:p>
             <a:r>
@@ -3893,13 +3884,6 @@
               </a:rPr>
               <a:t>Data Structures and Algorithms</a:t>
             </a:r>
-            <a:endParaRPr lang="en-US" altLang="zh-CN" sz="3200" b="1" dirty="0">
-              <a:solidFill>
-                <a:srgbClr val="262626"/>
-              </a:solidFill>
-              <a:latin typeface="Microsoft YaHei" panose="020B0503020204020204" pitchFamily="34" charset="-122"/>
-              <a:ea typeface="Microsoft YaHei" panose="020B0503020204020204" pitchFamily="34" charset="-122"/>
-            </a:endParaRPr>
           </a:p>
         </p:txBody>
       </p:sp>
@@ -4849,13 +4833,6 @@
               </a:rPr>
               <a:t>Jimmy Zhang</a:t>
             </a:r>
-            <a:endParaRPr lang="en-US" altLang="zh-CN" dirty="0">
-              <a:solidFill>
-                <a:srgbClr val="262626"/>
-              </a:solidFill>
-              <a:latin typeface="Microsoft YaHei" panose="020B0503020204020204" pitchFamily="34" charset="-122"/>
-              <a:ea typeface="Microsoft YaHei" panose="020B0503020204020204" pitchFamily="34" charset="-122"/>
-            </a:endParaRPr>
           </a:p>
         </p:txBody>
       </p:sp>
@@ -4894,13 +4871,6 @@
               </a:rPr>
               <a:t>Fall 2022</a:t>
             </a:r>
-            <a:endParaRPr lang="en-US" altLang="zh-CN" dirty="0">
-              <a:solidFill>
-                <a:srgbClr val="262626"/>
-              </a:solidFill>
-              <a:latin typeface="Microsoft YaHei" panose="020B0503020204020204" pitchFamily="34" charset="-122"/>
-              <a:ea typeface="Microsoft YaHei" panose="020B0503020204020204" pitchFamily="34" charset="-122"/>
-            </a:endParaRPr>
           </a:p>
         </p:txBody>
       </p:sp>
@@ -5109,13 +5079,6 @@
               </a:rPr>
               <a:t>3</a:t>
             </a:r>
-            <a:endParaRPr lang="en-CA" altLang="en-US" sz="2800" b="1" dirty="0">
-              <a:solidFill>
-                <a:schemeClr val="bg1"/>
-              </a:solidFill>
-              <a:latin typeface="Microsoft YaHei" panose="020B0503020204020204" pitchFamily="34" charset="-122"/>
-              <a:ea typeface="Microsoft YaHei" panose="020B0503020204020204" pitchFamily="34" charset="-122"/>
-            </a:endParaRPr>
           </a:p>
         </p:txBody>
       </p:sp>
@@ -5205,24 +5168,6 @@
               </a:rPr>
               <a:t>Graph-type Problems</a:t>
             </a:r>
-            <a:endParaRPr kumimoji="0" lang="en-CA" altLang="en-US" sz="2800" b="1" i="0" u="none" strike="noStrike" kern="1200" cap="none" spc="0" normalizeH="0" baseline="0" noProof="0" dirty="0">
-              <a:ln>
-                <a:noFill/>
-              </a:ln>
-              <a:solidFill>
-                <a:schemeClr val="tx1">
-                  <a:lumMod val="85000"/>
-                  <a:lumOff val="15000"/>
-                </a:schemeClr>
-              </a:solidFill>
-              <a:effectLst/>
-              <a:uLnTx/>
-              <a:uFillTx/>
-              <a:latin typeface="Microsoft YaHei" panose="020B0503020204020204" pitchFamily="34" charset="-122"/>
-              <a:ea typeface="Microsoft YaHei" panose="020B0503020204020204" pitchFamily="34" charset="-122"/>
-              <a:cs typeface="+mn-cs"/>
-              <a:sym typeface="+mn-ea"/>
-            </a:endParaRPr>
           </a:p>
         </p:txBody>
       </p:sp>
@@ -5251,7 +5196,6 @@
               <a:rPr lang="en-CA" altLang="en-US" sz="3195" dirty="0"/>
               <a:t>Find a path from point A to B</a:t>
             </a:r>
-            <a:endParaRPr lang="en-CA" altLang="en-US" sz="3195" dirty="0"/>
           </a:p>
           <a:p>
             <a:pPr lvl="1"/>
@@ -5259,7 +5203,6 @@
               <a:rPr lang="en-CA" altLang="en-US" sz="2735" dirty="0"/>
               <a:t>Variants include: find shortest/longest path, etc</a:t>
             </a:r>
-            <a:endParaRPr lang="en-CA" altLang="en-US" sz="2735" dirty="0"/>
           </a:p>
           <a:p>
             <a:pPr lvl="1"/>
@@ -5267,7 +5210,6 @@
               <a:rPr lang="en-CA" altLang="en-US" sz="2735" dirty="0"/>
               <a:t>Think Google Maps</a:t>
             </a:r>
-            <a:endParaRPr lang="en-CA" altLang="en-US" sz="2735" dirty="0"/>
           </a:p>
           <a:p>
             <a:pPr lvl="1"/>
@@ -5275,7 +5217,6 @@
               <a:rPr lang="en-CA" altLang="en-US" sz="2735" dirty="0"/>
               <a:t>Here the “path” could be anything, a mathematical formula, a logical statement, an object, etc...</a:t>
             </a:r>
-            <a:endParaRPr lang="en-CA" altLang="en-US" sz="2735" dirty="0"/>
           </a:p>
           <a:p>
             <a:pPr lvl="0"/>
@@ -5283,7 +5224,6 @@
               <a:rPr lang="en-CA" altLang="en-US" sz="3195" dirty="0"/>
               <a:t>Find connected components</a:t>
             </a:r>
-            <a:endParaRPr lang="en-CA" altLang="en-US" sz="3195" dirty="0"/>
           </a:p>
           <a:p>
             <a:pPr lvl="0"/>
@@ -5291,7 +5231,6 @@
               <a:rPr lang="en-CA" altLang="en-US" sz="3195" dirty="0"/>
               <a:t>Detect cycles</a:t>
             </a:r>
-            <a:endParaRPr lang="en-CA" altLang="en-US" sz="3195" dirty="0"/>
           </a:p>
         </p:txBody>
       </p:sp>
@@ -5500,13 +5439,6 @@
               </a:rPr>
               <a:t>4</a:t>
             </a:r>
-            <a:endParaRPr lang="en-CA" sz="2800" b="1" dirty="0">
-              <a:solidFill>
-                <a:schemeClr val="bg1"/>
-              </a:solidFill>
-              <a:latin typeface="Microsoft YaHei" panose="020B0503020204020204" pitchFamily="34" charset="-122"/>
-              <a:ea typeface="Microsoft YaHei" panose="020B0503020204020204" pitchFamily="34" charset="-122"/>
-            </a:endParaRPr>
           </a:p>
         </p:txBody>
       </p:sp>
@@ -5596,24 +5528,6 @@
               </a:rPr>
               <a:t>Graph Terminologies</a:t>
             </a:r>
-            <a:endParaRPr kumimoji="0" lang="en-CA" altLang="en-US" sz="2800" b="1" i="0" u="none" strike="noStrike" kern="1200" cap="none" spc="0" normalizeH="0" baseline="0" noProof="0" dirty="0">
-              <a:ln>
-                <a:noFill/>
-              </a:ln>
-              <a:solidFill>
-                <a:schemeClr val="tx1">
-                  <a:lumMod val="85000"/>
-                  <a:lumOff val="15000"/>
-                </a:schemeClr>
-              </a:solidFill>
-              <a:effectLst/>
-              <a:uLnTx/>
-              <a:uFillTx/>
-              <a:latin typeface="Microsoft YaHei" panose="020B0503020204020204" pitchFamily="34" charset="-122"/>
-              <a:ea typeface="Microsoft YaHei" panose="020B0503020204020204" pitchFamily="34" charset="-122"/>
-              <a:cs typeface="+mn-cs"/>
-              <a:sym typeface="+mn-ea"/>
-            </a:endParaRPr>
           </a:p>
         </p:txBody>
       </p:sp>
@@ -5642,7 +5556,6 @@
               <a:rPr lang="en-US" sz="3195" dirty="0"/>
               <a:t>A graph consists of vertices ("nodes" in trees) and edges. </a:t>
             </a:r>
-            <a:endParaRPr lang="en-US" sz="3195" dirty="0"/>
           </a:p>
           <a:p>
             <a:pPr lvl="0"/>
@@ -5650,7 +5563,6 @@
               <a:rPr lang="en-US" sz="3195" dirty="0"/>
               <a:t>Vertices are connected by edges. </a:t>
             </a:r>
-            <a:endParaRPr lang="en-US" sz="3195" dirty="0"/>
           </a:p>
           <a:p>
             <a:pPr lvl="0"/>
@@ -5658,7 +5570,6 @@
               <a:rPr lang="en-US" sz="3195" dirty="0"/>
               <a:t>Two vertices connected by an edge are called neighbors and are adjacent ("children" and "parents" in trees).</a:t>
             </a:r>
-            <a:endParaRPr lang="en-US" sz="3195" dirty="0"/>
           </a:p>
         </p:txBody>
       </p:sp>
@@ -5671,7 +5582,7 @@
           <p:nvPr/>
         </p:nvPicPr>
         <p:blipFill>
-          <a:blip r:embed="rId1"/>
+          <a:blip r:embed="rId2"/>
           <a:stretch>
             <a:fillRect/>
           </a:stretch>
@@ -5891,13 +5802,6 @@
               </a:rPr>
               <a:t>5</a:t>
             </a:r>
-            <a:endParaRPr lang="en-CA" altLang="en-US" sz="2800" b="1" dirty="0">
-              <a:solidFill>
-                <a:schemeClr val="bg1"/>
-              </a:solidFill>
-              <a:latin typeface="Microsoft YaHei" panose="020B0503020204020204" pitchFamily="34" charset="-122"/>
-              <a:ea typeface="Microsoft YaHei" panose="020B0503020204020204" pitchFamily="34" charset="-122"/>
-            </a:endParaRPr>
           </a:p>
         </p:txBody>
       </p:sp>
@@ -6032,7 +5936,6 @@
               <a:rPr lang="en-US" sz="3195" dirty="0"/>
               <a:t>Edges can be undirected or directed. </a:t>
             </a:r>
-            <a:endParaRPr lang="en-US" sz="3195" dirty="0"/>
           </a:p>
           <a:p>
             <a:pPr lvl="0"/>
@@ -6040,7 +5943,6 @@
               <a:rPr lang="en-US" sz="3195" dirty="0"/>
               <a:t>A tree is also an undirected graph. </a:t>
             </a:r>
-            <a:endParaRPr lang="en-US" sz="3195" dirty="0"/>
           </a:p>
         </p:txBody>
       </p:sp>
@@ -6053,7 +5955,7 @@
           <p:nvPr/>
         </p:nvPicPr>
         <p:blipFill>
-          <a:blip r:embed="rId1"/>
+          <a:blip r:embed="rId2"/>
           <a:stretch>
             <a:fillRect/>
           </a:stretch>
@@ -6273,13 +6175,6 @@
               </a:rPr>
               <a:t>6</a:t>
             </a:r>
-            <a:endParaRPr lang="en-CA" altLang="en-US" sz="2800" b="1" dirty="0">
-              <a:solidFill>
-                <a:schemeClr val="bg1"/>
-              </a:solidFill>
-              <a:latin typeface="Microsoft YaHei" panose="020B0503020204020204" pitchFamily="34" charset="-122"/>
-              <a:ea typeface="Microsoft YaHei" panose="020B0503020204020204" pitchFamily="34" charset="-122"/>
-            </a:endParaRPr>
           </a:p>
         </p:txBody>
       </p:sp>
@@ -6369,24 +6264,6 @@
               </a:rPr>
               <a:t>Graph Terminologies</a:t>
             </a:r>
-            <a:endParaRPr kumimoji="0" lang="en-CA" altLang="en-US" sz="2800" b="1" i="0" u="none" strike="noStrike" kern="1200" cap="none" spc="0" normalizeH="0" baseline="0" noProof="0" dirty="0">
-              <a:ln>
-                <a:noFill/>
-              </a:ln>
-              <a:solidFill>
-                <a:schemeClr val="tx1">
-                  <a:lumMod val="85000"/>
-                  <a:lumOff val="15000"/>
-                </a:schemeClr>
-              </a:solidFill>
-              <a:effectLst/>
-              <a:uLnTx/>
-              <a:uFillTx/>
-              <a:latin typeface="Microsoft YaHei" panose="020B0503020204020204" pitchFamily="34" charset="-122"/>
-              <a:ea typeface="Microsoft YaHei" panose="020B0503020204020204" pitchFamily="34" charset="-122"/>
-              <a:cs typeface="+mn-cs"/>
-              <a:sym typeface="+mn-ea"/>
-            </a:endParaRPr>
           </a:p>
         </p:txBody>
       </p:sp>
@@ -6415,7 +6292,6 @@
               <a:rPr lang="en-US" sz="3195" dirty="0"/>
               <a:t>A path is a sequence of vertices. </a:t>
             </a:r>
-            <a:endParaRPr lang="en-US" sz="3195" dirty="0"/>
           </a:p>
           <a:p>
             <a:pPr lvl="0"/>
@@ -6423,7 +6299,6 @@
               <a:rPr lang="en-US" sz="3195" dirty="0"/>
               <a:t>A cycle is a path that starts and ends at the same vertex.</a:t>
             </a:r>
-            <a:endParaRPr lang="en-US" sz="3195" dirty="0"/>
           </a:p>
           <a:p>
             <a:pPr lvl="0"/>
@@ -6440,7 +6315,7 @@
           <p:nvPr/>
         </p:nvPicPr>
         <p:blipFill>
-          <a:blip r:embed="rId1"/>
+          <a:blip r:embed="rId2"/>
           <a:stretch>
             <a:fillRect/>
           </a:stretch>
@@ -6660,13 +6535,6 @@
               </a:rPr>
               <a:t>7</a:t>
             </a:r>
-            <a:endParaRPr lang="en-CA" altLang="en-US" sz="2800" b="1" dirty="0">
-              <a:solidFill>
-                <a:schemeClr val="bg1"/>
-              </a:solidFill>
-              <a:latin typeface="Microsoft YaHei" panose="020B0503020204020204" pitchFamily="34" charset="-122"/>
-              <a:ea typeface="Microsoft YaHei" panose="020B0503020204020204" pitchFamily="34" charset="-122"/>
-            </a:endParaRPr>
           </a:p>
         </p:txBody>
       </p:sp>
@@ -6801,7 +6669,6 @@
               <a:rPr lang="en-US" sz="3195" dirty="0"/>
               <a:t>An undirected graph is connected if every vertex is joined by a path to another vertex. </a:t>
             </a:r>
-            <a:endParaRPr lang="en-US" sz="3195" dirty="0"/>
           </a:p>
           <a:p>
             <a:pPr lvl="0"/>
@@ -6809,7 +6676,6 @@
               <a:rPr lang="en-US" sz="3195" dirty="0"/>
               <a:t>Otherwise, it's disconnected.</a:t>
             </a:r>
-            <a:endParaRPr lang="en-US" sz="3195" dirty="0"/>
           </a:p>
         </p:txBody>
       </p:sp>
@@ -6822,7 +6688,7 @@
           <p:nvPr/>
         </p:nvPicPr>
         <p:blipFill>
-          <a:blip r:embed="rId1"/>
+          <a:blip r:embed="rId2"/>
           <a:stretch>
             <a:fillRect/>
           </a:stretch>
@@ -7042,13 +6908,6 @@
               </a:rPr>
               <a:t>8</a:t>
             </a:r>
-            <a:endParaRPr lang="en-CA" altLang="en-US" sz="2800" b="1" dirty="0">
-              <a:solidFill>
-                <a:schemeClr val="bg1"/>
-              </a:solidFill>
-              <a:latin typeface="Microsoft YaHei" panose="020B0503020204020204" pitchFamily="34" charset="-122"/>
-              <a:ea typeface="Microsoft YaHei" panose="020B0503020204020204" pitchFamily="34" charset="-122"/>
-            </a:endParaRPr>
           </a:p>
         </p:txBody>
       </p:sp>
@@ -7138,24 +6997,6 @@
               </a:rPr>
               <a:t>Graph Data Implementation</a:t>
             </a:r>
-            <a:endParaRPr kumimoji="0" lang="en-CA" altLang="en-US" sz="2800" b="1" i="0" u="none" strike="noStrike" kern="1200" cap="none" spc="0" normalizeH="0" baseline="0" noProof="0" dirty="0">
-              <a:ln>
-                <a:noFill/>
-              </a:ln>
-              <a:solidFill>
-                <a:schemeClr val="tx1">
-                  <a:lumMod val="85000"/>
-                  <a:lumOff val="15000"/>
-                </a:schemeClr>
-              </a:solidFill>
-              <a:effectLst/>
-              <a:uLnTx/>
-              <a:uFillTx/>
-              <a:latin typeface="Microsoft YaHei" panose="020B0503020204020204" pitchFamily="34" charset="-122"/>
-              <a:ea typeface="Microsoft YaHei" panose="020B0503020204020204" pitchFamily="34" charset="-122"/>
-              <a:cs typeface="+mn-cs"/>
-              <a:sym typeface="+mn-ea"/>
-            </a:endParaRPr>
           </a:p>
         </p:txBody>
       </p:sp>
@@ -7184,7 +7025,6 @@
               <a:rPr lang="en-US" sz="3195" dirty="0"/>
               <a:t>A graph is most commonly stored as a map of adjacency lists: </a:t>
             </a:r>
-            <a:endParaRPr lang="en-US" sz="3195" dirty="0"/>
           </a:p>
           <a:p>
             <a:pPr lvl="1"/>
@@ -7192,7 +7032,6 @@
               <a:rPr lang="en-US" sz="2735" dirty="0"/>
               <a:t>for each vertex, store a list of its neighbors.</a:t>
             </a:r>
-            <a:endParaRPr lang="en-US" sz="2735" dirty="0"/>
           </a:p>
           <a:p>
             <a:pPr lvl="1"/>
@@ -7209,7 +7048,7 @@
           <p:nvPr/>
         </p:nvPicPr>
         <p:blipFill>
-          <a:blip r:embed="rId1"/>
+          <a:blip r:embed="rId2"/>
           <a:stretch>
             <a:fillRect/>
           </a:stretch>
@@ -7542,13 +7381,6 @@
               </a:rPr>
               <a:t>Graph Traversals</a:t>
             </a:r>
-            <a:endParaRPr lang="en-CA" altLang="en-US" sz="3200" b="1" dirty="0">
-              <a:solidFill>
-                <a:srgbClr val="05B780"/>
-              </a:solidFill>
-              <a:latin typeface="Microsoft YaHei" panose="020B0503020204020204" pitchFamily="34" charset="-122"/>
-              <a:ea typeface="Microsoft YaHei" panose="020B0503020204020204" pitchFamily="34" charset="-122"/>
-            </a:endParaRPr>
           </a:p>
         </p:txBody>
       </p:sp>
@@ -7681,13 +7513,6 @@
                 </a:rPr>
                 <a:t>03</a:t>
               </a:r>
-              <a:endParaRPr lang="en-US" altLang="zh-CN" sz="4400" b="1" dirty="0">
-                <a:solidFill>
-                  <a:schemeClr val="bg1"/>
-                </a:solidFill>
-                <a:latin typeface="Microsoft YaHei" panose="020B0503020204020204" pitchFamily="34" charset="-122"/>
-                <a:ea typeface="Microsoft YaHei" panose="020B0503020204020204" pitchFamily="34" charset="-122"/>
-              </a:endParaRPr>
             </a:p>
           </p:txBody>
         </p:sp>
@@ -7897,13 +7722,6 @@
               </a:rPr>
               <a:t>.1</a:t>
             </a:r>
-            <a:endParaRPr lang="en-US" altLang="zh-CN" sz="2800" b="1" dirty="0">
-              <a:solidFill>
-                <a:schemeClr val="bg1"/>
-              </a:solidFill>
-              <a:latin typeface="Microsoft YaHei" panose="020B0503020204020204" pitchFamily="34" charset="-122"/>
-              <a:ea typeface="Microsoft YaHei" panose="020B0503020204020204" pitchFamily="34" charset="-122"/>
-            </a:endParaRPr>
           </a:p>
         </p:txBody>
       </p:sp>
@@ -7993,24 +7811,6 @@
               </a:rPr>
               <a:t>Traversing a Graph Data Structure</a:t>
             </a:r>
-            <a:endParaRPr kumimoji="0" lang="en-CA" altLang="en-US" sz="2800" b="1" i="0" u="none" strike="noStrike" kern="1200" cap="none" spc="0" normalizeH="0" baseline="0" noProof="0" dirty="0">
-              <a:ln>
-                <a:noFill/>
-              </a:ln>
-              <a:solidFill>
-                <a:schemeClr val="tx1">
-                  <a:lumMod val="85000"/>
-                  <a:lumOff val="15000"/>
-                </a:schemeClr>
-              </a:solidFill>
-              <a:effectLst/>
-              <a:uLnTx/>
-              <a:uFillTx/>
-              <a:latin typeface="Microsoft YaHei" panose="020B0503020204020204" pitchFamily="34" charset="-122"/>
-              <a:ea typeface="Microsoft YaHei" panose="020B0503020204020204" pitchFamily="34" charset="-122"/>
-              <a:cs typeface="+mn-cs"/>
-              <a:sym typeface="+mn-ea"/>
-            </a:endParaRPr>
           </a:p>
         </p:txBody>
       </p:sp>
@@ -8039,7 +7839,6 @@
               <a:rPr lang="en-US" sz="3195" dirty="0"/>
               <a:t>Graph exploration: visit all nodes and edges of a graph.</a:t>
             </a:r>
-            <a:endParaRPr lang="en-US" sz="3195" dirty="0"/>
           </a:p>
           <a:p>
             <a:pPr lvl="1"/>
@@ -8055,7 +7854,6 @@
               <a:rPr lang="en-US" sz="3195" dirty="0"/>
               <a:t>existence of cycles, connectedness, etc.)</a:t>
             </a:r>
-            <a:endParaRPr lang="en-US" sz="3195" dirty="0"/>
           </a:p>
           <a:p>
             <a:pPr lvl="0"/>
@@ -8063,7 +7861,6 @@
               <a:rPr lang="en-US" sz="3195" dirty="0"/>
               <a:t>Many applications (Web, social networks, routing, games, etc.)</a:t>
             </a:r>
-            <a:endParaRPr lang="en-US" sz="3195" dirty="0"/>
           </a:p>
         </p:txBody>
       </p:sp>
@@ -8282,13 +8079,6 @@
               </a:rPr>
               <a:t>2</a:t>
             </a:r>
-            <a:endParaRPr lang="en-CA" altLang="en-US" sz="2800" b="1" dirty="0">
-              <a:solidFill>
-                <a:schemeClr val="bg1"/>
-              </a:solidFill>
-              <a:latin typeface="Microsoft YaHei" panose="020B0503020204020204" pitchFamily="34" charset="-122"/>
-              <a:ea typeface="Microsoft YaHei" panose="020B0503020204020204" pitchFamily="34" charset="-122"/>
-            </a:endParaRPr>
           </a:p>
         </p:txBody>
       </p:sp>
@@ -8378,24 +8168,6 @@
               </a:rPr>
               <a:t>Systematically Exploring a Graph</a:t>
             </a:r>
-            <a:endParaRPr kumimoji="0" lang="en-CA" altLang="en-US" sz="2800" b="1" i="0" u="none" strike="noStrike" kern="1200" cap="none" spc="0" normalizeH="0" baseline="0" noProof="0" dirty="0">
-              <a:ln>
-                <a:noFill/>
-              </a:ln>
-              <a:solidFill>
-                <a:schemeClr val="tx1">
-                  <a:lumMod val="85000"/>
-                  <a:lumOff val="15000"/>
-                </a:schemeClr>
-              </a:solidFill>
-              <a:effectLst/>
-              <a:uLnTx/>
-              <a:uFillTx/>
-              <a:latin typeface="Microsoft YaHei" panose="020B0503020204020204" pitchFamily="34" charset="-122"/>
-              <a:ea typeface="Microsoft YaHei" panose="020B0503020204020204" pitchFamily="34" charset="-122"/>
-              <a:cs typeface="+mn-cs"/>
-              <a:sym typeface="+mn-ea"/>
-            </a:endParaRPr>
           </a:p>
         </p:txBody>
       </p:sp>
@@ -8440,7 +8212,6 @@
               <a:rPr lang="en-US" sz="3195" dirty="0"/>
               <a:t>search (BFS) and depth-first search (DFS).</a:t>
             </a:r>
-            <a:endParaRPr lang="en-US" sz="3195" dirty="0"/>
           </a:p>
           <a:p>
             <a:pPr lvl="0"/>
@@ -8448,7 +8219,6 @@
               <a:rPr lang="en-US" sz="3195" dirty="0"/>
               <a:t>DFS and BFS have similar structure.</a:t>
             </a:r>
-            <a:endParaRPr lang="en-US" sz="3195" dirty="0"/>
           </a:p>
           <a:p>
             <a:pPr lvl="1"/>
@@ -8464,7 +8234,6 @@
               <a:rPr lang="en-US" sz="3195" dirty="0"/>
               <a:t>repeatedly choose an edge from D to explore.</a:t>
             </a:r>
-            <a:endParaRPr lang="en-US" sz="3195" dirty="0"/>
           </a:p>
           <a:p>
             <a:pPr lvl="1"/>
@@ -8480,7 +8249,6 @@
               <a:rPr lang="en-US" sz="2735" dirty="0"/>
               <a:t>vertex v.</a:t>
             </a:r>
-            <a:endParaRPr lang="en-US" sz="2735" dirty="0"/>
           </a:p>
           <a:p>
             <a:pPr lvl="1"/>
@@ -8488,7 +8256,6 @@
               <a:rPr lang="en-US" sz="2735" dirty="0"/>
               <a:t>Both procedures run in linear time.</a:t>
             </a:r>
-            <a:endParaRPr lang="en-US" sz="2735" dirty="0"/>
           </a:p>
           <a:p>
             <a:pPr lvl="0"/>
@@ -8496,7 +8263,6 @@
               <a:rPr lang="en-US" sz="3195" dirty="0"/>
               <a:t>DFS and BFS differ only on the nature of D.</a:t>
             </a:r>
-            <a:endParaRPr lang="en-US" sz="3195" dirty="0"/>
           </a:p>
           <a:p>
             <a:pPr lvl="1"/>
@@ -8504,7 +8270,6 @@
               <a:rPr lang="en-US" sz="2735" dirty="0"/>
               <a:t>DFS uses a stack.</a:t>
             </a:r>
-            <a:endParaRPr lang="en-US" sz="2735" dirty="0"/>
           </a:p>
           <a:p>
             <a:pPr lvl="1"/>
@@ -8512,7 +8277,6 @@
               <a:rPr lang="en-US" sz="2735" dirty="0"/>
               <a:t>BFS uses a queue.</a:t>
             </a:r>
-            <a:endParaRPr lang="en-US" sz="2735" dirty="0"/>
           </a:p>
         </p:txBody>
       </p:sp>
@@ -8731,13 +8495,6 @@
               </a:rPr>
               <a:t>3</a:t>
             </a:r>
-            <a:endParaRPr lang="en-CA" altLang="en-US" sz="2800" b="1" dirty="0">
-              <a:solidFill>
-                <a:schemeClr val="bg1"/>
-              </a:solidFill>
-              <a:latin typeface="Microsoft YaHei" panose="020B0503020204020204" pitchFamily="34" charset="-122"/>
-              <a:ea typeface="Microsoft YaHei" panose="020B0503020204020204" pitchFamily="34" charset="-122"/>
-            </a:endParaRPr>
           </a:p>
         </p:txBody>
       </p:sp>
@@ -8827,24 +8584,6 @@
               </a:rPr>
               <a:t>DFS/BFS Steps</a:t>
             </a:r>
-            <a:endParaRPr kumimoji="0" lang="en-CA" altLang="en-US" sz="2800" b="1" i="0" u="none" strike="noStrike" kern="1200" cap="none" spc="0" normalizeH="0" baseline="0" noProof="0" dirty="0">
-              <a:ln>
-                <a:noFill/>
-              </a:ln>
-              <a:solidFill>
-                <a:schemeClr val="tx1">
-                  <a:lumMod val="85000"/>
-                  <a:lumOff val="15000"/>
-                </a:schemeClr>
-              </a:solidFill>
-              <a:effectLst/>
-              <a:uLnTx/>
-              <a:uFillTx/>
-              <a:latin typeface="Microsoft YaHei" panose="020B0503020204020204" pitchFamily="34" charset="-122"/>
-              <a:ea typeface="Microsoft YaHei" panose="020B0503020204020204" pitchFamily="34" charset="-122"/>
-              <a:cs typeface="+mn-cs"/>
-              <a:sym typeface="+mn-ea"/>
-            </a:endParaRPr>
           </a:p>
         </p:txBody>
       </p:sp>
@@ -8873,7 +8612,6 @@
               <a:rPr lang="en-US" dirty="0"/>
               <a:t>Given a graph G, containing vertices (V) and edges (E)</a:t>
             </a:r>
-            <a:endParaRPr lang="en-US" dirty="0"/>
           </a:p>
           <a:p>
             <a:pPr lvl="0"/>
@@ -8881,7 +8619,6 @@
               <a:rPr lang="en-US" dirty="0"/>
               <a:t>Pick the starting vertex, V1</a:t>
             </a:r>
-            <a:endParaRPr lang="en-US" dirty="0"/>
           </a:p>
           <a:p>
             <a:pPr lvl="0"/>
@@ -8889,7 +8626,6 @@
               <a:rPr lang="en-US" dirty="0"/>
               <a:t>Mark V1 as processed</a:t>
             </a:r>
-            <a:endParaRPr lang="en-US" dirty="0"/>
           </a:p>
           <a:p>
             <a:pPr lvl="0"/>
@@ -8905,7 +8641,6 @@
               <a:rPr lang="en-US" dirty="0"/>
               <a:t>data structure (stack or queue)</a:t>
             </a:r>
-            <a:endParaRPr lang="en-US" dirty="0"/>
           </a:p>
           <a:p>
             <a:pPr lvl="0"/>
@@ -8913,7 +8648,6 @@
               <a:rPr lang="en-US" dirty="0"/>
               <a:t>While the data structure is not empty:</a:t>
             </a:r>
-            <a:endParaRPr lang="en-US" dirty="0"/>
           </a:p>
           <a:p>
             <a:pPr lvl="1"/>
@@ -8921,7 +8655,6 @@
               <a:rPr lang="en-US" dirty="0"/>
               <a:t>Pop top/front element off data structure</a:t>
             </a:r>
-            <a:endParaRPr lang="en-US" dirty="0"/>
           </a:p>
           <a:p>
             <a:pPr lvl="1"/>
@@ -8929,7 +8662,6 @@
               <a:rPr lang="en-US" dirty="0"/>
               <a:t>Mark vertex as processed (if not already)</a:t>
             </a:r>
-            <a:endParaRPr lang="en-US" dirty="0"/>
           </a:p>
           <a:p>
             <a:pPr lvl="2"/>
@@ -8937,7 +8669,6 @@
               <a:rPr lang="en-US" dirty="0"/>
               <a:t>Record edge as part of the spanning tree</a:t>
             </a:r>
-            <a:endParaRPr lang="en-US" dirty="0"/>
           </a:p>
           <a:p>
             <a:pPr lvl="1"/>
@@ -8953,7 +8684,6 @@
               <a:rPr lang="en-US" sz="2800" dirty="0"/>
               <a:t>processed onto data structure</a:t>
             </a:r>
-            <a:endParaRPr lang="en-US" sz="2800" dirty="0"/>
           </a:p>
           <a:p>
             <a:pPr lvl="2"/>
@@ -8961,7 +8691,6 @@
               <a:rPr lang="en-US" dirty="0"/>
               <a:t>Along with the edges to those neighbors</a:t>
             </a:r>
-            <a:endParaRPr lang="en-US" dirty="0"/>
           </a:p>
         </p:txBody>
       </p:sp>
@@ -9125,13 +8854,6 @@
               </a:rPr>
               <a:t> Recap</a:t>
             </a:r>
-            <a:endParaRPr lang="en-US" altLang="zh-CN" sz="2400" b="1" dirty="0">
-              <a:solidFill>
-                <a:srgbClr val="05B780"/>
-              </a:solidFill>
-              <a:latin typeface="Microsoft YaHei" panose="020B0503020204020204" pitchFamily="34" charset="-122"/>
-              <a:ea typeface="Microsoft YaHei" panose="020B0503020204020204" pitchFamily="34" charset="-122"/>
-            </a:endParaRPr>
           </a:p>
         </p:txBody>
       </p:sp>
@@ -9174,13 +8896,6 @@
               </a:rPr>
               <a:t>竞争对手分析</a:t>
             </a:r>
-            <a:endParaRPr lang="zh-CN" altLang="en-US" dirty="0">
-              <a:solidFill>
-                <a:schemeClr val="bg1"/>
-              </a:solidFill>
-              <a:latin typeface="Microsoft YaHei" panose="020B0503020204020204" pitchFamily="34" charset="-122"/>
-              <a:ea typeface="Microsoft YaHei" panose="020B0503020204020204" pitchFamily="34" charset="-122"/>
-            </a:endParaRPr>
           </a:p>
         </p:txBody>
       </p:sp>
@@ -9223,13 +8938,6 @@
               </a:rPr>
               <a:t>产品定位分析</a:t>
             </a:r>
-            <a:endParaRPr lang="zh-CN" altLang="en-US" dirty="0">
-              <a:solidFill>
-                <a:schemeClr val="bg1"/>
-              </a:solidFill>
-              <a:latin typeface="Microsoft YaHei" panose="020B0503020204020204" pitchFamily="34" charset="-122"/>
-              <a:ea typeface="Microsoft YaHei" panose="020B0503020204020204" pitchFamily="34" charset="-122"/>
-            </a:endParaRPr>
           </a:p>
         </p:txBody>
       </p:sp>
@@ -9678,13 +9386,6 @@
               </a:rPr>
               <a:t>Class Exercise</a:t>
             </a:r>
-            <a:endParaRPr lang="en-US" altLang="zh-CN" sz="2400" b="1" dirty="0">
-              <a:solidFill>
-                <a:srgbClr val="05B780"/>
-              </a:solidFill>
-              <a:latin typeface="Microsoft YaHei" panose="020B0503020204020204" pitchFamily="34" charset="-122"/>
-              <a:ea typeface="Microsoft YaHei" panose="020B0503020204020204" pitchFamily="34" charset="-122"/>
-            </a:endParaRPr>
           </a:p>
         </p:txBody>
       </p:sp>
@@ -9988,13 +9689,6 @@
               </a:rPr>
               <a:t>Graph Data Structure</a:t>
             </a:r>
-            <a:endParaRPr lang="en-CA" altLang="en-US" sz="2400" b="1" dirty="0">
-              <a:solidFill>
-                <a:srgbClr val="05B780"/>
-              </a:solidFill>
-              <a:latin typeface="Microsoft YaHei" panose="020B0503020204020204" pitchFamily="34" charset="-122"/>
-              <a:ea typeface="Microsoft YaHei" panose="020B0503020204020204" pitchFamily="34" charset="-122"/>
-            </a:endParaRPr>
           </a:p>
         </p:txBody>
       </p:sp>
@@ -10375,6 +10069,7 @@
           <a:bodyPr wrap="square" anchor="t" anchorCtr="0">
             <a:spAutoFit/>
           </a:bodyPr>
+          <a:lstStyle/>
           <a:p>
             <a:pPr>
               <a:buFont typeface="Arial" panose="020B0604020202020204" pitchFamily="34" charset="0"/>
@@ -10389,13 +10084,6 @@
               </a:rPr>
               <a:t>Graph Traversals</a:t>
             </a:r>
-            <a:endParaRPr lang="en-CA" altLang="en-US" sz="2400" b="1" dirty="0">
-              <a:solidFill>
-                <a:srgbClr val="05B780"/>
-              </a:solidFill>
-              <a:latin typeface="Microsoft YaHei" panose="020B0503020204020204" pitchFamily="34" charset="-122"/>
-              <a:ea typeface="Microsoft YaHei" panose="020B0503020204020204" pitchFamily="34" charset="-122"/>
-            </a:endParaRPr>
           </a:p>
         </p:txBody>
       </p:sp>
@@ -10614,13 +10302,6 @@
               </a:rPr>
               <a:t>4</a:t>
             </a:r>
-            <a:endParaRPr lang="en-CA" altLang="en-US" sz="2800" b="1" dirty="0">
-              <a:solidFill>
-                <a:schemeClr val="bg1"/>
-              </a:solidFill>
-              <a:latin typeface="Microsoft YaHei" panose="020B0503020204020204" pitchFamily="34" charset="-122"/>
-              <a:ea typeface="Microsoft YaHei" panose="020B0503020204020204" pitchFamily="34" charset="-122"/>
-            </a:endParaRPr>
           </a:p>
         </p:txBody>
       </p:sp>
@@ -10710,24 +10391,6 @@
               </a:rPr>
               <a:t>BFS</a:t>
             </a:r>
-            <a:endParaRPr kumimoji="0" lang="en-CA" altLang="en-US" sz="2800" b="1" i="0" u="none" strike="noStrike" kern="1200" cap="none" spc="0" normalizeH="0" baseline="0" noProof="0" dirty="0">
-              <a:ln>
-                <a:noFill/>
-              </a:ln>
-              <a:solidFill>
-                <a:schemeClr val="tx1">
-                  <a:lumMod val="85000"/>
-                  <a:lumOff val="15000"/>
-                </a:schemeClr>
-              </a:solidFill>
-              <a:effectLst/>
-              <a:uLnTx/>
-              <a:uFillTx/>
-              <a:latin typeface="Microsoft YaHei" panose="020B0503020204020204" pitchFamily="34" charset="-122"/>
-              <a:ea typeface="Microsoft YaHei" panose="020B0503020204020204" pitchFamily="34" charset="-122"/>
-              <a:cs typeface="+mn-cs"/>
-              <a:sym typeface="+mn-ea"/>
-            </a:endParaRPr>
           </a:p>
         </p:txBody>
       </p:sp>
@@ -10764,7 +10427,6 @@
               <a:rPr lang="en-US" sz="3195" dirty="0"/>
               <a:t>graph starting from a designated source node 𝑠</a:t>
             </a:r>
-            <a:endParaRPr lang="en-US" sz="3195" dirty="0"/>
           </a:p>
           <a:p>
             <a:pPr lvl="0"/>
@@ -10780,7 +10442,6 @@
               <a:rPr lang="en-US" sz="3195" dirty="0"/>
               <a:t>neighbors, and so on until no more nodes can be visited!</a:t>
             </a:r>
-            <a:endParaRPr lang="en-US" sz="3195" dirty="0"/>
           </a:p>
           <a:p>
             <a:pPr lvl="0"/>
@@ -10788,7 +10449,6 @@
               <a:rPr lang="en-US" sz="3195" dirty="0"/>
               <a:t>A graph is explored level by level—level 0: 𝑠 .</a:t>
             </a:r>
-            <a:endParaRPr lang="en-US" sz="3195" dirty="0"/>
           </a:p>
           <a:p>
             <a:pPr lvl="1"/>
@@ -10796,7 +10456,6 @@
               <a:rPr lang="en-US" sz="2735" dirty="0"/>
               <a:t>Level 𝑖: vertices reachable by path of length 𝑖 but not shorter</a:t>
             </a:r>
-            <a:endParaRPr lang="en-US" sz="2735" dirty="0"/>
           </a:p>
           <a:p>
             <a:pPr lvl="1"/>
@@ -10812,7 +10471,6 @@
               <a:rPr lang="en-US" sz="3195" dirty="0"/>
               <a:t>ignoring vertices from previous levels</a:t>
             </a:r>
-            <a:endParaRPr lang="en-US" sz="3195" dirty="0"/>
           </a:p>
         </p:txBody>
       </p:sp>
@@ -11031,13 +10689,6 @@
               </a:rPr>
               <a:t>5</a:t>
             </a:r>
-            <a:endParaRPr lang="en-CA" altLang="en-US" sz="2800" b="1" dirty="0">
-              <a:solidFill>
-                <a:schemeClr val="bg1"/>
-              </a:solidFill>
-              <a:latin typeface="Microsoft YaHei" panose="020B0503020204020204" pitchFamily="34" charset="-122"/>
-              <a:ea typeface="Microsoft YaHei" panose="020B0503020204020204" pitchFamily="34" charset="-122"/>
-            </a:endParaRPr>
           </a:p>
         </p:txBody>
       </p:sp>
@@ -11127,24 +10778,6 @@
               </a:rPr>
               <a:t>BFS</a:t>
             </a:r>
-            <a:endParaRPr kumimoji="0" lang="en-CA" altLang="en-US" sz="2800" b="1" i="0" u="none" strike="noStrike" kern="1200" cap="none" spc="0" normalizeH="0" baseline="0" noProof="0" dirty="0">
-              <a:ln>
-                <a:noFill/>
-              </a:ln>
-              <a:solidFill>
-                <a:schemeClr val="tx1">
-                  <a:lumMod val="85000"/>
-                  <a:lumOff val="15000"/>
-                </a:schemeClr>
-              </a:solidFill>
-              <a:effectLst/>
-              <a:uLnTx/>
-              <a:uFillTx/>
-              <a:latin typeface="Microsoft YaHei" panose="020B0503020204020204" pitchFamily="34" charset="-122"/>
-              <a:ea typeface="Microsoft YaHei" panose="020B0503020204020204" pitchFamily="34" charset="-122"/>
-              <a:cs typeface="+mn-cs"/>
-              <a:sym typeface="+mn-ea"/>
-            </a:endParaRPr>
           </a:p>
         </p:txBody>
       </p:sp>
@@ -11205,7 +10838,6 @@
               <a:rPr lang="en-US" sz="3195" dirty="0"/>
               <a:t>visited before any node of level 𝑖 + 1)?</a:t>
             </a:r>
-            <a:endParaRPr lang="en-US" sz="3195" dirty="0"/>
           </a:p>
           <a:p>
             <a:pPr lvl="0"/>
@@ -11221,7 +10853,6 @@
               <a:rPr lang="en-US" sz="3195" dirty="0"/>
               <a:t>store the nodes pending exploration.</a:t>
             </a:r>
-            <a:endParaRPr lang="en-US" sz="3195" dirty="0"/>
           </a:p>
           <a:p>
             <a:pPr lvl="1"/>
@@ -11237,7 +10868,6 @@
               <a:rPr lang="en-US" sz="2735" dirty="0"/>
               <a:t>than any node at level 𝑖 + 1.</a:t>
             </a:r>
-            <a:endParaRPr lang="en-US" sz="2735" dirty="0"/>
           </a:p>
         </p:txBody>
       </p:sp>
@@ -11456,13 +11086,6 @@
               </a:rPr>
               <a:t>6</a:t>
             </a:r>
-            <a:endParaRPr lang="en-CA" altLang="en-US" sz="2800" b="1" dirty="0">
-              <a:solidFill>
-                <a:schemeClr val="bg1"/>
-              </a:solidFill>
-              <a:latin typeface="Microsoft YaHei" panose="020B0503020204020204" pitchFamily="34" charset="-122"/>
-              <a:ea typeface="Microsoft YaHei" panose="020B0503020204020204" pitchFamily="34" charset="-122"/>
-            </a:endParaRPr>
           </a:p>
         </p:txBody>
       </p:sp>
@@ -11552,24 +11175,6 @@
               </a:rPr>
               <a:t>BFS</a:t>
             </a:r>
-            <a:endParaRPr kumimoji="0" lang="en-CA" altLang="en-US" sz="2800" b="1" i="0" u="none" strike="noStrike" kern="1200" cap="none" spc="0" normalizeH="0" baseline="0" noProof="0" dirty="0">
-              <a:ln>
-                <a:noFill/>
-              </a:ln>
-              <a:solidFill>
-                <a:schemeClr val="tx1">
-                  <a:lumMod val="85000"/>
-                  <a:lumOff val="15000"/>
-                </a:schemeClr>
-              </a:solidFill>
-              <a:effectLst/>
-              <a:uLnTx/>
-              <a:uFillTx/>
-              <a:latin typeface="Microsoft YaHei" panose="020B0503020204020204" pitchFamily="34" charset="-122"/>
-              <a:ea typeface="Microsoft YaHei" panose="020B0503020204020204" pitchFamily="34" charset="-122"/>
-              <a:cs typeface="+mn-cs"/>
-              <a:sym typeface="+mn-ea"/>
-            </a:endParaRPr>
           </a:p>
         </p:txBody>
       </p:sp>
@@ -11598,7 +11203,6 @@
               <a:rPr lang="en-US" sz="3195" dirty="0"/>
               <a:t>Each node is enqueued/dequeued at most once.</a:t>
             </a:r>
-            <a:endParaRPr lang="en-US" sz="3195" dirty="0"/>
           </a:p>
           <a:p>
             <a:pPr lvl="0"/>
@@ -11606,7 +11210,6 @@
               <a:rPr lang="en-US" sz="3195" dirty="0"/>
               <a:t>Each edge is examined at most twice.</a:t>
             </a:r>
-            <a:endParaRPr lang="en-US" sz="3195" dirty="0"/>
           </a:p>
           <a:p>
             <a:pPr lvl="0"/>
@@ -11614,7 +11217,6 @@
               <a:rPr lang="en-US" sz="3195" dirty="0"/>
               <a:t>As implemented, BFS runs in 𝑂(𝑛 + 𝑚) time, n = num verts, m = num edges</a:t>
             </a:r>
-            <a:endParaRPr lang="en-US" sz="3195" dirty="0"/>
           </a:p>
         </p:txBody>
       </p:sp>
@@ -11833,13 +11435,6 @@
               </a:rPr>
               <a:t>7</a:t>
             </a:r>
-            <a:endParaRPr lang="en-CA" altLang="en-US" sz="2800" b="1" dirty="0">
-              <a:solidFill>
-                <a:schemeClr val="bg1"/>
-              </a:solidFill>
-              <a:latin typeface="Microsoft YaHei" panose="020B0503020204020204" pitchFamily="34" charset="-122"/>
-              <a:ea typeface="Microsoft YaHei" panose="020B0503020204020204" pitchFamily="34" charset="-122"/>
-            </a:endParaRPr>
           </a:p>
         </p:txBody>
       </p:sp>
@@ -11929,24 +11524,6 @@
               </a:rPr>
               <a:t>DFS</a:t>
             </a:r>
-            <a:endParaRPr kumimoji="0" lang="en-CA" altLang="en-US" sz="2800" b="1" i="0" u="none" strike="noStrike" kern="1200" cap="none" spc="0" normalizeH="0" baseline="0" noProof="0" dirty="0">
-              <a:ln>
-                <a:noFill/>
-              </a:ln>
-              <a:solidFill>
-                <a:schemeClr val="tx1">
-                  <a:lumMod val="85000"/>
-                  <a:lumOff val="15000"/>
-                </a:schemeClr>
-              </a:solidFill>
-              <a:effectLst/>
-              <a:uLnTx/>
-              <a:uFillTx/>
-              <a:latin typeface="Microsoft YaHei" panose="020B0503020204020204" pitchFamily="34" charset="-122"/>
-              <a:ea typeface="Microsoft YaHei" panose="020B0503020204020204" pitchFamily="34" charset="-122"/>
-              <a:cs typeface="+mn-cs"/>
-              <a:sym typeface="+mn-ea"/>
-            </a:endParaRPr>
           </a:p>
         </p:txBody>
       </p:sp>
@@ -11975,7 +11552,6 @@
               <a:rPr lang="en-US" sz="3195" dirty="0"/>
               <a:t>We start our search at the root</a:t>
             </a:r>
-            <a:endParaRPr lang="en-US" sz="3195" dirty="0"/>
           </a:p>
           <a:p>
             <a:pPr lvl="0"/>
@@ -11983,7 +11559,6 @@
               <a:rPr lang="en-US" sz="3195" dirty="0"/>
               <a:t>We end our search when we find a valid leaf node</a:t>
             </a:r>
-            <a:endParaRPr lang="en-US" sz="3195" dirty="0"/>
           </a:p>
           <a:p>
             <a:pPr lvl="0"/>
@@ -11999,7 +11574,6 @@
               <a:rPr lang="en-US" sz="3195" dirty="0"/>
               <a:t>next.</a:t>
             </a:r>
-            <a:endParaRPr lang="en-US" sz="3195" dirty="0"/>
           </a:p>
           <a:p>
             <a:pPr lvl="1"/>
@@ -12015,7 +11589,6 @@
               <a:rPr lang="en-US" sz="3195" dirty="0"/>
               <a:t>siblings are expanded.</a:t>
             </a:r>
-            <a:endParaRPr lang="en-US" sz="3195" dirty="0"/>
           </a:p>
           <a:p>
             <a:pPr lvl="0"/>
@@ -12031,7 +11604,6 @@
               <a:rPr lang="en-US" sz="3195" dirty="0"/>
               <a:t>fast as you can.</a:t>
             </a:r>
-            <a:endParaRPr lang="en-US" sz="3195" dirty="0"/>
           </a:p>
         </p:txBody>
       </p:sp>
@@ -12250,13 +11822,6 @@
               </a:rPr>
               <a:t>8</a:t>
             </a:r>
-            <a:endParaRPr lang="en-CA" altLang="en-US" sz="2800" b="1" dirty="0">
-              <a:solidFill>
-                <a:schemeClr val="bg1"/>
-              </a:solidFill>
-              <a:latin typeface="Microsoft YaHei" panose="020B0503020204020204" pitchFamily="34" charset="-122"/>
-              <a:ea typeface="Microsoft YaHei" panose="020B0503020204020204" pitchFamily="34" charset="-122"/>
-            </a:endParaRPr>
           </a:p>
         </p:txBody>
       </p:sp>
@@ -12346,24 +11911,6 @@
               </a:rPr>
               <a:t>DFS</a:t>
             </a:r>
-            <a:endParaRPr kumimoji="0" lang="en-CA" altLang="en-US" sz="2800" b="1" i="0" u="none" strike="noStrike" kern="1200" cap="none" spc="0" normalizeH="0" baseline="0" noProof="0" dirty="0">
-              <a:ln>
-                <a:noFill/>
-              </a:ln>
-              <a:solidFill>
-                <a:schemeClr val="tx1">
-                  <a:lumMod val="85000"/>
-                  <a:lumOff val="15000"/>
-                </a:schemeClr>
-              </a:solidFill>
-              <a:effectLst/>
-              <a:uLnTx/>
-              <a:uFillTx/>
-              <a:latin typeface="Microsoft YaHei" panose="020B0503020204020204" pitchFamily="34" charset="-122"/>
-              <a:ea typeface="Microsoft YaHei" panose="020B0503020204020204" pitchFamily="34" charset="-122"/>
-              <a:cs typeface="+mn-cs"/>
-              <a:sym typeface="+mn-ea"/>
-            </a:endParaRPr>
           </a:p>
         </p:txBody>
       </p:sp>
@@ -12392,7 +11939,6 @@
               <a:rPr lang="en-CA" altLang="en-US" sz="3195" dirty="0"/>
               <a:t>Instead of explicitly implementing a stack DFS, we often prefer to let the system stack do the heavy lifting and use a recursive implementation</a:t>
             </a:r>
-            <a:endParaRPr lang="en-CA" altLang="en-US" sz="3195" dirty="0"/>
           </a:p>
           <a:p>
             <a:pPr marL="0" lvl="1"/>
@@ -12410,7 +11956,6 @@
               <a:rPr lang="en-CA" altLang="en-US" sz="2735" dirty="0"/>
               <a:t>Binary Tree Traversal</a:t>
             </a:r>
-            <a:endParaRPr lang="en-CA" altLang="en-US" sz="2735" dirty="0"/>
           </a:p>
         </p:txBody>
       </p:sp>
@@ -12629,13 +12174,6 @@
               </a:rPr>
               <a:t>9</a:t>
             </a:r>
-            <a:endParaRPr lang="en-CA" altLang="en-US" sz="2800" b="1" dirty="0">
-              <a:solidFill>
-                <a:schemeClr val="bg1"/>
-              </a:solidFill>
-              <a:latin typeface="Microsoft YaHei" panose="020B0503020204020204" pitchFamily="34" charset="-122"/>
-              <a:ea typeface="Microsoft YaHei" panose="020B0503020204020204" pitchFamily="34" charset="-122"/>
-            </a:endParaRPr>
           </a:p>
         </p:txBody>
       </p:sp>
@@ -12725,24 +12263,6 @@
               </a:rPr>
               <a:t>DFS</a:t>
             </a:r>
-            <a:endParaRPr kumimoji="0" lang="en-CA" altLang="en-US" sz="2800" b="1" i="0" u="none" strike="noStrike" kern="1200" cap="none" spc="0" normalizeH="0" baseline="0" noProof="0" dirty="0">
-              <a:ln>
-                <a:noFill/>
-              </a:ln>
-              <a:solidFill>
-                <a:schemeClr val="tx1">
-                  <a:lumMod val="85000"/>
-                  <a:lumOff val="15000"/>
-                </a:schemeClr>
-              </a:solidFill>
-              <a:effectLst/>
-              <a:uLnTx/>
-              <a:uFillTx/>
-              <a:latin typeface="Microsoft YaHei" panose="020B0503020204020204" pitchFamily="34" charset="-122"/>
-              <a:ea typeface="Microsoft YaHei" panose="020B0503020204020204" pitchFamily="34" charset="-122"/>
-              <a:cs typeface="+mn-cs"/>
-              <a:sym typeface="+mn-ea"/>
-            </a:endParaRPr>
           </a:p>
         </p:txBody>
       </p:sp>
@@ -12771,7 +12291,6 @@
               <a:rPr lang="en-CA" altLang="en-US" sz="3195" dirty="0"/>
               <a:t>Algorithmic Paradigm</a:t>
             </a:r>
-            <a:endParaRPr lang="en-CA" altLang="en-US" sz="3195" dirty="0"/>
           </a:p>
           <a:p>
             <a:pPr lvl="1"/>
@@ -12779,7 +12298,6 @@
               <a:rPr lang="en-CA" altLang="en-US" sz="2735" dirty="0"/>
               <a:t>Think of DFS as a combination of Divide-and-Conquer and Backtracking (will be covered later)</a:t>
             </a:r>
-            <a:endParaRPr lang="en-CA" altLang="en-US" sz="2735" dirty="0"/>
           </a:p>
           <a:p>
             <a:pPr lvl="0"/>
@@ -12787,7 +12305,6 @@
               <a:rPr lang="en-CA" altLang="en-US" sz="3190" dirty="0"/>
               <a:t>Recall our preorder binary tree traversal DFS</a:t>
             </a:r>
-            <a:endParaRPr lang="en-CA" altLang="en-US" sz="3190" dirty="0"/>
           </a:p>
           <a:p>
             <a:pPr lvl="1"/>
@@ -12795,7 +12312,6 @@
               <a:rPr lang="en-CA" altLang="en-US" sz="2730" dirty="0"/>
               <a:t>We have recursive calls to dfs(root.left), dfs(root.right)</a:t>
             </a:r>
-            <a:endParaRPr lang="en-CA" altLang="en-US" sz="2730" dirty="0"/>
           </a:p>
           <a:p>
             <a:pPr lvl="1"/>
@@ -12803,7 +12319,6 @@
               <a:rPr lang="en-CA" altLang="en-US" sz="2730" dirty="0"/>
               <a:t>This is effectively dividing the problem, conquering each one independently, and combining the solution at the end</a:t>
             </a:r>
-            <a:endParaRPr lang="en-CA" altLang="en-US" sz="2730" dirty="0"/>
           </a:p>
         </p:txBody>
       </p:sp>
@@ -13022,13 +12537,6 @@
               </a:rPr>
               <a:t>0</a:t>
             </a:r>
-            <a:endParaRPr lang="en-CA" altLang="en-US" sz="2800" b="1" dirty="0">
-              <a:solidFill>
-                <a:schemeClr val="bg1"/>
-              </a:solidFill>
-              <a:latin typeface="Microsoft YaHei" panose="020B0503020204020204" pitchFamily="34" charset="-122"/>
-              <a:ea typeface="Microsoft YaHei" panose="020B0503020204020204" pitchFamily="34" charset="-122"/>
-            </a:endParaRPr>
           </a:p>
         </p:txBody>
       </p:sp>
@@ -13118,24 +12626,6 @@
               </a:rPr>
               <a:t>Use Case Examples</a:t>
             </a:r>
-            <a:endParaRPr kumimoji="0" lang="en-CA" altLang="en-US" sz="2800" b="1" i="0" u="none" strike="noStrike" kern="1200" cap="none" spc="0" normalizeH="0" baseline="0" noProof="0" dirty="0">
-              <a:ln>
-                <a:noFill/>
-              </a:ln>
-              <a:solidFill>
-                <a:schemeClr val="tx1">
-                  <a:lumMod val="85000"/>
-                  <a:lumOff val="15000"/>
-                </a:schemeClr>
-              </a:solidFill>
-              <a:effectLst/>
-              <a:uLnTx/>
-              <a:uFillTx/>
-              <a:latin typeface="Microsoft YaHei" panose="020B0503020204020204" pitchFamily="34" charset="-122"/>
-              <a:ea typeface="Microsoft YaHei" panose="020B0503020204020204" pitchFamily="34" charset="-122"/>
-              <a:cs typeface="+mn-cs"/>
-              <a:sym typeface="+mn-ea"/>
-            </a:endParaRPr>
           </a:p>
         </p:txBody>
       </p:sp>
@@ -13180,7 +12670,6 @@
               <a:rPr lang="en-US" sz="3195" dirty="0"/>
               <a:t>that can directly communicate are linked with an edge. </a:t>
             </a:r>
-            <a:endParaRPr lang="en-US" sz="3195" dirty="0"/>
           </a:p>
           <a:p>
             <a:pPr lvl="0"/>
@@ -13204,7 +12693,6 @@
               <a:rPr lang="en-US" sz="3195" dirty="0"/>
               <a:t>sensors that can communicate directly or indirectly.</a:t>
             </a:r>
-            <a:endParaRPr lang="en-US" sz="3195" dirty="0"/>
           </a:p>
         </p:txBody>
       </p:sp>
@@ -13423,13 +12911,6 @@
               </a:rPr>
               <a:t>1</a:t>
             </a:r>
-            <a:endParaRPr lang="en-CA" altLang="en-US" sz="2800" b="1" dirty="0">
-              <a:solidFill>
-                <a:schemeClr val="bg1"/>
-              </a:solidFill>
-              <a:latin typeface="Microsoft YaHei" panose="020B0503020204020204" pitchFamily="34" charset="-122"/>
-              <a:ea typeface="Microsoft YaHei" panose="020B0503020204020204" pitchFamily="34" charset="-122"/>
-            </a:endParaRPr>
           </a:p>
         </p:txBody>
       </p:sp>
@@ -13519,24 +13000,6 @@
               </a:rPr>
               <a:t>Use Case Examples</a:t>
             </a:r>
-            <a:endParaRPr kumimoji="0" lang="en-CA" altLang="en-US" sz="2800" b="1" i="0" u="none" strike="noStrike" kern="1200" cap="none" spc="0" normalizeH="0" baseline="0" noProof="0" dirty="0">
-              <a:ln>
-                <a:noFill/>
-              </a:ln>
-              <a:solidFill>
-                <a:schemeClr val="tx1">
-                  <a:lumMod val="85000"/>
-                  <a:lumOff val="15000"/>
-                </a:schemeClr>
-              </a:solidFill>
-              <a:effectLst/>
-              <a:uLnTx/>
-              <a:uFillTx/>
-              <a:latin typeface="Microsoft YaHei" panose="020B0503020204020204" pitchFamily="34" charset="-122"/>
-              <a:ea typeface="Microsoft YaHei" panose="020B0503020204020204" pitchFamily="34" charset="-122"/>
-              <a:cs typeface="+mn-cs"/>
-              <a:sym typeface="+mn-ea"/>
-            </a:endParaRPr>
           </a:p>
         </p:txBody>
       </p:sp>
@@ -13589,7 +13052,6 @@
               <a:rPr sz="3195" dirty="0"/>
               <a:t>card usage, or address, and so on. </a:t>
             </a:r>
-            <a:endParaRPr sz="3195" dirty="0"/>
           </a:p>
           <a:p>
             <a:pPr lvl="0"/>
@@ -13605,7 +13067,6 @@
               <a:rPr sz="3195" dirty="0"/>
               <a:t>used, for example, to estimate the possibility of fraud.</a:t>
             </a:r>
-            <a:endParaRPr sz="3195" dirty="0"/>
           </a:p>
         </p:txBody>
       </p:sp>
@@ -13824,13 +13285,6 @@
               </a:rPr>
               <a:t>2</a:t>
             </a:r>
-            <a:endParaRPr lang="en-CA" altLang="en-US" sz="2800" b="1" dirty="0">
-              <a:solidFill>
-                <a:schemeClr val="bg1"/>
-              </a:solidFill>
-              <a:latin typeface="Microsoft YaHei" panose="020B0503020204020204" pitchFamily="34" charset="-122"/>
-              <a:ea typeface="Microsoft YaHei" panose="020B0503020204020204" pitchFamily="34" charset="-122"/>
-            </a:endParaRPr>
           </a:p>
         </p:txBody>
       </p:sp>
@@ -13920,24 +13374,6 @@
               </a:rPr>
               <a:t>Graph Traversal Summary</a:t>
             </a:r>
-            <a:endParaRPr kumimoji="0" lang="en-CA" altLang="en-US" sz="2800" b="1" i="0" u="none" strike="noStrike" kern="1200" cap="none" spc="0" normalizeH="0" baseline="0" noProof="0" dirty="0">
-              <a:ln>
-                <a:noFill/>
-              </a:ln>
-              <a:solidFill>
-                <a:schemeClr val="tx1">
-                  <a:lumMod val="85000"/>
-                  <a:lumOff val="15000"/>
-                </a:schemeClr>
-              </a:solidFill>
-              <a:effectLst/>
-              <a:uLnTx/>
-              <a:uFillTx/>
-              <a:latin typeface="Microsoft YaHei" panose="020B0503020204020204" pitchFamily="34" charset="-122"/>
-              <a:ea typeface="Microsoft YaHei" panose="020B0503020204020204" pitchFamily="34" charset="-122"/>
-              <a:cs typeface="+mn-cs"/>
-              <a:sym typeface="+mn-ea"/>
-            </a:endParaRPr>
           </a:p>
         </p:txBody>
       </p:sp>
@@ -13966,7 +13402,6 @@
               <a:rPr lang="en-CA" altLang="en-US" sz="3195" dirty="0"/>
               <a:t>Question: Which is better, DFS or BFS?</a:t>
             </a:r>
-            <a:endParaRPr lang="en-CA" altLang="en-US" sz="3195" dirty="0"/>
           </a:p>
           <a:p>
             <a:pPr lvl="0"/>
@@ -13974,7 +13409,6 @@
               <a:rPr lang="en-CA" altLang="en-US" sz="3195" dirty="0"/>
               <a:t>Answer: It depends...</a:t>
             </a:r>
-            <a:endParaRPr lang="en-CA" altLang="en-US" sz="3195" dirty="0"/>
           </a:p>
           <a:p>
             <a:pPr lvl="1"/>
@@ -13982,7 +13416,6 @@
               <a:rPr lang="en-CA" altLang="en-US" sz="2735" dirty="0"/>
               <a:t>BFS is better at:</a:t>
             </a:r>
-            <a:endParaRPr lang="en-CA" altLang="en-US" sz="2735" dirty="0"/>
           </a:p>
           <a:p>
             <a:pPr lvl="2"/>
@@ -13990,7 +13423,6 @@
               <a:rPr lang="en-CA" altLang="en-US" sz="2275" dirty="0"/>
               <a:t>Finding shortest distance between two vertices</a:t>
             </a:r>
-            <a:endParaRPr lang="en-CA" altLang="en-US" sz="2275" dirty="0"/>
           </a:p>
           <a:p>
             <a:pPr lvl="2"/>
@@ -13998,7 +13430,6 @@
               <a:rPr lang="en-CA" altLang="en-US" sz="2275" dirty="0"/>
               <a:t>Graph of unkown size, or even infinite size</a:t>
             </a:r>
-            <a:endParaRPr lang="en-CA" altLang="en-US" sz="2275" dirty="0"/>
           </a:p>
           <a:p>
             <a:pPr lvl="3"/>
@@ -14006,7 +13437,6 @@
               <a:rPr lang="en-CA" altLang="en-US" sz="2275" dirty="0"/>
               <a:t>Ie Google Maps find path from A to B in a city</a:t>
             </a:r>
-            <a:endParaRPr lang="en-CA" altLang="en-US" sz="2275" dirty="0"/>
           </a:p>
           <a:p>
             <a:pPr lvl="1"/>
@@ -14014,7 +13444,6 @@
               <a:rPr lang="en-CA" altLang="en-US" sz="2735" dirty="0"/>
               <a:t>DFS is better at:</a:t>
             </a:r>
-            <a:endParaRPr lang="en-CA" altLang="en-US" sz="2735" dirty="0"/>
           </a:p>
           <a:p>
             <a:pPr lvl="2"/>
@@ -14022,7 +13451,6 @@
               <a:rPr lang="en-CA" altLang="en-US" sz="2275" dirty="0"/>
               <a:t>Using less memory than BFS for wide graphs, since BFS has to keep all the nodes in the queue, and for wide graphs this can be quite large</a:t>
             </a:r>
-            <a:endParaRPr lang="en-CA" altLang="en-US" sz="2275" dirty="0"/>
           </a:p>
           <a:p>
             <a:pPr lvl="2"/>
@@ -14030,7 +13458,6 @@
               <a:rPr lang="en-CA" altLang="en-US" sz="2275" dirty="0"/>
               <a:t>Finding nodes far away from the root</a:t>
             </a:r>
-            <a:endParaRPr lang="en-CA" altLang="en-US" sz="2275" dirty="0"/>
           </a:p>
           <a:p>
             <a:pPr lvl="3"/>
@@ -14038,7 +13465,6 @@
               <a:rPr lang="en-CA" altLang="en-US" sz="2275" dirty="0"/>
               <a:t>ie Web Scraping to build an index for Google Search</a:t>
             </a:r>
-            <a:endParaRPr lang="en-CA" altLang="en-US" sz="2275" dirty="0"/>
           </a:p>
         </p:txBody>
       </p:sp>
@@ -14237,13 +13663,6 @@
               </a:rPr>
               <a:t>Class Exercise</a:t>
             </a:r>
-            <a:endParaRPr lang="en-US" altLang="zh-CN" sz="3200" b="1" dirty="0">
-              <a:solidFill>
-                <a:schemeClr val="bg1"/>
-              </a:solidFill>
-              <a:latin typeface="Microsoft YaHei" panose="020B0503020204020204" pitchFamily="34" charset="-122"/>
-              <a:ea typeface="Microsoft YaHei" panose="020B0503020204020204" pitchFamily="34" charset="-122"/>
-            </a:endParaRPr>
           </a:p>
         </p:txBody>
       </p:sp>
@@ -14359,13 +13778,6 @@
               </a:rPr>
               <a:t>Class Exercises</a:t>
             </a:r>
-            <a:endParaRPr lang="en-US" altLang="zh-CN" sz="3200" b="1" dirty="0">
-              <a:solidFill>
-                <a:srgbClr val="05B780"/>
-              </a:solidFill>
-              <a:latin typeface="Microsoft YaHei" panose="020B0503020204020204" pitchFamily="34" charset="-122"/>
-              <a:ea typeface="Microsoft YaHei" panose="020B0503020204020204" pitchFamily="34" charset="-122"/>
-            </a:endParaRPr>
           </a:p>
         </p:txBody>
       </p:sp>
@@ -14508,13 +13920,6 @@
                 </a:rPr>
                 <a:t>4</a:t>
               </a:r>
-              <a:endParaRPr lang="en-CA" altLang="en-US" sz="4400" b="1" dirty="0">
-                <a:solidFill>
-                  <a:schemeClr val="bg1"/>
-                </a:solidFill>
-                <a:latin typeface="Microsoft YaHei" panose="020B0503020204020204" pitchFamily="34" charset="-122"/>
-                <a:ea typeface="Microsoft YaHei" panose="020B0503020204020204" pitchFamily="34" charset="-122"/>
-              </a:endParaRPr>
             </a:p>
           </p:txBody>
         </p:sp>
@@ -14712,15 +14117,8 @@
                 <a:latin typeface="Microsoft YaHei" panose="020B0503020204020204" pitchFamily="34" charset="-122"/>
                 <a:ea typeface="Microsoft YaHei" panose="020B0503020204020204" pitchFamily="34" charset="-122"/>
               </a:rPr>
-              <a:t>Week3 Recap</a:t>
-            </a:r>
-            <a:endParaRPr lang="en-US" altLang="zh-CN" sz="3200" b="1" dirty="0">
-              <a:solidFill>
-                <a:schemeClr val="bg1"/>
-              </a:solidFill>
-              <a:latin typeface="Microsoft YaHei" panose="020B0503020204020204" pitchFamily="34" charset="-122"/>
-              <a:ea typeface="Microsoft YaHei" panose="020B0503020204020204" pitchFamily="34" charset="-122"/>
-            </a:endParaRPr>
+              <a:t>Week6 Recap</a:t>
+            </a:r>
           </a:p>
         </p:txBody>
       </p:sp>
@@ -14856,13 +14254,6 @@
               </a:rPr>
               <a:t> Recap</a:t>
             </a:r>
-            <a:endParaRPr lang="en-US" altLang="zh-CN" sz="3200" b="1" dirty="0">
-              <a:solidFill>
-                <a:srgbClr val="05B780"/>
-              </a:solidFill>
-              <a:latin typeface="Microsoft YaHei" panose="020B0503020204020204" pitchFamily="34" charset="-122"/>
-              <a:ea typeface="Microsoft YaHei" panose="020B0503020204020204" pitchFamily="34" charset="-122"/>
-            </a:endParaRPr>
           </a:p>
         </p:txBody>
       </p:sp>
@@ -14995,13 +14386,6 @@
                 </a:rPr>
                 <a:t>01a</a:t>
               </a:r>
-              <a:endParaRPr lang="en-US" altLang="zh-CN" sz="4400" b="1" dirty="0">
-                <a:solidFill>
-                  <a:schemeClr val="bg1"/>
-                </a:solidFill>
-                <a:latin typeface="Microsoft YaHei" panose="020B0503020204020204" pitchFamily="34" charset="-122"/>
-                <a:ea typeface="Microsoft YaHei" panose="020B0503020204020204" pitchFamily="34" charset="-122"/>
-              </a:endParaRPr>
             </a:p>
           </p:txBody>
         </p:sp>
@@ -15211,13 +14595,6 @@
               </a:rPr>
               <a:t>.1</a:t>
             </a:r>
-            <a:endParaRPr lang="en-US" altLang="zh-CN" sz="2800" b="1" dirty="0">
-              <a:solidFill>
-                <a:schemeClr val="bg1"/>
-              </a:solidFill>
-              <a:latin typeface="Microsoft YaHei" panose="020B0503020204020204" pitchFamily="34" charset="-122"/>
-              <a:ea typeface="Microsoft YaHei" panose="020B0503020204020204" pitchFamily="34" charset="-122"/>
-            </a:endParaRPr>
           </a:p>
         </p:txBody>
       </p:sp>
@@ -15307,24 +14684,6 @@
               </a:rPr>
               <a:t>Shortest Path between A and B</a:t>
             </a:r>
-            <a:endParaRPr kumimoji="0" lang="en-CA" altLang="en-US" sz="2800" b="1" i="0" u="none" strike="noStrike" kern="1200" cap="none" spc="0" normalizeH="0" baseline="0" noProof="0" dirty="0">
-              <a:ln>
-                <a:noFill/>
-              </a:ln>
-              <a:solidFill>
-                <a:schemeClr val="tx1">
-                  <a:lumMod val="85000"/>
-                  <a:lumOff val="15000"/>
-                </a:schemeClr>
-              </a:solidFill>
-              <a:effectLst/>
-              <a:uLnTx/>
-              <a:uFillTx/>
-              <a:latin typeface="Microsoft YaHei" panose="020B0503020204020204" pitchFamily="34" charset="-122"/>
-              <a:ea typeface="Microsoft YaHei" panose="020B0503020204020204" pitchFamily="34" charset="-122"/>
-              <a:cs typeface="+mn-cs"/>
-              <a:sym typeface="+mn-ea"/>
-            </a:endParaRPr>
           </a:p>
         </p:txBody>
       </p:sp>
@@ -15353,7 +14712,6 @@
               <a:rPr lang="en-US" sz="3195" dirty="0"/>
               <a:t>Given an (unweighted) graph, return the length of the shortest path between two nodes A and B, in terms of the number of edges.</a:t>
             </a:r>
-            <a:endParaRPr lang="en-US" sz="3195" dirty="0"/>
           </a:p>
           <a:p>
             <a:pPr lvl="0"/>
@@ -15361,7 +14719,6 @@
               <a:rPr lang="en-US" sz="3195" dirty="0"/>
               <a:t>Input:</a:t>
             </a:r>
-            <a:endParaRPr lang="en-US" sz="3195" dirty="0"/>
           </a:p>
           <a:p>
             <a:pPr lvl="0"/>
@@ -15385,7 +14742,6 @@
               <a:rPr lang="en-US" sz="3195" dirty="0"/>
               <a:t>B: 3</a:t>
             </a:r>
-            <a:endParaRPr lang="en-US" sz="3195" dirty="0"/>
           </a:p>
           <a:p>
             <a:pPr lvl="0"/>
@@ -15393,7 +14749,6 @@
               <a:rPr lang="en-US" sz="3195" dirty="0"/>
               <a:t>Output: 2</a:t>
             </a:r>
-            <a:endParaRPr lang="en-US" sz="3195" dirty="0"/>
           </a:p>
           <a:p>
             <a:pPr lvl="0"/>
@@ -15410,7 +14765,7 @@
           <p:nvPr/>
         </p:nvPicPr>
         <p:blipFill>
-          <a:blip r:embed="rId1"/>
+          <a:blip r:embed="rId2"/>
           <a:stretch>
             <a:fillRect/>
           </a:stretch>
@@ -15419,6 +14774,36 @@
           <a:xfrm>
             <a:off x="4295775" y="4238625"/>
             <a:ext cx="2228215" cy="2249805"/>
+          </a:xfrm>
+          <a:prstGeom prst="rect">
+            <a:avLst/>
+          </a:prstGeom>
+        </p:spPr>
+      </p:pic>
+      <p:pic>
+        <p:nvPicPr>
+          <p:cNvPr id="5" name="Picture 4">
+            <a:extLst>
+              <a:ext uri="{FF2B5EF4-FFF2-40B4-BE49-F238E27FC236}">
+                <a16:creationId xmlns:a16="http://schemas.microsoft.com/office/drawing/2014/main" id="{5D74A85D-1B2E-47F3-800E-5DD2CB39B0DB}"/>
+              </a:ext>
+            </a:extLst>
+          </p:cNvPr>
+          <p:cNvPicPr>
+            <a:picLocks noChangeAspect="1"/>
+          </p:cNvPicPr>
+          <p:nvPr/>
+        </p:nvPicPr>
+        <p:blipFill>
+          <a:blip r:embed="rId3"/>
+          <a:stretch>
+            <a:fillRect/>
+          </a:stretch>
+        </p:blipFill>
+        <p:spPr>
+          <a:xfrm>
+            <a:off x="7887813" y="70898"/>
+            <a:ext cx="3821744" cy="1423461"/>
           </a:xfrm>
           <a:prstGeom prst="rect">
             <a:avLst/>
@@ -15630,13 +15015,6 @@
               </a:rPr>
               <a:t>.2</a:t>
             </a:r>
-            <a:endParaRPr lang="en-US" altLang="zh-CN" sz="2800" b="1" dirty="0">
-              <a:solidFill>
-                <a:schemeClr val="bg1"/>
-              </a:solidFill>
-              <a:latin typeface="Microsoft YaHei" panose="020B0503020204020204" pitchFamily="34" charset="-122"/>
-              <a:ea typeface="Microsoft YaHei" panose="020B0503020204020204" pitchFamily="34" charset="-122"/>
-            </a:endParaRPr>
           </a:p>
         </p:txBody>
       </p:sp>
@@ -15726,24 +15104,6 @@
               </a:rPr>
               <a:t>Flood Fill</a:t>
             </a:r>
-            <a:endParaRPr kumimoji="0" lang="en-CA" altLang="en-US" sz="2800" b="1" i="0" u="none" strike="noStrike" kern="1200" cap="none" spc="0" normalizeH="0" baseline="0" noProof="0" dirty="0">
-              <a:ln>
-                <a:noFill/>
-              </a:ln>
-              <a:solidFill>
-                <a:schemeClr val="tx1">
-                  <a:lumMod val="85000"/>
-                  <a:lumOff val="15000"/>
-                </a:schemeClr>
-              </a:solidFill>
-              <a:effectLst/>
-              <a:uLnTx/>
-              <a:uFillTx/>
-              <a:latin typeface="Microsoft YaHei" panose="020B0503020204020204" pitchFamily="34" charset="-122"/>
-              <a:ea typeface="Microsoft YaHei" panose="020B0503020204020204" pitchFamily="34" charset="-122"/>
-              <a:cs typeface="+mn-cs"/>
-              <a:sym typeface="+mn-ea"/>
-            </a:endParaRPr>
           </a:p>
         </p:txBody>
       </p:sp>
@@ -15771,7 +15131,6 @@
               <a:rPr lang="en-US" sz="3200" dirty="0"/>
               <a:t>In computer graphics, an uncompressed raster image is presented as a matrix of numbers. Each entry of the matrix represents the color of a pixel. </a:t>
             </a:r>
-            <a:endParaRPr lang="en-US" sz="3200" dirty="0"/>
           </a:p>
           <a:p>
             <a:pPr lvl="1"/>
@@ -15779,7 +15138,6 @@
               <a:rPr lang="en-US" sz="2740" dirty="0"/>
               <a:t>A flood fill algorithm takes a coordinate r, c and a replacement color, and replaces all pixels connected to r, c that have the same color (i.e., the pixels connected to the given coordinate with of same color and all the other pixels connected to the those pixels of the same color) with the replacement color. (e.g. MS-Paint's paint bucket tool).</a:t>
             </a:r>
-            <a:endParaRPr lang="en-US" sz="2740" dirty="0"/>
           </a:p>
         </p:txBody>
       </p:sp>
@@ -15792,7 +15150,7 @@
           <p:nvPr/>
         </p:nvPicPr>
         <p:blipFill>
-          <a:blip r:embed="rId1"/>
+          <a:blip r:embed="rId2"/>
           <a:stretch>
             <a:fillRect/>
           </a:stretch>
@@ -16022,13 +15380,6 @@
               </a:rPr>
               <a:t>3</a:t>
             </a:r>
-            <a:endParaRPr lang="en-CA" altLang="en-US" sz="2800" b="1" dirty="0">
-              <a:solidFill>
-                <a:schemeClr val="bg1"/>
-              </a:solidFill>
-              <a:latin typeface="Microsoft YaHei" panose="020B0503020204020204" pitchFamily="34" charset="-122"/>
-              <a:ea typeface="Microsoft YaHei" panose="020B0503020204020204" pitchFamily="34" charset="-122"/>
-            </a:endParaRPr>
           </a:p>
         </p:txBody>
       </p:sp>
@@ -16139,24 +15490,6 @@
               </a:rPr>
               <a:t> - Number of Islands</a:t>
             </a:r>
-            <a:endParaRPr kumimoji="0" lang="en-CA" altLang="en-US" sz="2800" b="1" i="0" u="none" strike="noStrike" kern="1200" cap="none" spc="0" normalizeH="0" baseline="0" noProof="0" dirty="0">
-              <a:ln>
-                <a:noFill/>
-              </a:ln>
-              <a:solidFill>
-                <a:schemeClr val="tx1">
-                  <a:lumMod val="85000"/>
-                  <a:lumOff val="15000"/>
-                </a:schemeClr>
-              </a:solidFill>
-              <a:effectLst/>
-              <a:uLnTx/>
-              <a:uFillTx/>
-              <a:latin typeface="Microsoft YaHei" panose="020B0503020204020204" pitchFamily="34" charset="-122"/>
-              <a:ea typeface="Microsoft YaHei" panose="020B0503020204020204" pitchFamily="34" charset="-122"/>
-              <a:cs typeface="+mn-cs"/>
-              <a:sym typeface="+mn-ea"/>
-            </a:endParaRPr>
           </a:p>
         </p:txBody>
       </p:sp>
@@ -16184,14 +15517,12 @@
               <a:rPr lang="en-US" sz="3200" dirty="0"/>
               <a:t>Given an m x n 2D binary grid grid which represents a map of '1's (land) and '0's (water), return the number of islands.</a:t>
             </a:r>
-            <a:endParaRPr lang="en-US" sz="3200" dirty="0"/>
           </a:p>
           <a:p>
             <a:r>
               <a:rPr lang="en-US" sz="3200" dirty="0"/>
               <a:t>An island is surrounded by water and is formed by connecting adjacent lands horizontally or vertically. You may assume all four edges of the grid are all surrounded by water.</a:t>
             </a:r>
-            <a:endParaRPr lang="en-US" sz="3200" dirty="0"/>
           </a:p>
         </p:txBody>
       </p:sp>
@@ -16204,7 +15535,7 @@
           <p:nvPr/>
         </p:nvPicPr>
         <p:blipFill>
-          <a:blip r:embed="rId1"/>
+          <a:blip r:embed="rId2"/>
           <a:stretch>
             <a:fillRect/>
           </a:stretch>
@@ -16228,7 +15559,7 @@
           <p:nvPr/>
         </p:nvPicPr>
         <p:blipFill>
-          <a:blip r:embed="rId2"/>
+          <a:blip r:embed="rId3"/>
           <a:stretch>
             <a:fillRect/>
           </a:stretch>
@@ -17668,13 +16999,6 @@
               </a:rPr>
               <a:t>1.1</a:t>
             </a:r>
-            <a:endParaRPr lang="en-US" altLang="zh-CN" sz="2800" b="1" dirty="0">
-              <a:solidFill>
-                <a:schemeClr val="bg1"/>
-              </a:solidFill>
-              <a:latin typeface="Microsoft YaHei" panose="020B0503020204020204" pitchFamily="34" charset="-122"/>
-              <a:ea typeface="Microsoft YaHei" panose="020B0503020204020204" pitchFamily="34" charset="-122"/>
-            </a:endParaRPr>
           </a:p>
         </p:txBody>
       </p:sp>
@@ -17813,24 +17137,6 @@
               </a:rPr>
               <a:t> Recap</a:t>
             </a:r>
-            <a:endParaRPr kumimoji="0" lang="en-US" altLang="zh-CN" sz="2800" b="1" i="0" u="none" strike="noStrike" kern="1200" cap="none" spc="0" normalizeH="0" baseline="0" noProof="0" dirty="0">
-              <a:ln>
-                <a:noFill/>
-              </a:ln>
-              <a:solidFill>
-                <a:schemeClr val="tx1">
-                  <a:lumMod val="85000"/>
-                  <a:lumOff val="15000"/>
-                </a:schemeClr>
-              </a:solidFill>
-              <a:effectLst/>
-              <a:uLnTx/>
-              <a:uFillTx/>
-              <a:latin typeface="Microsoft YaHei" panose="020B0503020204020204" pitchFamily="34" charset="-122"/>
-              <a:ea typeface="Microsoft YaHei" panose="020B0503020204020204" pitchFamily="34" charset="-122"/>
-              <a:cs typeface="+mn-cs"/>
-              <a:sym typeface="+mn-ea"/>
-            </a:endParaRPr>
           </a:p>
         </p:txBody>
       </p:sp>
@@ -17853,7 +17159,6 @@
               <a:rPr lang="en-CA" altLang="en-US" dirty="0"/>
               <a:t>Algorithmic methods for working with array or array-like data structures</a:t>
             </a:r>
-            <a:endParaRPr lang="en-CA" altLang="en-US" dirty="0"/>
           </a:p>
           <a:p>
             <a:r>
@@ -17867,7 +17172,6 @@
               <a:rPr lang="en-CA" altLang="en-US" dirty="0"/>
               <a:t>Two Pointers</a:t>
             </a:r>
-            <a:endParaRPr lang="en-CA" altLang="en-US" dirty="0"/>
           </a:p>
           <a:p>
             <a:pPr lvl="1"/>
@@ -17875,7 +17179,6 @@
               <a:rPr lang="en-CA" altLang="en-US" dirty="0"/>
               <a:t>Same Direction</a:t>
             </a:r>
-            <a:endParaRPr lang="en-CA" altLang="en-US" dirty="0"/>
           </a:p>
           <a:p>
             <a:pPr lvl="1"/>
@@ -17883,7 +17186,6 @@
               <a:rPr lang="en-CA" altLang="en-US" dirty="0"/>
               <a:t>Opposite Direction</a:t>
             </a:r>
-            <a:endParaRPr lang="en-CA" altLang="en-US" dirty="0"/>
           </a:p>
           <a:p>
             <a:pPr lvl="1"/>
@@ -17891,7 +17193,6 @@
               <a:rPr lang="en-CA" altLang="en-US" dirty="0"/>
               <a:t>Sliding Window</a:t>
             </a:r>
-            <a:endParaRPr lang="en-CA" altLang="en-US" dirty="0"/>
           </a:p>
         </p:txBody>
       </p:sp>
@@ -18088,15 +17389,8 @@
                 <a:latin typeface="Microsoft YaHei" panose="020B0503020204020204" pitchFamily="34" charset="-122"/>
                 <a:ea typeface="Microsoft YaHei" panose="020B0503020204020204" pitchFamily="34" charset="-122"/>
               </a:rPr>
-              <a:t>Week5 Recap</a:t>
-            </a:r>
-            <a:endParaRPr lang="en-US" altLang="zh-CN" sz="3200" b="1" dirty="0">
-              <a:solidFill>
-                <a:schemeClr val="bg1"/>
-              </a:solidFill>
-              <a:latin typeface="Microsoft YaHei" panose="020B0503020204020204" pitchFamily="34" charset="-122"/>
-              <a:ea typeface="Microsoft YaHei" panose="020B0503020204020204" pitchFamily="34" charset="-122"/>
-            </a:endParaRPr>
+              <a:t>Week6 Recap</a:t>
+            </a:r>
           </a:p>
         </p:txBody>
       </p:sp>
@@ -18212,13 +17506,6 @@
               </a:rPr>
               <a:t>Homework Recap</a:t>
             </a:r>
-            <a:endParaRPr lang="en-US" altLang="zh-CN" sz="3200" b="1" dirty="0">
-              <a:solidFill>
-                <a:srgbClr val="05B780"/>
-              </a:solidFill>
-              <a:latin typeface="Microsoft YaHei" panose="020B0503020204020204" pitchFamily="34" charset="-122"/>
-              <a:ea typeface="Microsoft YaHei" panose="020B0503020204020204" pitchFamily="34" charset="-122"/>
-            </a:endParaRPr>
           </a:p>
         </p:txBody>
       </p:sp>
@@ -18351,13 +17638,6 @@
                 </a:rPr>
                 <a:t>01b</a:t>
               </a:r>
-              <a:endParaRPr lang="en-US" altLang="zh-CN" sz="4400" b="1" dirty="0">
-                <a:solidFill>
-                  <a:schemeClr val="bg1"/>
-                </a:solidFill>
-                <a:latin typeface="Microsoft YaHei" panose="020B0503020204020204" pitchFamily="34" charset="-122"/>
-                <a:ea typeface="Microsoft YaHei" panose="020B0503020204020204" pitchFamily="34" charset="-122"/>
-              </a:endParaRPr>
             </a:p>
           </p:txBody>
         </p:sp>
@@ -18557,13 +17837,6 @@
               </a:rPr>
               <a:t>1.2</a:t>
             </a:r>
-            <a:endParaRPr lang="en-US" altLang="zh-CN" sz="2800" b="1" dirty="0">
-              <a:solidFill>
-                <a:schemeClr val="bg1"/>
-              </a:solidFill>
-              <a:latin typeface="Microsoft YaHei" panose="020B0503020204020204" pitchFamily="34" charset="-122"/>
-              <a:ea typeface="Microsoft YaHei" panose="020B0503020204020204" pitchFamily="34" charset="-122"/>
-            </a:endParaRPr>
           </a:p>
         </p:txBody>
       </p:sp>
@@ -19080,13 +18353,6 @@
               </a:rPr>
               <a:t>Graph Data Structure</a:t>
             </a:r>
-            <a:endParaRPr lang="en-CA" altLang="en-US" sz="3200" b="1" dirty="0">
-              <a:solidFill>
-                <a:srgbClr val="05B780"/>
-              </a:solidFill>
-              <a:latin typeface="Microsoft YaHei" panose="020B0503020204020204" pitchFamily="34" charset="-122"/>
-              <a:ea typeface="Microsoft YaHei" panose="020B0503020204020204" pitchFamily="34" charset="-122"/>
-            </a:endParaRPr>
           </a:p>
         </p:txBody>
       </p:sp>
@@ -19219,13 +18485,6 @@
                 </a:rPr>
                 <a:t>02</a:t>
               </a:r>
-              <a:endParaRPr lang="en-US" altLang="zh-CN" sz="4400" b="1" dirty="0">
-                <a:solidFill>
-                  <a:schemeClr val="bg1"/>
-                </a:solidFill>
-                <a:latin typeface="Microsoft YaHei" panose="020B0503020204020204" pitchFamily="34" charset="-122"/>
-                <a:ea typeface="Microsoft YaHei" panose="020B0503020204020204" pitchFamily="34" charset="-122"/>
-              </a:endParaRPr>
             </a:p>
           </p:txBody>
         </p:sp>
@@ -19425,13 +18684,6 @@
               </a:rPr>
               <a:t>2.1</a:t>
             </a:r>
-            <a:endParaRPr lang="en-US" altLang="zh-CN" sz="2800" b="1" dirty="0">
-              <a:solidFill>
-                <a:schemeClr val="bg1"/>
-              </a:solidFill>
-              <a:latin typeface="Microsoft YaHei" panose="020B0503020204020204" pitchFamily="34" charset="-122"/>
-              <a:ea typeface="Microsoft YaHei" panose="020B0503020204020204" pitchFamily="34" charset="-122"/>
-            </a:endParaRPr>
           </a:p>
         </p:txBody>
       </p:sp>
@@ -19521,24 +18773,6 @@
               </a:rPr>
               <a:t>Graph Overview</a:t>
             </a:r>
-            <a:endParaRPr kumimoji="0" lang="en-CA" altLang="en-US" sz="2800" b="1" i="0" u="none" strike="noStrike" kern="1200" cap="none" spc="0" normalizeH="0" baseline="0" noProof="0" dirty="0">
-              <a:ln>
-                <a:noFill/>
-              </a:ln>
-              <a:solidFill>
-                <a:schemeClr val="tx1">
-                  <a:lumMod val="85000"/>
-                  <a:lumOff val="15000"/>
-                </a:schemeClr>
-              </a:solidFill>
-              <a:effectLst/>
-              <a:uLnTx/>
-              <a:uFillTx/>
-              <a:latin typeface="Microsoft YaHei" panose="020B0503020204020204" pitchFamily="34" charset="-122"/>
-              <a:ea typeface="Microsoft YaHei" panose="020B0503020204020204" pitchFamily="34" charset="-122"/>
-              <a:cs typeface="+mn-cs"/>
-              <a:sym typeface="+mn-ea"/>
-            </a:endParaRPr>
           </a:p>
         </p:txBody>
       </p:sp>
@@ -19579,7 +18813,6 @@
               <a:rPr lang="en-CA" altLang="en-US" sz="3195" dirty="0"/>
               <a:t>In Graphs, we often have cycles (paths that lead back to where we started)</a:t>
             </a:r>
-            <a:endParaRPr lang="en-CA" altLang="en-US" sz="3195" dirty="0"/>
           </a:p>
           <a:p>
             <a:pPr lvl="1"/>
@@ -19587,7 +18820,6 @@
               <a:rPr lang="en-CA" altLang="en-US" sz="2735" dirty="0"/>
               <a:t>Therefore we have to record the nodes we have visited and avoiding re-visiting them and going into an infinite loop</a:t>
             </a:r>
-            <a:endParaRPr lang="en-CA" altLang="en-US" sz="2735" dirty="0"/>
           </a:p>
           <a:p>
             <a:pPr lvl="1"/>
@@ -19800,13 +19032,6 @@
               </a:rPr>
               <a:t>2</a:t>
             </a:r>
-            <a:endParaRPr lang="en-CA" altLang="en-US" sz="2800" b="1" dirty="0">
-              <a:solidFill>
-                <a:schemeClr val="bg1"/>
-              </a:solidFill>
-              <a:latin typeface="Microsoft YaHei" panose="020B0503020204020204" pitchFamily="34" charset="-122"/>
-              <a:ea typeface="Microsoft YaHei" panose="020B0503020204020204" pitchFamily="34" charset="-122"/>
-            </a:endParaRPr>
           </a:p>
         </p:txBody>
       </p:sp>
@@ -19896,24 +19121,6 @@
               </a:rPr>
               <a:t>Intro to Graphs - Small World Problem Example</a:t>
             </a:r>
-            <a:endParaRPr kumimoji="0" lang="en-CA" altLang="en-US" sz="2800" b="1" i="0" u="none" strike="noStrike" kern="1200" cap="none" spc="0" normalizeH="0" baseline="0" noProof="0" dirty="0">
-              <a:ln>
-                <a:noFill/>
-              </a:ln>
-              <a:solidFill>
-                <a:schemeClr val="tx1">
-                  <a:lumMod val="85000"/>
-                  <a:lumOff val="15000"/>
-                </a:schemeClr>
-              </a:solidFill>
-              <a:effectLst/>
-              <a:uLnTx/>
-              <a:uFillTx/>
-              <a:latin typeface="Microsoft YaHei" panose="020B0503020204020204" pitchFamily="34" charset="-122"/>
-              <a:ea typeface="Microsoft YaHei" panose="020B0503020204020204" pitchFamily="34" charset="-122"/>
-              <a:cs typeface="+mn-cs"/>
-              <a:sym typeface="+mn-ea"/>
-            </a:endParaRPr>
           </a:p>
         </p:txBody>
       </p:sp>
@@ -19950,7 +19157,6 @@
               <a:rPr lang="en-US" sz="3195" dirty="0"/>
               <a:t>world” mean?</a:t>
             </a:r>
-            <a:endParaRPr lang="en-US" sz="3195" dirty="0"/>
           </a:p>
           <a:p>
             <a:pPr lvl="1"/>
@@ -19958,7 +19164,6 @@
               <a:rPr lang="en-US" sz="2735" dirty="0"/>
               <a:t>How far apart are two random individuals?</a:t>
             </a:r>
-            <a:endParaRPr lang="en-US" sz="2735" dirty="0"/>
           </a:p>
           <a:p>
             <a:pPr lvl="1"/>
@@ -19966,7 +19171,6 @@
               <a:rPr lang="en-US" sz="2735" dirty="0"/>
               <a:t>Six degrees of separation</a:t>
             </a:r>
-            <a:endParaRPr lang="en-US" sz="2735" dirty="0"/>
           </a:p>
           <a:p>
             <a:pPr lvl="0"/>
@@ -19974,7 +19178,6 @@
               <a:rPr lang="en-US" sz="3195" dirty="0"/>
               <a:t>Why should we care?</a:t>
             </a:r>
-            <a:endParaRPr lang="en-US" sz="3195" dirty="0"/>
           </a:p>
           <a:p>
             <a:pPr lvl="1"/>
@@ -19982,7 +19185,6 @@
               <a:rPr lang="en-US" sz="2735" dirty="0"/>
               <a:t>Spreading of rumors, disease, and so on?</a:t>
             </a:r>
-            <a:endParaRPr lang="en-US" sz="2735" dirty="0"/>
           </a:p>
           <a:p>
             <a:pPr lvl="0"/>
@@ -19998,7 +19200,6 @@
               <a:rPr lang="en-US" sz="3195" dirty="0"/>
               <a:t>interactions (people, proteins, computers, etc.)</a:t>
             </a:r>
-            <a:endParaRPr lang="en-US" sz="3195" dirty="0"/>
           </a:p>
           <a:p>
             <a:pPr lvl="0"/>
@@ -20006,7 +19207,6 @@
               <a:rPr lang="en-US" sz="3195" dirty="0"/>
               <a:t>How do we test it algorithmically?</a:t>
             </a:r>
-            <a:endParaRPr lang="en-US" sz="3195" dirty="0"/>
           </a:p>
           <a:p>
             <a:pPr lvl="1"/>
@@ -20014,7 +19214,6 @@
               <a:rPr lang="en-US" sz="2735" dirty="0"/>
               <a:t>Need a mathematical model of the relation “knows”</a:t>
             </a:r>
-            <a:endParaRPr lang="en-US" sz="2735" dirty="0"/>
           </a:p>
         </p:txBody>
       </p:sp>
@@ -20280,6 +19479,8 @@
       </a:bgFillStyleLst>
     </a:fmtScheme>
   </a:themeElements>
+  <a:objectDefaults/>
+  <a:extraClrSchemeLst/>
   <a:extLst>
     <a:ext uri="{05A4C25C-085E-4340-85A3-A5531E510DB2}">
       <thm15:themeFamily xmlns:thm15="http://schemas.microsoft.com/office/thememl/2012/main" name="Office Theme" id="{62F939B6-93AF-4DB8-9C6B-D6C7DFDC589F}" vid="{4A3C46E8-61CC-4603-A589-7422A47A8E4A}"/>
@@ -20539,6 +19740,8 @@
       </a:bgFillStyleLst>
     </a:fmtScheme>
   </a:themeElements>
+  <a:objectDefaults/>
+  <a:extraClrSchemeLst/>
   <a:extLst>
     <a:ext uri="{05A4C25C-085E-4340-85A3-A5531E510DB2}">
       <thm15:themeFamily xmlns:thm15="http://schemas.microsoft.com/office/thememl/2012/main" name="Office Theme" id="{62F939B6-93AF-4DB8-9C6B-D6C7DFDC589F}" vid="{4A3C46E8-61CC-4603-A589-7422A47A8E4A}"/>
@@ -20798,6 +20001,8 @@
       </a:bgFillStyleLst>
     </a:fmtScheme>
   </a:themeElements>
+  <a:objectDefaults/>
+  <a:extraClrSchemeLst/>
   <a:extLst>
     <a:ext uri="{05A4C25C-085E-4340-85A3-A5531E510DB2}">
       <thm15:themeFamily xmlns:thm15="http://schemas.microsoft.com/office/thememl/2012/main" name="Office Theme" id="{62F939B6-93AF-4DB8-9C6B-D6C7DFDC589F}" vid="{4A3C46E8-61CC-4603-A589-7422A47A8E4A}"/>
@@ -21057,6 +20262,8 @@
       </a:bgFillStyleLst>
     </a:fmtScheme>
   </a:themeElements>
+  <a:objectDefaults/>
+  <a:extraClrSchemeLst/>
   <a:extLst>
     <a:ext uri="{05A4C25C-085E-4340-85A3-A5531E510DB2}">
       <thm15:themeFamily xmlns:thm15="http://schemas.microsoft.com/office/thememl/2012/main" name="Office Theme" id="{62F939B6-93AF-4DB8-9C6B-D6C7DFDC589F}" vid="{4A3C46E8-61CC-4603-A589-7422A47A8E4A}"/>

--- a/week7/week7_slides.pptx
+++ b/week7/week7_slides.pptx
@@ -7861,6 +7861,28 @@
               <a:rPr lang="en-US" sz="3195" dirty="0"/>
               <a:t>Many applications (Web, social networks, routing, games, etc.)</a:t>
             </a:r>
+          </a:p>
+          <a:p>
+            <a:pPr lvl="0"/>
+            <a:r>
+              <a:rPr lang="en-US" sz="3195" dirty="0"/>
+              <a:t>Recall Binary Tree Traversals</a:t>
+            </a:r>
+          </a:p>
+          <a:p>
+            <a:pPr lvl="1"/>
+            <a:r>
+              <a:rPr lang="en-US" sz="2795" dirty="0"/>
+              <a:t>Level Order -&gt; BFS</a:t>
+            </a:r>
+          </a:p>
+          <a:p>
+            <a:pPr lvl="1"/>
+            <a:r>
+              <a:rPr lang="en-US" sz="2795"/>
+              <a:t>In Order, Pre Order, Post Order -&gt; DFS</a:t>
+            </a:r>
+            <a:endParaRPr lang="en-US" sz="2795" dirty="0"/>
           </a:p>
         </p:txBody>
       </p:sp>

--- a/week7/week7_slides.pptx
+++ b/week7/week7_slides.pptx
@@ -6,10 +6,10 @@
     <p:sldMasterId id="2147483651" r:id="rId2"/>
   </p:sldMasterIdLst>
   <p:notesMasterIdLst>
-    <p:notesMasterId r:id="rId36"/>
+    <p:notesMasterId r:id="rId37"/>
   </p:notesMasterIdLst>
   <p:handoutMasterIdLst>
-    <p:handoutMasterId r:id="rId37"/>
+    <p:handoutMasterId r:id="rId38"/>
   </p:handoutMasterIdLst>
   <p:sldIdLst>
     <p:sldId id="256" r:id="rId3"/>
@@ -30,21 +30,22 @@
     <p:sldId id="444" r:id="rId18"/>
     <p:sldId id="571" r:id="rId19"/>
     <p:sldId id="574" r:id="rId20"/>
-    <p:sldId id="575" r:id="rId21"/>
-    <p:sldId id="572" r:id="rId22"/>
-    <p:sldId id="566" r:id="rId23"/>
-    <p:sldId id="567" r:id="rId24"/>
-    <p:sldId id="578" r:id="rId25"/>
-    <p:sldId id="579" r:id="rId26"/>
-    <p:sldId id="580" r:id="rId27"/>
-    <p:sldId id="573" r:id="rId28"/>
-    <p:sldId id="577" r:id="rId29"/>
-    <p:sldId id="576" r:id="rId30"/>
-    <p:sldId id="378" r:id="rId31"/>
-    <p:sldId id="568" r:id="rId32"/>
-    <p:sldId id="587" r:id="rId33"/>
-    <p:sldId id="538" r:id="rId34"/>
-    <p:sldId id="289" r:id="rId35"/>
+    <p:sldId id="588" r:id="rId21"/>
+    <p:sldId id="575" r:id="rId22"/>
+    <p:sldId id="572" r:id="rId23"/>
+    <p:sldId id="566" r:id="rId24"/>
+    <p:sldId id="567" r:id="rId25"/>
+    <p:sldId id="578" r:id="rId26"/>
+    <p:sldId id="579" r:id="rId27"/>
+    <p:sldId id="580" r:id="rId28"/>
+    <p:sldId id="573" r:id="rId29"/>
+    <p:sldId id="577" r:id="rId30"/>
+    <p:sldId id="576" r:id="rId31"/>
+    <p:sldId id="378" r:id="rId32"/>
+    <p:sldId id="568" r:id="rId33"/>
+    <p:sldId id="587" r:id="rId34"/>
+    <p:sldId id="538" r:id="rId35"/>
+    <p:sldId id="289" r:id="rId36"/>
   </p:sldIdLst>
   <p:sldSz cx="12192000" cy="6858000"/>
   <p:notesSz cx="6858000" cy="9144000"/>
@@ -7851,7 +7852,7 @@
               <a:t> </a:t>
             </a:r>
             <a:r>
-              <a:rPr lang="en-US" sz="3195" dirty="0"/>
+              <a:rPr lang="en-US" sz="2740" dirty="0"/>
               <a:t>existence of cycles, connectedness, etc.)</a:t>
             </a:r>
           </a:p>
@@ -7861,28 +7862,6 @@
               <a:rPr lang="en-US" sz="3195" dirty="0"/>
               <a:t>Many applications (Web, social networks, routing, games, etc.)</a:t>
             </a:r>
-          </a:p>
-          <a:p>
-            <a:pPr lvl="0"/>
-            <a:r>
-              <a:rPr lang="en-US" sz="3195" dirty="0"/>
-              <a:t>Recall Binary Tree Traversals</a:t>
-            </a:r>
-          </a:p>
-          <a:p>
-            <a:pPr lvl="1"/>
-            <a:r>
-              <a:rPr lang="en-US" sz="2795" dirty="0"/>
-              <a:t>Level Order -&gt; BFS</a:t>
-            </a:r>
-          </a:p>
-          <a:p>
-            <a:pPr lvl="1"/>
-            <a:r>
-              <a:rPr lang="en-US" sz="2795"/>
-              <a:t>In Order, Pre Order, Post Order -&gt; DFS</a:t>
-            </a:r>
-            <a:endParaRPr lang="en-US" sz="2795" dirty="0"/>
           </a:p>
         </p:txBody>
       </p:sp>
@@ -8224,81 +8203,68 @@
             </a:r>
             <a:r>
               <a:rPr lang="en-US" sz="3195" dirty="0"/>
-              <a:t>time and compile information about the graph: breadthfirst</a:t>
-            </a:r>
-            <a:r>
-              <a:rPr lang="en-CA" altLang="en-US" sz="3195" dirty="0"/>
+              <a:t>time and compile information about the graph: </a:t>
+            </a:r>
+          </a:p>
+          <a:p>
+            <a:pPr lvl="1"/>
+            <a:r>
+              <a:rPr lang="en-US" sz="2795" dirty="0"/>
+              <a:t>Breadth-first</a:t>
+            </a:r>
+            <a:r>
+              <a:rPr lang="en-CA" altLang="en-US" sz="2795" dirty="0"/>
               <a:t> </a:t>
             </a:r>
             <a:r>
-              <a:rPr lang="en-US" sz="3195" dirty="0"/>
-              <a:t>search (BFS) and depth-first search (DFS).</a:t>
-            </a:r>
-          </a:p>
-          <a:p>
-            <a:pPr lvl="0"/>
-            <a:r>
-              <a:rPr lang="en-US" sz="3195" dirty="0"/>
-              <a:t>DFS and BFS have similar structure.</a:t>
+              <a:rPr lang="en-US" sz="2795" dirty="0"/>
+              <a:t>search (BFS)</a:t>
+            </a:r>
+          </a:p>
+          <a:p>
+            <a:pPr lvl="2"/>
+            <a:r>
+              <a:rPr lang="en-US" sz="2395" dirty="0"/>
+              <a:t>Think about how a disease (</a:t>
+            </a:r>
+            <a:r>
+              <a:rPr lang="en-US" sz="2395" dirty="0" err="1"/>
+              <a:t>ie</a:t>
+            </a:r>
+            <a:r>
+              <a:rPr lang="en-US" sz="2395" dirty="0"/>
+              <a:t> covid) spreads from person to person, it starts with one person, then those around him/her, and then spreads outwards until the entire population has been infected</a:t>
             </a:r>
           </a:p>
           <a:p>
             <a:pPr lvl="1"/>
             <a:r>
-              <a:rPr lang="en-US" sz="2735" dirty="0"/>
-              <a:t>Both keep a data structure D of pending edges to explore and</a:t>
-            </a:r>
-            <a:r>
-              <a:rPr lang="en-CA" altLang="en-US" sz="2735" dirty="0"/>
-              <a:t> </a:t>
-            </a:r>
-            <a:r>
-              <a:rPr lang="en-US" sz="3195" dirty="0"/>
-              <a:t>repeatedly choose an edge from D to explore.</a:t>
+              <a:rPr lang="en-US" sz="2795" dirty="0"/>
+              <a:t>Depth-first search (DFS)</a:t>
+            </a:r>
+          </a:p>
+          <a:p>
+            <a:pPr lvl="2"/>
+            <a:r>
+              <a:rPr lang="en-US" sz="2395" dirty="0"/>
+              <a:t>Think about walking through a maze, you follow one path until you either reach the exit or a </a:t>
+            </a:r>
+            <a:r>
+              <a:rPr lang="en-US" sz="2395" dirty="0" err="1"/>
+              <a:t>deadend</a:t>
+            </a:r>
+            <a:r>
+              <a:rPr lang="en-US" sz="2395" dirty="0"/>
+              <a:t>, then you try other paths until one leads you to the exit</a:t>
             </a:r>
           </a:p>
           <a:p>
             <a:pPr lvl="1"/>
-            <a:r>
-              <a:rPr lang="en-US" sz="2735" dirty="0"/>
-              <a:t>D is initially loaded with the edges adjacent to an arbitrary</a:t>
-            </a:r>
-            <a:r>
-              <a:rPr lang="en-CA" altLang="en-US" sz="2735" dirty="0"/>
-              <a:t> </a:t>
-            </a:r>
-            <a:r>
-              <a:rPr lang="en-US" sz="2735" dirty="0"/>
-              <a:t>vertex v.</a:t>
-            </a:r>
+            <a:endParaRPr lang="en-US" sz="2795" dirty="0"/>
           </a:p>
           <a:p>
             <a:pPr lvl="1"/>
-            <a:r>
-              <a:rPr lang="en-US" sz="2735" dirty="0"/>
-              <a:t>Both procedures run in linear time.</a:t>
-            </a:r>
-          </a:p>
-          <a:p>
-            <a:pPr lvl="0"/>
-            <a:r>
-              <a:rPr lang="en-US" sz="3195" dirty="0"/>
-              <a:t>DFS and BFS differ only on the nature of D.</a:t>
-            </a:r>
-          </a:p>
-          <a:p>
-            <a:pPr lvl="1"/>
-            <a:r>
-              <a:rPr lang="en-US" sz="2735" dirty="0"/>
-              <a:t>DFS uses a stack.</a:t>
-            </a:r>
-          </a:p>
-          <a:p>
-            <a:pPr lvl="1"/>
-            <a:r>
-              <a:rPr lang="en-US" sz="2735" dirty="0"/>
-              <a:t>BFS uses a queue.</a:t>
-            </a:r>
+            <a:endParaRPr lang="en-US" sz="2735" dirty="0"/>
           </a:p>
         </p:txBody>
       </p:sp>
@@ -8515,7 +8481,7 @@
                 <a:latin typeface="Microsoft YaHei" panose="020B0503020204020204" pitchFamily="34" charset="-122"/>
                 <a:ea typeface="Microsoft YaHei" panose="020B0503020204020204" pitchFamily="34" charset="-122"/>
               </a:rPr>
-              <a:t>3</a:t>
+              <a:t>2</a:t>
             </a:r>
           </a:p>
         </p:txBody>
@@ -8604,7 +8570,7 @@
                 <a:cs typeface="+mn-cs"/>
                 <a:sym typeface="+mn-ea"/>
               </a:rPr>
-              <a:t>DFS/BFS Steps</a:t>
+              <a:t>Systematically Exploring a Graph</a:t>
             </a:r>
           </a:p>
         </p:txBody>
@@ -8631,92 +8597,105 @@
           <a:p>
             <a:pPr lvl="0"/>
             <a:r>
-              <a:rPr lang="en-US" dirty="0"/>
-              <a:t>Given a graph G, containing vertices (V) and edges (E)</a:t>
+              <a:rPr lang="en-US" sz="3195" dirty="0"/>
+              <a:t>DFS and BFS have similar structure.</a:t>
+            </a:r>
+          </a:p>
+          <a:p>
+            <a:pPr lvl="1"/>
+            <a:r>
+              <a:rPr lang="en-US" sz="2735" dirty="0"/>
+              <a:t>Both keep a data structure D of pending edges to explore and</a:t>
+            </a:r>
+            <a:r>
+              <a:rPr lang="en-CA" altLang="en-US" sz="2735" dirty="0"/>
+              <a:t> </a:t>
+            </a:r>
+            <a:r>
+              <a:rPr lang="en-US" sz="2740" dirty="0"/>
+              <a:t>repeatedly choose an edge from D to explore.</a:t>
+            </a:r>
+          </a:p>
+          <a:p>
+            <a:pPr lvl="1"/>
+            <a:r>
+              <a:rPr lang="en-US" sz="2735" dirty="0"/>
+              <a:t>D is initially loaded with the edges adjacent to an arbitrary</a:t>
+            </a:r>
+            <a:r>
+              <a:rPr lang="en-CA" altLang="en-US" sz="2735" dirty="0"/>
+              <a:t> </a:t>
+            </a:r>
+            <a:r>
+              <a:rPr lang="en-US" sz="2735" dirty="0"/>
+              <a:t>vertex v.</a:t>
+            </a:r>
+          </a:p>
+          <a:p>
+            <a:pPr lvl="1"/>
+            <a:r>
+              <a:rPr lang="en-US" sz="2735" dirty="0"/>
+              <a:t>Both procedures run in linear time.</a:t>
             </a:r>
           </a:p>
           <a:p>
             <a:pPr lvl="0"/>
             <a:r>
-              <a:rPr lang="en-US" dirty="0"/>
-              <a:t>Pick the starting vertex, V1</a:t>
+              <a:rPr lang="en-US" sz="3195" dirty="0"/>
+              <a:t>DFS and BFS differ only on the nature of D.</a:t>
+            </a:r>
+          </a:p>
+          <a:p>
+            <a:pPr lvl="1"/>
+            <a:r>
+              <a:rPr lang="en-US" sz="2340" dirty="0"/>
+              <a:t>DFS uses a stack.</a:t>
+            </a:r>
+          </a:p>
+          <a:p>
+            <a:pPr lvl="1"/>
+            <a:r>
+              <a:rPr lang="en-US" sz="2335" dirty="0"/>
+              <a:t>BFS uses a queue.</a:t>
+            </a:r>
+            <a:r>
+              <a:rPr lang="en-US" sz="2795" dirty="0"/>
+              <a:t> </a:t>
             </a:r>
           </a:p>
           <a:p>
             <a:pPr lvl="0"/>
             <a:r>
-              <a:rPr lang="en-US" dirty="0"/>
-              <a:t>Mark V1 as processed</a:t>
-            </a:r>
-          </a:p>
-          <a:p>
-            <a:pPr lvl="0"/>
-            <a:r>
-              <a:rPr lang="en-US" dirty="0"/>
-              <a:t>Push V1 and all its edges to neighboring nodes into the</a:t>
-            </a:r>
-            <a:r>
-              <a:rPr lang="en-CA" altLang="en-US" dirty="0"/>
-              <a:t> </a:t>
-            </a:r>
-            <a:r>
-              <a:rPr lang="en-US" dirty="0"/>
-              <a:t>data structure (stack or queue)</a:t>
-            </a:r>
-          </a:p>
-          <a:p>
-            <a:pPr lvl="0"/>
-            <a:r>
-              <a:rPr lang="en-US" dirty="0"/>
-              <a:t>While the data structure is not empty:</a:t>
+              <a:rPr lang="en-US" sz="3195" dirty="0"/>
+              <a:t>Recall Binary Tree Traversals</a:t>
             </a:r>
           </a:p>
           <a:p>
             <a:pPr lvl="1"/>
             <a:r>
-              <a:rPr lang="en-US" dirty="0"/>
-              <a:t>Pop top/front element off data structure</a:t>
+              <a:rPr lang="en-US" sz="2795" dirty="0"/>
+              <a:t>Level Order -&gt; BFS</a:t>
             </a:r>
           </a:p>
           <a:p>
             <a:pPr lvl="1"/>
             <a:r>
-              <a:rPr lang="en-US" dirty="0"/>
-              <a:t>Mark vertex as processed (if not already)</a:t>
-            </a:r>
-          </a:p>
-          <a:p>
-            <a:pPr lvl="2"/>
-            <a:r>
-              <a:rPr lang="en-US" dirty="0"/>
-              <a:t>Record edge as part of the spanning tree</a:t>
+              <a:rPr lang="en-US" sz="2795" dirty="0"/>
+              <a:t>In Order, Pre Order, Post Order -&gt; DFS</a:t>
             </a:r>
           </a:p>
           <a:p>
             <a:pPr lvl="1"/>
-            <a:r>
-              <a:rPr lang="en-US" dirty="0"/>
-              <a:t>Push all neighbors of vertex that have not already been</a:t>
-            </a:r>
-            <a:r>
-              <a:rPr lang="en-CA" altLang="en-US" dirty="0"/>
-              <a:t> </a:t>
-            </a:r>
-            <a:r>
-              <a:rPr lang="en-US" sz="2800" dirty="0"/>
-              <a:t>processed onto data structure</a:t>
-            </a:r>
-          </a:p>
-          <a:p>
-            <a:pPr lvl="2"/>
-            <a:r>
-              <a:rPr lang="en-US" dirty="0"/>
-              <a:t>Along with the edges to those neighbors</a:t>
-            </a:r>
+            <a:endParaRPr lang="en-US" sz="2735" dirty="0"/>
           </a:p>
         </p:txBody>
       </p:sp>
     </p:spTree>
+    <p:extLst>
+      <p:ext uri="{BB962C8B-B14F-4D97-AF65-F5344CB8AC3E}">
+        <p14:creationId xmlns:p14="http://schemas.microsoft.com/office/powerpoint/2010/main" val="1443029956"/>
+      </p:ext>
+    </p:extLst>
   </p:cSld>
   <p:clrMapOvr>
     <a:masterClrMapping/>
@@ -9709,7 +9688,7 @@
                 <a:latin typeface="Microsoft YaHei" panose="020B0503020204020204" pitchFamily="34" charset="-122"/>
                 <a:ea typeface="Microsoft YaHei" panose="020B0503020204020204" pitchFamily="34" charset="-122"/>
               </a:rPr>
-              <a:t>Graph Data Structure</a:t>
+              <a:t>Graph Theory</a:t>
             </a:r>
           </a:p>
         </p:txBody>
@@ -10322,7 +10301,7 @@
                 <a:latin typeface="Microsoft YaHei" panose="020B0503020204020204" pitchFamily="34" charset="-122"/>
                 <a:ea typeface="Microsoft YaHei" panose="020B0503020204020204" pitchFamily="34" charset="-122"/>
               </a:rPr>
-              <a:t>4</a:t>
+              <a:t>3</a:t>
             </a:r>
           </a:p>
         </p:txBody>
@@ -10411,7 +10390,7 @@
                 <a:cs typeface="+mn-cs"/>
                 <a:sym typeface="+mn-ea"/>
               </a:rPr>
-              <a:t>BFS</a:t>
+              <a:t>DFS/BFS Steps</a:t>
             </a:r>
           </a:p>
         </p:txBody>
@@ -10438,60 +10417,87 @@
           <a:p>
             <a:pPr lvl="0"/>
             <a:r>
-              <a:rPr lang="en-US" sz="3195" dirty="0"/>
-              <a:t>BFS is a method to systematically explore the nodes of a</a:t>
-            </a:r>
-            <a:r>
-              <a:rPr lang="en-CA" altLang="en-US" sz="3195" dirty="0"/>
+              <a:rPr lang="en-US" dirty="0"/>
+              <a:t>Given a graph G, containing vertices (V) and edges (E)</a:t>
+            </a:r>
+          </a:p>
+          <a:p>
+            <a:pPr lvl="0"/>
+            <a:r>
+              <a:rPr lang="en-US" dirty="0"/>
+              <a:t>Pick the starting vertex, V1</a:t>
+            </a:r>
+          </a:p>
+          <a:p>
+            <a:pPr lvl="0"/>
+            <a:r>
+              <a:rPr lang="en-US" dirty="0"/>
+              <a:t>Mark V1 as processed</a:t>
+            </a:r>
+          </a:p>
+          <a:p>
+            <a:pPr lvl="0"/>
+            <a:r>
+              <a:rPr lang="en-US" dirty="0"/>
+              <a:t>Push V1 and all its edges to neighboring nodes into the</a:t>
+            </a:r>
+            <a:r>
+              <a:rPr lang="en-CA" altLang="en-US" dirty="0"/>
               <a:t> </a:t>
             </a:r>
             <a:r>
-              <a:rPr lang="en-US" sz="3195" dirty="0"/>
-              <a:t>graph starting from a designated source node 𝑠</a:t>
+              <a:rPr lang="en-US" dirty="0"/>
+              <a:t>data structure (stack or queue)</a:t>
             </a:r>
           </a:p>
           <a:p>
             <a:pPr lvl="0"/>
             <a:r>
-              <a:rPr lang="en-US" sz="3195" dirty="0"/>
-              <a:t>Visit 𝑠and its neighbors; then, for each neighbor, visit its</a:t>
-            </a:r>
-            <a:r>
-              <a:rPr lang="en-CA" altLang="en-US" sz="3195" dirty="0"/>
+              <a:rPr lang="en-US" dirty="0"/>
+              <a:t>While the data structure is not empty:</a:t>
+            </a:r>
+          </a:p>
+          <a:p>
+            <a:pPr lvl="1"/>
+            <a:r>
+              <a:rPr lang="en-US" dirty="0"/>
+              <a:t>Pop top/front element off data structure</a:t>
+            </a:r>
+          </a:p>
+          <a:p>
+            <a:pPr lvl="1"/>
+            <a:r>
+              <a:rPr lang="en-US" dirty="0"/>
+              <a:t>Mark vertex as processed (if not already)</a:t>
+            </a:r>
+          </a:p>
+          <a:p>
+            <a:pPr lvl="2"/>
+            <a:r>
+              <a:rPr lang="en-US" dirty="0"/>
+              <a:t>Record edge as part of the spanning tree</a:t>
+            </a:r>
+          </a:p>
+          <a:p>
+            <a:pPr lvl="1"/>
+            <a:r>
+              <a:rPr lang="en-US" dirty="0"/>
+              <a:t>Push all neighbors of vertex that have not already been</a:t>
+            </a:r>
+            <a:r>
+              <a:rPr lang="en-CA" altLang="en-US" dirty="0"/>
               <a:t> </a:t>
             </a:r>
             <a:r>
-              <a:rPr lang="en-US" sz="3195" dirty="0"/>
-              <a:t>neighbors, and so on until no more nodes can be visited!</a:t>
-            </a:r>
-          </a:p>
-          <a:p>
-            <a:pPr lvl="0"/>
-            <a:r>
-              <a:rPr lang="en-US" sz="3195" dirty="0"/>
-              <a:t>A graph is explored level by level—level 0: 𝑠 .</a:t>
-            </a:r>
-          </a:p>
-          <a:p>
-            <a:pPr lvl="1"/>
-            <a:r>
-              <a:rPr lang="en-US" sz="2735" dirty="0"/>
-              <a:t>Level 𝑖: vertices reachable by path of length 𝑖 but not shorter</a:t>
-            </a:r>
-          </a:p>
-          <a:p>
-            <a:pPr lvl="1"/>
-            <a:r>
-              <a:rPr lang="en-US" sz="2735" dirty="0"/>
-              <a:t>Level 𝑖 built from level 𝑖 − 1 by trying all outgoing edges but</a:t>
-            </a:r>
-            <a:r>
-              <a:rPr lang="en-CA" altLang="en-US" sz="2735" dirty="0"/>
-              <a:t> </a:t>
-            </a:r>
-            <a:r>
-              <a:rPr lang="en-US" sz="3195" dirty="0"/>
-              <a:t>ignoring vertices from previous levels</a:t>
+              <a:rPr lang="en-US" dirty="0"/>
+              <a:t>processed onto data structure</a:t>
+            </a:r>
+          </a:p>
+          <a:p>
+            <a:pPr lvl="2"/>
+            <a:r>
+              <a:rPr lang="en-US" dirty="0"/>
+              <a:t>Along with the edges to those neighbors</a:t>
             </a:r>
           </a:p>
         </p:txBody>
@@ -10709,7 +10715,7 @@
                 <a:latin typeface="Microsoft YaHei" panose="020B0503020204020204" pitchFamily="34" charset="-122"/>
                 <a:ea typeface="Microsoft YaHei" panose="020B0503020204020204" pitchFamily="34" charset="-122"/>
               </a:rPr>
-              <a:t>5</a:t>
+              <a:t>4</a:t>
             </a:r>
           </a:p>
         </p:txBody>
@@ -10826,7 +10832,7 @@
             <a:pPr lvl="0"/>
             <a:r>
               <a:rPr lang="en-US" sz="3195" dirty="0"/>
-              <a:t>Question: How do we make sure that all</a:t>
+              <a:t>BFS is a method to systematically explore the nodes of a</a:t>
             </a:r>
             <a:r>
               <a:rPr lang="en-CA" altLang="en-US" sz="3195" dirty="0"/>
@@ -10834,7 +10840,14 @@
             </a:r>
             <a:r>
               <a:rPr lang="en-US" sz="3195" dirty="0"/>
-              <a:t>the neighbors of a node are visited before</a:t>
+              <a:t>graph starting from a designated source node 𝑠</a:t>
+            </a:r>
+          </a:p>
+          <a:p>
+            <a:pPr lvl="0"/>
+            <a:r>
+              <a:rPr lang="en-US" sz="3195" dirty="0"/>
+              <a:t>Visit 𝑠and its neighbors; then, for each neighbor, visit its</a:t>
             </a:r>
             <a:r>
               <a:rPr lang="en-CA" altLang="en-US" sz="3195" dirty="0"/>
@@ -10842,53 +10855,36 @@
             </a:r>
             <a:r>
               <a:rPr lang="en-US" sz="3195" dirty="0"/>
-              <a:t>any of their neighbors are (i.e., how do we</a:t>
-            </a:r>
-            <a:r>
-              <a:rPr lang="en-CA" altLang="en-US" sz="3195" dirty="0"/>
-              <a:t> </a:t>
-            </a:r>
+              <a:t>neighbors, and so on until no more nodes can be visited!</a:t>
+            </a:r>
+          </a:p>
+          <a:p>
+            <a:pPr lvl="0"/>
             <a:r>
               <a:rPr lang="en-US" sz="3195" dirty="0"/>
-              <a:t>guarantee that all nodes at level 𝑖 are</a:t>
-            </a:r>
-            <a:r>
-              <a:rPr lang="en-CA" altLang="en-US" sz="3195" dirty="0"/>
-              <a:t> </a:t>
-            </a:r>
-            <a:r>
-              <a:rPr lang="en-US" sz="3195" dirty="0"/>
-              <a:t>visited before any node of level 𝑖 + 1)?</a:t>
-            </a:r>
-          </a:p>
-          <a:p>
-            <a:pPr lvl="0"/>
-            <a:r>
-              <a:rPr lang="en-US" sz="3195" dirty="0"/>
-              <a:t>Answer: We do so by using a queue to</a:t>
-            </a:r>
-            <a:r>
-              <a:rPr lang="en-CA" altLang="en-US" sz="3195" dirty="0"/>
-              <a:t> </a:t>
-            </a:r>
-            <a:r>
-              <a:rPr lang="en-US" sz="3195" dirty="0"/>
-              <a:t>store the nodes pending exploration.</a:t>
+              <a:t>A graph is explored level by level—level 0: 𝑠 .</a:t>
             </a:r>
           </a:p>
           <a:p>
             <a:pPr lvl="1"/>
             <a:r>
               <a:rPr lang="en-US" sz="2735" dirty="0"/>
-              <a:t>All nodes at level 𝑖 appear earlier in the queue</a:t>
+              <a:t>Level 𝑖: vertices reachable by path of length 𝑖 but not shorter</a:t>
+            </a:r>
+          </a:p>
+          <a:p>
+            <a:pPr lvl="1"/>
+            <a:r>
+              <a:rPr lang="en-US" sz="2735" dirty="0"/>
+              <a:t>Level 𝑖 built from level 𝑖 − 1 by trying all outgoing edges but</a:t>
             </a:r>
             <a:r>
               <a:rPr lang="en-CA" altLang="en-US" sz="2735" dirty="0"/>
               <a:t> </a:t>
             </a:r>
             <a:r>
-              <a:rPr lang="en-US" sz="2735" dirty="0"/>
-              <a:t>than any node at level 𝑖 + 1.</a:t>
+              <a:rPr lang="en-US" sz="2740" dirty="0"/>
+              <a:t>ignoring vertices from previous levels</a:t>
             </a:r>
           </a:p>
         </p:txBody>
@@ -11106,7 +11102,7 @@
                 <a:latin typeface="Microsoft YaHei" panose="020B0503020204020204" pitchFamily="34" charset="-122"/>
                 <a:ea typeface="Microsoft YaHei" panose="020B0503020204020204" pitchFamily="34" charset="-122"/>
               </a:rPr>
-              <a:t>6</a:t>
+              <a:t>5</a:t>
             </a:r>
           </a:p>
         </p:txBody>
@@ -11223,21 +11219,69 @@
             <a:pPr lvl="0"/>
             <a:r>
               <a:rPr lang="en-US" sz="3195" dirty="0"/>
-              <a:t>Each node is enqueued/dequeued at most once.</a:t>
+              <a:t>Question: How do we make sure that all</a:t>
+            </a:r>
+            <a:r>
+              <a:rPr lang="en-CA" altLang="en-US" sz="3195" dirty="0"/>
+              <a:t> </a:t>
+            </a:r>
+            <a:r>
+              <a:rPr lang="en-US" sz="3195" dirty="0"/>
+              <a:t>the neighbors of a node are visited before</a:t>
+            </a:r>
+            <a:r>
+              <a:rPr lang="en-CA" altLang="en-US" sz="3195" dirty="0"/>
+              <a:t> </a:t>
+            </a:r>
+            <a:r>
+              <a:rPr lang="en-US" sz="3195" dirty="0"/>
+              <a:t>any of their neighbors are (i.e., how do we</a:t>
+            </a:r>
+            <a:r>
+              <a:rPr lang="en-CA" altLang="en-US" sz="3195" dirty="0"/>
+              <a:t> </a:t>
+            </a:r>
+            <a:r>
+              <a:rPr lang="en-US" sz="3195" dirty="0"/>
+              <a:t>guarantee that all nodes at level 𝑖 are</a:t>
+            </a:r>
+            <a:r>
+              <a:rPr lang="en-CA" altLang="en-US" sz="3195" dirty="0"/>
+              <a:t> </a:t>
+            </a:r>
+            <a:r>
+              <a:rPr lang="en-US" sz="3195" dirty="0"/>
+              <a:t>visited before any node of level 𝑖 + 1)?</a:t>
             </a:r>
           </a:p>
           <a:p>
             <a:pPr lvl="0"/>
             <a:r>
               <a:rPr lang="en-US" sz="3195" dirty="0"/>
-              <a:t>Each edge is examined at most twice.</a:t>
-            </a:r>
-          </a:p>
-          <a:p>
-            <a:pPr lvl="0"/>
+              <a:t>Answer: We do so by using a queue to</a:t>
+            </a:r>
+            <a:r>
+              <a:rPr lang="en-CA" altLang="en-US" sz="3195" dirty="0"/>
+              <a:t> </a:t>
+            </a:r>
             <a:r>
               <a:rPr lang="en-US" sz="3195" dirty="0"/>
-              <a:t>As implemented, BFS runs in 𝑂(𝑛 + 𝑚) time, n = num verts, m = num edges</a:t>
+              <a:t>store the nodes pending exploration.</a:t>
+            </a:r>
+          </a:p>
+          <a:p>
+            <a:pPr lvl="1"/>
+            <a:r>
+              <a:rPr lang="en-US" sz="2735" dirty="0"/>
+              <a:t>All nodes at level 𝑖 appear earlier in the queue</a:t>
+            </a:r>
+            <a:r>
+              <a:rPr lang="en-CA" altLang="en-US" sz="2735" dirty="0"/>
+              <a:t> </a:t>
+            </a:r>
+            <a:r>
+              <a:rPr lang="en-US" sz="2735" dirty="0"/>
+              <a:t>than any node at level 𝑖 + 1.</a:t>
             </a:r>
           </a:p>
         </p:txBody>
@@ -11455,7 +11499,7 @@
                 <a:latin typeface="Microsoft YaHei" panose="020B0503020204020204" pitchFamily="34" charset="-122"/>
                 <a:ea typeface="Microsoft YaHei" panose="020B0503020204020204" pitchFamily="34" charset="-122"/>
               </a:rPr>
-              <a:t>7</a:t>
+              <a:t>6</a:t>
             </a:r>
           </a:p>
         </p:txBody>
@@ -11544,7 +11588,7 @@
                 <a:cs typeface="+mn-cs"/>
                 <a:sym typeface="+mn-ea"/>
               </a:rPr>
-              <a:t>DFS</a:t>
+              <a:t>BFS</a:t>
             </a:r>
           </a:p>
         </p:txBody>
@@ -11572,59 +11616,35 @@
             <a:pPr lvl="0"/>
             <a:r>
               <a:rPr lang="en-US" sz="3195" dirty="0"/>
-              <a:t>We start our search at the root</a:t>
+              <a:t>Each node is enqueued/dequeued at most once.</a:t>
             </a:r>
           </a:p>
           <a:p>
             <a:pPr lvl="0"/>
             <a:r>
               <a:rPr lang="en-US" sz="3195" dirty="0"/>
-              <a:t>We end our search when we find a valid leaf node</a:t>
+              <a:t>Each edge is examined at most twice.</a:t>
             </a:r>
           </a:p>
           <a:p>
             <a:pPr lvl="0"/>
             <a:r>
               <a:rPr lang="en-US" sz="3195" dirty="0"/>
-              <a:t>A depth-first search expands the deepest node</a:t>
-            </a:r>
-            <a:r>
-              <a:rPr lang="en-CA" altLang="en-US" sz="3195" dirty="0"/>
-              <a:t> </a:t>
-            </a:r>
-            <a:r>
-              <a:rPr lang="en-US" sz="3195" dirty="0"/>
-              <a:t>next.</a:t>
+              <a:t>As implemented, BFS runs in 𝑂(𝑛 + 𝑚) time, </a:t>
             </a:r>
           </a:p>
           <a:p>
             <a:pPr lvl="1"/>
             <a:r>
-              <a:rPr lang="en-US" sz="2735" dirty="0"/>
-              <a:t>A child children will be expanded before the child’s</a:t>
-            </a:r>
-            <a:r>
-              <a:rPr lang="en-CA" altLang="en-US" sz="2735" dirty="0"/>
-              <a:t> </a:t>
-            </a:r>
-            <a:r>
-              <a:rPr lang="en-US" sz="3195" dirty="0"/>
-              <a:t>siblings are expanded.</a:t>
-            </a:r>
-          </a:p>
-          <a:p>
-            <a:pPr lvl="0"/>
-            <a:r>
-              <a:rPr lang="en-US" sz="3195" dirty="0"/>
-              <a:t>This type of search gets you to the leaf nodes as</a:t>
-            </a:r>
-            <a:r>
-              <a:rPr lang="en-CA" altLang="en-US" sz="3195" dirty="0"/>
-              <a:t> </a:t>
-            </a:r>
-            <a:r>
-              <a:rPr lang="en-US" sz="3195" dirty="0"/>
-              <a:t>fast as you can.</a:t>
+              <a:rPr lang="en-US" sz="2795" dirty="0"/>
+              <a:t>n = num verts, </a:t>
+            </a:r>
+          </a:p>
+          <a:p>
+            <a:pPr lvl="1"/>
+            <a:r>
+              <a:rPr lang="en-US" sz="2795" dirty="0"/>
+              <a:t>m = num edges</a:t>
             </a:r>
           </a:p>
         </p:txBody>
@@ -11842,7 +11862,7 @@
                 <a:latin typeface="Microsoft YaHei" panose="020B0503020204020204" pitchFamily="34" charset="-122"/>
                 <a:ea typeface="Microsoft YaHei" panose="020B0503020204020204" pitchFamily="34" charset="-122"/>
               </a:rPr>
-              <a:t>8</a:t>
+              <a:t>7</a:t>
             </a:r>
           </a:p>
         </p:txBody>
@@ -11958,25 +11978,60 @@
           <a:p>
             <a:pPr lvl="0"/>
             <a:r>
+              <a:rPr lang="en-US" sz="3195" dirty="0"/>
+              <a:t>We start our search at the root</a:t>
+            </a:r>
+          </a:p>
+          <a:p>
+            <a:pPr lvl="0"/>
+            <a:r>
+              <a:rPr lang="en-US" sz="3195" dirty="0"/>
+              <a:t>We end our search when we find a valid leaf node</a:t>
+            </a:r>
+          </a:p>
+          <a:p>
+            <a:pPr lvl="0"/>
+            <a:r>
+              <a:rPr lang="en-US" sz="3195" dirty="0"/>
+              <a:t>A depth-first search expands the deepest node</a:t>
+            </a:r>
+            <a:r>
               <a:rPr lang="en-CA" altLang="en-US" sz="3195" dirty="0"/>
-              <a:t>Instead of explicitly implementing a stack DFS, we often prefer to let the system stack do the heavy lifting and use a recursive implementation</a:t>
-            </a:r>
-          </a:p>
-          <a:p>
-            <a:pPr marL="0" lvl="1"/>
+              <a:t> </a:t>
+            </a:r>
+            <a:r>
+              <a:rPr lang="en-US" sz="3195" dirty="0"/>
+              <a:t>next.</a:t>
+            </a:r>
+          </a:p>
+          <a:p>
+            <a:pPr lvl="1"/>
+            <a:r>
+              <a:rPr lang="en-US" sz="2735" dirty="0"/>
+              <a:t>A child children will be expanded before the child’s</a:t>
+            </a:r>
             <a:r>
               <a:rPr lang="en-CA" altLang="en-US" sz="2735" dirty="0"/>
-              <a:t>Recall our </a:t>
-            </a:r>
-            <a:r>
-              <a:rPr lang="en-CA" altLang="en-US" sz="2735" dirty="0">
-                <a:sym typeface="+mn-ea"/>
-              </a:rPr>
-              <a:t>Preorder </a:t>
-            </a:r>
-            <a:r>
-              <a:rPr lang="en-CA" altLang="en-US" sz="2735" dirty="0"/>
-              <a:t>Binary Tree Traversal</a:t>
+              <a:t> </a:t>
+            </a:r>
+            <a:r>
+              <a:rPr lang="en-US" sz="2740" dirty="0"/>
+              <a:t>siblings are expanded.</a:t>
+            </a:r>
+          </a:p>
+          <a:p>
+            <a:pPr lvl="0"/>
+            <a:r>
+              <a:rPr lang="en-US" sz="3195" dirty="0"/>
+              <a:t>This type of search gets you to the leaf nodes as</a:t>
+            </a:r>
+            <a:r>
+              <a:rPr lang="en-CA" altLang="en-US" sz="3195" dirty="0"/>
+              <a:t> </a:t>
+            </a:r>
+            <a:r>
+              <a:rPr lang="en-US" sz="3195" dirty="0"/>
+              <a:t>fast as you can.</a:t>
             </a:r>
           </a:p>
         </p:txBody>
@@ -12194,7 +12249,7 @@
                 <a:latin typeface="Microsoft YaHei" panose="020B0503020204020204" pitchFamily="34" charset="-122"/>
                 <a:ea typeface="Microsoft YaHei" panose="020B0503020204020204" pitchFamily="34" charset="-122"/>
               </a:rPr>
-              <a:t>9</a:t>
+              <a:t>8</a:t>
             </a:r>
           </a:p>
         </p:txBody>
@@ -12311,35 +12366,7 @@
             <a:pPr lvl="0"/>
             <a:r>
               <a:rPr lang="en-CA" altLang="en-US" sz="3195" dirty="0"/>
-              <a:t>Algorithmic Paradigm</a:t>
-            </a:r>
-          </a:p>
-          <a:p>
-            <a:pPr lvl="1"/>
-            <a:r>
-              <a:rPr lang="en-CA" altLang="en-US" sz="2735" dirty="0"/>
-              <a:t>Think of DFS as a combination of Divide-and-Conquer and Backtracking (will be covered later)</a:t>
-            </a:r>
-          </a:p>
-          <a:p>
-            <a:pPr lvl="0"/>
-            <a:r>
-              <a:rPr lang="en-CA" altLang="en-US" sz="3190" dirty="0"/>
-              <a:t>Recall our preorder binary tree traversal DFS</a:t>
-            </a:r>
-          </a:p>
-          <a:p>
-            <a:pPr lvl="1"/>
-            <a:r>
-              <a:rPr lang="en-CA" altLang="en-US" sz="2730" dirty="0"/>
-              <a:t>We have recursive calls to dfs(root.left), dfs(root.right)</a:t>
-            </a:r>
-          </a:p>
-          <a:p>
-            <a:pPr lvl="1"/>
-            <a:r>
-              <a:rPr lang="en-CA" altLang="en-US" sz="2730" dirty="0"/>
-              <a:t>This is effectively dividing the problem, conquering each one independently, and combining the solution at the end</a:t>
+              <a:t>Instead of explicitly implementing a stack DFS, we often prefer to let the system stack do the heavy lifting and use a recursive implementation</a:t>
             </a:r>
           </a:p>
         </p:txBody>
@@ -12509,8 +12536,8 @@
         </p:nvSpPr>
         <p:spPr>
           <a:xfrm>
-            <a:off x="0" y="351155"/>
-            <a:ext cx="958215" cy="521970"/>
+            <a:off x="0" y="350838"/>
+            <a:ext cx="814388" cy="521970"/>
           </a:xfrm>
           <a:prstGeom prst="rect">
             <a:avLst/>
@@ -12521,7 +12548,7 @@
           </a:ln>
         </p:spPr>
         <p:txBody>
-          <a:bodyPr wrap="square" anchor="t" anchorCtr="0">
+          <a:bodyPr anchor="t" anchorCtr="0">
             <a:spAutoFit/>
           </a:bodyPr>
           <a:lstStyle/>
@@ -12547,7 +12574,7 @@
                 <a:latin typeface="Microsoft YaHei" panose="020B0503020204020204" pitchFamily="34" charset="-122"/>
                 <a:ea typeface="Microsoft YaHei" panose="020B0503020204020204" pitchFamily="34" charset="-122"/>
               </a:rPr>
-              <a:t>.1</a:t>
+              <a:t>.</a:t>
             </a:r>
             <a:r>
               <a:rPr lang="en-CA" altLang="en-US" sz="2800" b="1" dirty="0">
@@ -12557,7 +12584,7 @@
                 <a:latin typeface="Microsoft YaHei" panose="020B0503020204020204" pitchFamily="34" charset="-122"/>
                 <a:ea typeface="Microsoft YaHei" panose="020B0503020204020204" pitchFamily="34" charset="-122"/>
               </a:rPr>
-              <a:t>0</a:t>
+              <a:t>9</a:t>
             </a:r>
           </a:p>
         </p:txBody>
@@ -12646,7 +12673,7 @@
                 <a:cs typeface="+mn-cs"/>
                 <a:sym typeface="+mn-ea"/>
               </a:rPr>
-              <a:t>Use Case Examples</a:t>
+              <a:t>DFS</a:t>
             </a:r>
           </a:p>
         </p:txBody>
@@ -12673,47 +12700,36 @@
           <a:p>
             <a:pPr lvl="0"/>
             <a:r>
-              <a:rPr lang="en-US" sz="3195" dirty="0"/>
-              <a:t>Consider a wireless sensor network consisting of 𝑛 sensors,</a:t>
-            </a:r>
-            <a:r>
               <a:rPr lang="en-CA" altLang="en-US" sz="3195" dirty="0"/>
-              <a:t> </a:t>
-            </a:r>
-            <a:r>
-              <a:rPr lang="en-US" sz="3195" dirty="0"/>
-              <a:t>each of which can transmit within distance 𝑟. Pairs of sensors</a:t>
-            </a:r>
-            <a:r>
-              <a:rPr lang="en-CA" altLang="en-US" sz="3195" dirty="0"/>
-              <a:t> </a:t>
-            </a:r>
-            <a:r>
-              <a:rPr lang="en-US" sz="3195" dirty="0"/>
-              <a:t>that can directly communicate are linked with an edge. </a:t>
+              <a:t>Algorithmic Paradigm</a:t>
+            </a:r>
+          </a:p>
+          <a:p>
+            <a:pPr lvl="1"/>
+            <a:r>
+              <a:rPr lang="en-CA" altLang="en-US" sz="2735" dirty="0"/>
+              <a:t>Think of DFS as a combination of Divide-and-Conquer and Backtracking (will be covered later)</a:t>
             </a:r>
           </a:p>
           <a:p>
             <a:pPr lvl="0"/>
             <a:r>
-              <a:rPr lang="en-US" sz="3195" dirty="0"/>
-              <a:t>This</a:t>
-            </a:r>
-            <a:r>
-              <a:rPr lang="en-CA" altLang="en-US" sz="3195" dirty="0"/>
-              <a:t> </a:t>
-            </a:r>
-            <a:r>
-              <a:rPr lang="en-US" sz="3195" dirty="0"/>
-              <a:t>information can be used to partition the sensors into sets of</a:t>
-            </a:r>
-            <a:r>
-              <a:rPr lang="en-CA" altLang="en-US" sz="3195" dirty="0"/>
-              <a:t> </a:t>
-            </a:r>
-            <a:r>
-              <a:rPr lang="en-US" sz="3195" dirty="0"/>
-              <a:t>sensors that can communicate directly or indirectly.</a:t>
+              <a:rPr lang="en-CA" altLang="en-US" sz="3190" dirty="0"/>
+              <a:t>Recall our preorder binary tree traversal DFS</a:t>
+            </a:r>
+          </a:p>
+          <a:p>
+            <a:pPr lvl="1"/>
+            <a:r>
+              <a:rPr lang="en-CA" altLang="en-US" sz="2730" dirty="0"/>
+              <a:t>We have recursive calls to dfs(root.left), dfs(root.right)</a:t>
+            </a:r>
+          </a:p>
+          <a:p>
+            <a:pPr lvl="1"/>
+            <a:r>
+              <a:rPr lang="en-CA" altLang="en-US" sz="2730" dirty="0"/>
+              <a:t>This is effectively dividing the problem, conquering each one independently, and combining the solution at the end</a:t>
             </a:r>
           </a:p>
         </p:txBody>
@@ -12884,7 +12900,7 @@
         <p:spPr>
           <a:xfrm>
             <a:off x="0" y="351155"/>
-            <a:ext cx="1021080" cy="521970"/>
+            <a:ext cx="958215" cy="521970"/>
           </a:xfrm>
           <a:prstGeom prst="rect">
             <a:avLst/>
@@ -12931,7 +12947,7 @@
                 <a:latin typeface="Microsoft YaHei" panose="020B0503020204020204" pitchFamily="34" charset="-122"/>
                 <a:ea typeface="Microsoft YaHei" panose="020B0503020204020204" pitchFamily="34" charset="-122"/>
               </a:rPr>
-              <a:t>1</a:t>
+              <a:t>0</a:t>
             </a:r>
           </a:p>
         </p:txBody>
@@ -13047,47 +13063,47 @@
           <a:p>
             <a:pPr lvl="0"/>
             <a:r>
-              <a:rPr sz="3195" dirty="0"/>
-              <a:t>Consider a pool of customers using different accounts. You</a:t>
-            </a:r>
-            <a:r>
-              <a:rPr lang="en-CA" sz="3195" dirty="0"/>
+              <a:rPr lang="en-US" sz="3195" dirty="0"/>
+              <a:t>Consider a wireless sensor network consisting of 𝑛 sensors,</a:t>
+            </a:r>
+            <a:r>
+              <a:rPr lang="en-CA" altLang="en-US" sz="3195" dirty="0"/>
               <a:t> </a:t>
             </a:r>
             <a:r>
-              <a:rPr sz="3195" dirty="0"/>
-              <a:t>wish to identify related sets of people (e.g., families). You</a:t>
-            </a:r>
-            <a:r>
-              <a:rPr lang="en-CA" sz="3195" dirty="0"/>
+              <a:rPr lang="en-US" sz="3195" dirty="0"/>
+              <a:t>each of which can transmit within distance 𝑟. Pairs of sensors</a:t>
+            </a:r>
+            <a:r>
+              <a:rPr lang="en-CA" altLang="en-US" sz="3195" dirty="0"/>
               <a:t> </a:t>
             </a:r>
             <a:r>
-              <a:rPr sz="3195" dirty="0"/>
-              <a:t>create edges between customer IDs based on the same credit</a:t>
-            </a:r>
-            <a:r>
-              <a:rPr lang="en-CA" sz="3195" dirty="0"/>
+              <a:rPr lang="en-US" sz="3195" dirty="0"/>
+              <a:t>that can directly communicate are linked with an edge. </a:t>
+            </a:r>
+          </a:p>
+          <a:p>
+            <a:pPr lvl="0"/>
+            <a:r>
+              <a:rPr lang="en-US" sz="3195" dirty="0"/>
+              <a:t>This</a:t>
+            </a:r>
+            <a:r>
+              <a:rPr lang="en-CA" altLang="en-US" sz="3195" dirty="0"/>
               <a:t> </a:t>
             </a:r>
             <a:r>
-              <a:rPr sz="3195" dirty="0"/>
-              <a:t>card usage, or address, and so on. </a:t>
-            </a:r>
-          </a:p>
-          <a:p>
-            <a:pPr lvl="0"/>
-            <a:r>
-              <a:rPr sz="3195" dirty="0"/>
-              <a:t>The information can be</a:t>
-            </a:r>
-            <a:r>
-              <a:rPr lang="en-CA" sz="3195" dirty="0"/>
+              <a:rPr lang="en-US" sz="3195" dirty="0"/>
+              <a:t>information can be used to partition the sensors into sets of</a:t>
+            </a:r>
+            <a:r>
+              <a:rPr lang="en-CA" altLang="en-US" sz="3195" dirty="0"/>
               <a:t> </a:t>
             </a:r>
             <a:r>
-              <a:rPr sz="3195" dirty="0"/>
-              <a:t>used, for example, to estimate the possibility of fraud.</a:t>
+              <a:rPr lang="en-US" sz="3195" dirty="0"/>
+              <a:t>sensors that can communicate directly or indirectly.</a:t>
             </a:r>
           </a:p>
         </p:txBody>
@@ -13258,7 +13274,7 @@
         <p:spPr>
           <a:xfrm>
             <a:off x="0" y="351155"/>
-            <a:ext cx="1120775" cy="521970"/>
+            <a:ext cx="1021080" cy="521970"/>
           </a:xfrm>
           <a:prstGeom prst="rect">
             <a:avLst/>
@@ -13305,7 +13321,7 @@
                 <a:latin typeface="Microsoft YaHei" panose="020B0503020204020204" pitchFamily="34" charset="-122"/>
                 <a:ea typeface="Microsoft YaHei" panose="020B0503020204020204" pitchFamily="34" charset="-122"/>
               </a:rPr>
-              <a:t>2</a:t>
+              <a:t>1</a:t>
             </a:r>
           </a:p>
         </p:txBody>
@@ -13394,7 +13410,7 @@
                 <a:cs typeface="+mn-cs"/>
                 <a:sym typeface="+mn-ea"/>
               </a:rPr>
-              <a:t>Graph Traversal Summary</a:t>
+              <a:t>Use Case Examples</a:t>
             </a:r>
           </a:p>
         </p:txBody>
@@ -13421,71 +13437,47 @@
           <a:p>
             <a:pPr lvl="0"/>
             <a:r>
-              <a:rPr lang="en-CA" altLang="en-US" sz="3195" dirty="0"/>
-              <a:t>Question: Which is better, DFS or BFS?</a:t>
+              <a:rPr sz="3195" dirty="0"/>
+              <a:t>Consider a pool of customers using different accounts. You</a:t>
+            </a:r>
+            <a:r>
+              <a:rPr lang="en-CA" sz="3195" dirty="0"/>
+              <a:t> </a:t>
+            </a:r>
+            <a:r>
+              <a:rPr sz="3195" dirty="0"/>
+              <a:t>wish to identify related sets of people (e.g., families). You</a:t>
+            </a:r>
+            <a:r>
+              <a:rPr lang="en-CA" sz="3195" dirty="0"/>
+              <a:t> </a:t>
+            </a:r>
+            <a:r>
+              <a:rPr sz="3195" dirty="0"/>
+              <a:t>create edges between customer IDs based on the same credit</a:t>
+            </a:r>
+            <a:r>
+              <a:rPr lang="en-CA" sz="3195" dirty="0"/>
+              <a:t> </a:t>
+            </a:r>
+            <a:r>
+              <a:rPr sz="3195" dirty="0"/>
+              <a:t>card usage, or address, and so on. </a:t>
             </a:r>
           </a:p>
           <a:p>
             <a:pPr lvl="0"/>
             <a:r>
-              <a:rPr lang="en-CA" altLang="en-US" sz="3195" dirty="0"/>
-              <a:t>Answer: It depends...</a:t>
-            </a:r>
-          </a:p>
-          <a:p>
-            <a:pPr lvl="1"/>
-            <a:r>
-              <a:rPr lang="en-CA" altLang="en-US" sz="2735" dirty="0"/>
-              <a:t>BFS is better at:</a:t>
-            </a:r>
-          </a:p>
-          <a:p>
-            <a:pPr lvl="2"/>
-            <a:r>
-              <a:rPr lang="en-CA" altLang="en-US" sz="2275" dirty="0"/>
-              <a:t>Finding shortest distance between two vertices</a:t>
-            </a:r>
-          </a:p>
-          <a:p>
-            <a:pPr lvl="2"/>
-            <a:r>
-              <a:rPr lang="en-CA" altLang="en-US" sz="2275" dirty="0"/>
-              <a:t>Graph of unkown size, or even infinite size</a:t>
-            </a:r>
-          </a:p>
-          <a:p>
-            <a:pPr lvl="3"/>
-            <a:r>
-              <a:rPr lang="en-CA" altLang="en-US" sz="2275" dirty="0"/>
-              <a:t>Ie Google Maps find path from A to B in a city</a:t>
-            </a:r>
-          </a:p>
-          <a:p>
-            <a:pPr lvl="1"/>
-            <a:r>
-              <a:rPr lang="en-CA" altLang="en-US" sz="2735" dirty="0"/>
-              <a:t>DFS is better at:</a:t>
-            </a:r>
-          </a:p>
-          <a:p>
-            <a:pPr lvl="2"/>
-            <a:r>
-              <a:rPr lang="en-CA" altLang="en-US" sz="2275" dirty="0"/>
-              <a:t>Using less memory than BFS for wide graphs, since BFS has to keep all the nodes in the queue, and for wide graphs this can be quite large</a:t>
-            </a:r>
-          </a:p>
-          <a:p>
-            <a:pPr lvl="2"/>
-            <a:r>
-              <a:rPr lang="en-CA" altLang="en-US" sz="2275" dirty="0"/>
-              <a:t>Finding nodes far away from the root</a:t>
-            </a:r>
-          </a:p>
-          <a:p>
-            <a:pPr lvl="3"/>
-            <a:r>
-              <a:rPr lang="en-CA" altLang="en-US" sz="2275" dirty="0"/>
-              <a:t>ie Web Scraping to build an index for Google Search</a:t>
+              <a:rPr sz="3195" dirty="0"/>
+              <a:t>The information can be</a:t>
+            </a:r>
+            <a:r>
+              <a:rPr lang="en-CA" sz="3195" dirty="0"/>
+              <a:t> </a:t>
+            </a:r>
+            <a:r>
+              <a:rPr sz="3195" dirty="0"/>
+              <a:t>used, for example, to estimate the possibility of fraud.</a:t>
             </a:r>
           </a:p>
         </p:txBody>
@@ -13520,27 +13512,27 @@
       </p:grpSpPr>
       <p:sp>
         <p:nvSpPr>
-          <p:cNvPr id="46" name="任意多边形 45"/>
+          <p:cNvPr id="15" name="任意多边形 14"/>
           <p:cNvSpPr/>
           <p:nvPr/>
         </p:nvSpPr>
         <p:spPr>
           <a:xfrm>
-            <a:off x="0" y="260350"/>
-            <a:ext cx="3922395" cy="739775"/>
+            <a:off x="0" y="274638"/>
+            <a:ext cx="890588" cy="639763"/>
           </a:xfrm>
           <a:custGeom>
             <a:avLst/>
             <a:gdLst>
-              <a:gd name="connsiteX0" fmla="*/ 0 w 2091831"/>
+              <a:gd name="connsiteX0" fmla="*/ 0 w 1029743"/>
               <a:gd name="connsiteY0" fmla="*/ 0 h 739718"/>
-              <a:gd name="connsiteX1" fmla="*/ 1721972 w 2091831"/>
+              <a:gd name="connsiteX1" fmla="*/ 659884 w 1029743"/>
               <a:gd name="connsiteY1" fmla="*/ 0 h 739718"/>
-              <a:gd name="connsiteX2" fmla="*/ 2091831 w 2091831"/>
+              <a:gd name="connsiteX2" fmla="*/ 1029743 w 1029743"/>
               <a:gd name="connsiteY2" fmla="*/ 369859 h 739718"/>
-              <a:gd name="connsiteX3" fmla="*/ 1721972 w 2091831"/>
+              <a:gd name="connsiteX3" fmla="*/ 659884 w 1029743"/>
               <a:gd name="connsiteY3" fmla="*/ 739718 h 739718"/>
-              <a:gd name="connsiteX4" fmla="*/ 0 w 2091831"/>
+              <a:gd name="connsiteX4" fmla="*/ 0 w 1029743"/>
               <a:gd name="connsiteY4" fmla="*/ 739718 h 739718"/>
             </a:gdLst>
             <a:ahLst/>
@@ -13563,22 +13555,22 @@
             </a:cxnLst>
             <a:rect l="l" t="t" r="r" b="b"/>
             <a:pathLst>
-              <a:path w="2091831" h="739718">
+              <a:path w="1029743" h="739718">
                 <a:moveTo>
                   <a:pt x="0" y="0"/>
                 </a:moveTo>
                 <a:lnTo>
-                  <a:pt x="1721972" y="0"/>
+                  <a:pt x="659884" y="0"/>
                 </a:lnTo>
                 <a:cubicBezTo>
-                  <a:pt x="1926239" y="0"/>
-                  <a:pt x="2091831" y="165592"/>
-                  <a:pt x="2091831" y="369859"/>
-                </a:cubicBezTo>
-                <a:cubicBezTo>
-                  <a:pt x="2091831" y="574126"/>
-                  <a:pt x="1926239" y="739718"/>
-                  <a:pt x="1721972" y="739718"/>
+                  <a:pt x="864151" y="0"/>
+                  <a:pt x="1029743" y="165592"/>
+                  <a:pt x="1029743" y="369859"/>
+                </a:cubicBezTo>
+                <a:cubicBezTo>
+                  <a:pt x="1029743" y="574126"/>
+                  <a:pt x="864151" y="739718"/>
+                  <a:pt x="659884" y="739718"/>
                 </a:cubicBezTo>
                 <a:lnTo>
                   <a:pt x="0" y="739718"/>
@@ -13635,7 +13627,7 @@
                 <a:noFill/>
               </a:ln>
               <a:solidFill>
-                <a:schemeClr val="lt1"/>
+                <a:schemeClr val="bg1"/>
               </a:solidFill>
               <a:effectLst/>
               <a:uLnTx/>
@@ -13649,14 +13641,14 @@
       </p:sp>
       <p:sp>
         <p:nvSpPr>
-          <p:cNvPr id="6146" name="文本框 101"/>
+          <p:cNvPr id="7170" name="文本框 156"/>
           <p:cNvSpPr txBox="1"/>
           <p:nvPr/>
         </p:nvSpPr>
         <p:spPr>
           <a:xfrm>
-            <a:off x="22225" y="336550"/>
-            <a:ext cx="3985895" cy="583565"/>
+            <a:off x="0" y="351155"/>
+            <a:ext cx="1120775" cy="521970"/>
           </a:xfrm>
           <a:prstGeom prst="rect">
             <a:avLst/>
@@ -13676,276 +13668,218 @@
               <a:buFont typeface="Arial" panose="020B0604020202020204" pitchFamily="34" charset="0"/>
             </a:pPr>
             <a:r>
-              <a:rPr lang="en-US" altLang="zh-CN" sz="3200" b="1" dirty="0">
+              <a:rPr lang="en-CA" altLang="en-US" sz="2800" b="1" dirty="0">
                 <a:solidFill>
                   <a:schemeClr val="bg1"/>
                 </a:solidFill>
                 <a:latin typeface="Microsoft YaHei" panose="020B0503020204020204" pitchFamily="34" charset="-122"/>
                 <a:ea typeface="Microsoft YaHei" panose="020B0503020204020204" pitchFamily="34" charset="-122"/>
               </a:rPr>
-              <a:t>Class Exercise</a:t>
+              <a:t>3</a:t>
+            </a:r>
+            <a:r>
+              <a:rPr lang="en-US" altLang="zh-CN" sz="2800" b="1" dirty="0">
+                <a:solidFill>
+                  <a:schemeClr val="bg1"/>
+                </a:solidFill>
+                <a:latin typeface="Microsoft YaHei" panose="020B0503020204020204" pitchFamily="34" charset="-122"/>
+                <a:ea typeface="Microsoft YaHei" panose="020B0503020204020204" pitchFamily="34" charset="-122"/>
+              </a:rPr>
+              <a:t>.1</a:t>
+            </a:r>
+            <a:r>
+              <a:rPr lang="en-CA" altLang="en-US" sz="2800" b="1" dirty="0">
+                <a:solidFill>
+                  <a:schemeClr val="bg1"/>
+                </a:solidFill>
+                <a:latin typeface="Microsoft YaHei" panose="020B0503020204020204" pitchFamily="34" charset="-122"/>
+                <a:ea typeface="Microsoft YaHei" panose="020B0503020204020204" pitchFamily="34" charset="-122"/>
+              </a:rPr>
+              <a:t>2</a:t>
             </a:r>
           </a:p>
         </p:txBody>
       </p:sp>
       <p:sp>
         <p:nvSpPr>
-          <p:cNvPr id="15" name="矩形 14"/>
-          <p:cNvSpPr/>
+          <p:cNvPr id="16" name="Rectangle 6"/>
+          <p:cNvSpPr>
+            <a:spLocks noChangeArrowheads="1"/>
+          </p:cNvSpPr>
           <p:nvPr/>
         </p:nvSpPr>
-        <p:spPr>
+        <p:spPr bwMode="black">
           <a:xfrm>
-            <a:off x="3719513" y="2454275"/>
-            <a:ext cx="5913438" cy="973138"/>
+            <a:off x="1021080" y="334010"/>
+            <a:ext cx="8777605" cy="521970"/>
           </a:xfrm>
           <a:prstGeom prst="rect">
             <a:avLst/>
           </a:prstGeom>
           <a:noFill/>
           <a:ln>
-            <a:solidFill>
-              <a:srgbClr val="05B780"/>
-            </a:solidFill>
+            <a:noFill/>
           </a:ln>
+          <a:effectLst/>
+          <a:extLst>
+            <a:ext uri="{909E8E84-426E-40DD-AFC4-6F175D3DCCD1}">
+              <a14:hiddenFill xmlns:a14="http://schemas.microsoft.com/office/drawing/2010/main">
+                <a:solidFill>
+                  <a:schemeClr val="accent1"/>
+                </a:solidFill>
+              </a14:hiddenFill>
+            </a:ext>
+            <a:ext uri="{91240B29-F687-4F45-9708-019B960494DF}">
+              <a14:hiddenLine xmlns:a14="http://schemas.microsoft.com/office/drawing/2010/main" w="9525">
+                <a:solidFill>
+                  <a:schemeClr val="tx1"/>
+                </a:solidFill>
+                <a:miter lim="800000"/>
+                <a:headEnd/>
+                <a:tailEnd/>
+              </a14:hiddenLine>
+            </a:ext>
+            <a:ext uri="{AF507438-7753-43E0-B8FC-AC1667EBCBE1}">
+              <a14:hiddenEffects xmlns:a14="http://schemas.microsoft.com/office/drawing/2010/main">
+                <a:effectLst>
+                  <a:outerShdw dist="35921" dir="2700000" algn="ctr" rotWithShape="0">
+                    <a:schemeClr val="bg2"/>
+                  </a:outerShdw>
+                </a:effectLst>
+              </a14:hiddenEffects>
+            </a:ext>
+          </a:extLst>
         </p:spPr>
-        <p:style>
-          <a:lnRef idx="2">
-            <a:schemeClr val="accent1">
-              <a:shade val="50000"/>
-            </a:schemeClr>
-          </a:lnRef>
-          <a:fillRef idx="1">
-            <a:schemeClr val="accent1"/>
-          </a:fillRef>
-          <a:effectRef idx="0">
-            <a:schemeClr val="accent1"/>
-          </a:effectRef>
-          <a:fontRef idx="minor">
-            <a:schemeClr val="lt1"/>
-          </a:fontRef>
-        </p:style>
         <p:txBody>
-          <a:bodyPr anchor="ctr"/>
+          <a:bodyPr wrap="square">
+            <a:spAutoFit/>
+          </a:bodyPr>
           <a:lstStyle/>
           <a:p>
-            <a:pPr marL="0" marR="0" lvl="0" indent="0" algn="ctr" defTabSz="914400" rtl="0" eaLnBrk="1" fontAlgn="auto" latinLnBrk="0" hangingPunct="1">
-              <a:lnSpc>
-                <a:spcPct val="100000"/>
-              </a:lnSpc>
+            <a:pPr eaLnBrk="0" fontAlgn="auto" hangingPunct="0">
               <a:spcBef>
                 <a:spcPts val="0"/>
               </a:spcBef>
               <a:spcAft>
                 <a:spcPts val="0"/>
               </a:spcAft>
-              <a:buClrTx/>
-              <a:buSzTx/>
-              <a:buFontTx/>
-              <a:buNone/>
               <a:defRPr/>
             </a:pPr>
-            <a:endParaRPr kumimoji="0" lang="zh-CN" altLang="en-US" sz="4400" b="0" i="0" u="none" strike="noStrike" kern="1200" cap="none" spc="0" normalizeH="0" baseline="0" noProof="0">
-              <a:ln>
-                <a:noFill/>
-              </a:ln>
-              <a:solidFill>
-                <a:schemeClr val="lt1"/>
-              </a:solidFill>
-              <a:effectLst/>
-              <a:uLnTx/>
-              <a:uFillTx/>
-              <a:latin typeface="+mn-lt"/>
-              <a:ea typeface="+mn-ea"/>
-              <a:cs typeface="+mn-cs"/>
-            </a:endParaRPr>
+            <a:r>
+              <a:rPr kumimoji="0" lang="en-CA" altLang="en-US" sz="2800" b="1" i="0" u="none" strike="noStrike" kern="1200" cap="none" spc="0" normalizeH="0" baseline="0" noProof="0" dirty="0">
+                <a:ln>
+                  <a:noFill/>
+                </a:ln>
+                <a:solidFill>
+                  <a:schemeClr val="tx1">
+                    <a:lumMod val="85000"/>
+                    <a:lumOff val="15000"/>
+                  </a:schemeClr>
+                </a:solidFill>
+                <a:effectLst/>
+                <a:uLnTx/>
+                <a:uFillTx/>
+                <a:latin typeface="Microsoft YaHei" panose="020B0503020204020204" pitchFamily="34" charset="-122"/>
+                <a:ea typeface="Microsoft YaHei" panose="020B0503020204020204" pitchFamily="34" charset="-122"/>
+                <a:cs typeface="+mn-cs"/>
+                <a:sym typeface="+mn-ea"/>
+              </a:rPr>
+              <a:t>Graph Traversal Summary</a:t>
+            </a:r>
           </a:p>
         </p:txBody>
       </p:sp>
       <p:sp>
         <p:nvSpPr>
-          <p:cNvPr id="6153" name="文本框 15"/>
-          <p:cNvSpPr txBox="1"/>
-          <p:nvPr/>
+          <p:cNvPr id="3" name="Content Placeholder 2"/>
+          <p:cNvSpPr>
+            <a:spLocks noGrp="1"/>
+          </p:cNvSpPr>
+          <p:nvPr>
+            <p:ph idx="1"/>
+          </p:nvPr>
         </p:nvSpPr>
         <p:spPr>
           <a:xfrm>
-            <a:off x="4319588" y="2556510"/>
-            <a:ext cx="5067300" cy="583565"/>
+            <a:off x="890588" y="1494359"/>
+            <a:ext cx="10515600" cy="4351338"/>
           </a:xfrm>
-          <a:prstGeom prst="rect">
-            <a:avLst/>
-          </a:prstGeom>
-          <a:noFill/>
-          <a:ln w="9525">
-            <a:noFill/>
-          </a:ln>
         </p:spPr>
         <p:txBody>
-          <a:bodyPr wrap="square" anchor="t" anchorCtr="0">
-            <a:spAutoFit/>
-          </a:bodyPr>
+          <a:bodyPr/>
           <a:lstStyle/>
           <a:p>
-            <a:pPr>
-              <a:buFont typeface="Arial" panose="020B0604020202020204" pitchFamily="34" charset="0"/>
-            </a:pPr>
-            <a:r>
-              <a:rPr lang="en-US" altLang="zh-CN" sz="3200" b="1" dirty="0">
-                <a:solidFill>
-                  <a:srgbClr val="05B780"/>
-                </a:solidFill>
-                <a:latin typeface="Microsoft YaHei" panose="020B0503020204020204" pitchFamily="34" charset="-122"/>
-                <a:ea typeface="Microsoft YaHei" panose="020B0503020204020204" pitchFamily="34" charset="-122"/>
-              </a:rPr>
-              <a:t>Class Exercises</a:t>
+            <a:pPr lvl="0"/>
+            <a:r>
+              <a:rPr lang="en-CA" altLang="en-US" sz="3195" dirty="0"/>
+              <a:t>Question: Which is better, DFS or BFS?</a:t>
+            </a:r>
+          </a:p>
+          <a:p>
+            <a:pPr lvl="0"/>
+            <a:r>
+              <a:rPr lang="en-CA" altLang="en-US" sz="3195" dirty="0"/>
+              <a:t>Answer: It depends...</a:t>
+            </a:r>
+          </a:p>
+          <a:p>
+            <a:pPr lvl="1"/>
+            <a:r>
+              <a:rPr lang="en-CA" altLang="en-US" sz="2735" dirty="0"/>
+              <a:t>BFS is better at:</a:t>
+            </a:r>
+          </a:p>
+          <a:p>
+            <a:pPr lvl="2"/>
+            <a:r>
+              <a:rPr lang="en-CA" altLang="en-US" sz="2275" dirty="0"/>
+              <a:t>Finding shortest distance between two vertices</a:t>
+            </a:r>
+          </a:p>
+          <a:p>
+            <a:pPr lvl="2"/>
+            <a:r>
+              <a:rPr lang="en-CA" altLang="en-US" sz="2275" dirty="0"/>
+              <a:t>Graph of unkown size, or even infinite size</a:t>
+            </a:r>
+          </a:p>
+          <a:p>
+            <a:pPr lvl="3"/>
+            <a:r>
+              <a:rPr lang="en-CA" altLang="en-US" sz="2275" dirty="0"/>
+              <a:t>Ie Google Maps find path from A to B in a city</a:t>
+            </a:r>
+          </a:p>
+          <a:p>
+            <a:pPr lvl="1"/>
+            <a:r>
+              <a:rPr lang="en-CA" altLang="en-US" sz="2735" dirty="0"/>
+              <a:t>DFS is better at:</a:t>
+            </a:r>
+          </a:p>
+          <a:p>
+            <a:pPr lvl="2"/>
+            <a:r>
+              <a:rPr lang="en-CA" altLang="en-US" sz="2275" dirty="0"/>
+              <a:t>Using less memory than BFS for wide graphs, since BFS has to keep all the nodes in the queue, and for wide graphs this can be quite large</a:t>
+            </a:r>
+          </a:p>
+          <a:p>
+            <a:pPr lvl="2"/>
+            <a:r>
+              <a:rPr lang="en-CA" altLang="en-US" sz="2275" dirty="0"/>
+              <a:t>Finding nodes far away from the root</a:t>
+            </a:r>
+          </a:p>
+          <a:p>
+            <a:pPr lvl="3"/>
+            <a:r>
+              <a:rPr lang="en-CA" altLang="en-US" sz="2275" dirty="0"/>
+              <a:t>ie Web Scraping to build an index for Google Search</a:t>
             </a:r>
           </a:p>
         </p:txBody>
       </p:sp>
-      <p:grpSp>
-        <p:nvGrpSpPr>
-          <p:cNvPr id="6154" name="组合 16"/>
-          <p:cNvGrpSpPr/>
-          <p:nvPr/>
-        </p:nvGrpSpPr>
-        <p:grpSpPr>
-          <a:xfrm>
-            <a:off x="2179628" y="2022465"/>
-            <a:ext cx="1742436" cy="1839913"/>
-            <a:chOff x="1473123" y="1521447"/>
-            <a:chExt cx="645926" cy="681967"/>
-          </a:xfrm>
-        </p:grpSpPr>
-        <p:sp>
-          <p:nvSpPr>
-            <p:cNvPr id="18" name="六边形 17"/>
-            <p:cNvSpPr/>
-            <p:nvPr/>
-          </p:nvSpPr>
-          <p:spPr>
-            <a:xfrm rot="5400000">
-              <a:off x="1426090" y="1568479"/>
-              <a:ext cx="681967" cy="587902"/>
-            </a:xfrm>
-            <a:prstGeom prst="hexagon">
-              <a:avLst>
-                <a:gd name="adj" fmla="val 27469"/>
-                <a:gd name="vf" fmla="val 115470"/>
-              </a:avLst>
-            </a:prstGeom>
-            <a:solidFill>
-              <a:srgbClr val="05B780"/>
-            </a:solidFill>
-            <a:ln>
-              <a:noFill/>
-            </a:ln>
-          </p:spPr>
-          <p:style>
-            <a:lnRef idx="2">
-              <a:schemeClr val="accent1">
-                <a:shade val="50000"/>
-              </a:schemeClr>
-            </a:lnRef>
-            <a:fillRef idx="1">
-              <a:schemeClr val="accent1"/>
-            </a:fillRef>
-            <a:effectRef idx="0">
-              <a:schemeClr val="accent1"/>
-            </a:effectRef>
-            <a:fontRef idx="minor">
-              <a:schemeClr val="lt1"/>
-            </a:fontRef>
-          </p:style>
-          <p:txBody>
-            <a:bodyPr anchor="ctr"/>
-            <a:lstStyle/>
-            <a:p>
-              <a:pPr marL="0" marR="0" lvl="0" indent="0" algn="ctr" defTabSz="914400" rtl="0" eaLnBrk="1" fontAlgn="auto" latinLnBrk="0" hangingPunct="1">
-                <a:lnSpc>
-                  <a:spcPct val="100000"/>
-                </a:lnSpc>
-                <a:spcBef>
-                  <a:spcPts val="0"/>
-                </a:spcBef>
-                <a:spcAft>
-                  <a:spcPts val="0"/>
-                </a:spcAft>
-                <a:buClrTx/>
-                <a:buSzTx/>
-                <a:buFontTx/>
-                <a:buNone/>
-                <a:defRPr/>
-              </a:pPr>
-              <a:endParaRPr kumimoji="0" lang="zh-CN" altLang="en-US" sz="4400" b="0" i="0" u="none" strike="noStrike" kern="1200" cap="none" spc="0" normalizeH="0" baseline="0" noProof="0">
-                <a:ln>
-                  <a:noFill/>
-                </a:ln>
-                <a:solidFill>
-                  <a:schemeClr val="lt1"/>
-                </a:solidFill>
-                <a:effectLst/>
-                <a:uLnTx/>
-                <a:uFillTx/>
-                <a:latin typeface="+mn-lt"/>
-                <a:ea typeface="+mn-ea"/>
-                <a:cs typeface="+mn-cs"/>
-              </a:endParaRPr>
-            </a:p>
-          </p:txBody>
-        </p:sp>
-        <p:sp>
-          <p:nvSpPr>
-            <p:cNvPr id="6156" name="文本框 18"/>
-            <p:cNvSpPr txBox="1"/>
-            <p:nvPr/>
-          </p:nvSpPr>
-          <p:spPr>
-            <a:xfrm>
-              <a:off x="1532912" y="1719387"/>
-              <a:ext cx="586137" cy="284790"/>
-            </a:xfrm>
-            <a:prstGeom prst="rect">
-              <a:avLst/>
-            </a:prstGeom>
-            <a:noFill/>
-            <a:ln w="9525">
-              <a:noFill/>
-            </a:ln>
-          </p:spPr>
-          <p:txBody>
-            <a:bodyPr wrap="square" anchor="t" anchorCtr="0">
-              <a:spAutoFit/>
-            </a:bodyPr>
-            <a:lstStyle/>
-            <a:p>
-              <a:pPr>
-                <a:buFont typeface="Arial" panose="020B0604020202020204" pitchFamily="34" charset="0"/>
-              </a:pPr>
-              <a:r>
-                <a:rPr lang="en-US" altLang="zh-CN" sz="4400" b="1" dirty="0">
-                  <a:solidFill>
-                    <a:schemeClr val="bg1"/>
-                  </a:solidFill>
-                  <a:latin typeface="Microsoft YaHei" panose="020B0503020204020204" pitchFamily="34" charset="-122"/>
-                  <a:ea typeface="Microsoft YaHei" panose="020B0503020204020204" pitchFamily="34" charset="-122"/>
-                </a:rPr>
-                <a:t>0</a:t>
-              </a:r>
-              <a:r>
-                <a:rPr lang="en-CA" altLang="en-US" sz="4400" b="1" dirty="0">
-                  <a:solidFill>
-                    <a:schemeClr val="bg1"/>
-                  </a:solidFill>
-                  <a:latin typeface="Microsoft YaHei" panose="020B0503020204020204" pitchFamily="34" charset="-122"/>
-                  <a:ea typeface="Microsoft YaHei" panose="020B0503020204020204" pitchFamily="34" charset="-122"/>
-                </a:rPr>
-                <a:t>4</a:t>
-              </a:r>
-            </a:p>
-          </p:txBody>
-        </p:sp>
-      </p:grpSp>
     </p:spTree>
   </p:cSld>
   <p:clrMapOvr>
@@ -14442,6 +14376,462 @@
       </p:grpSpPr>
       <p:sp>
         <p:nvSpPr>
+          <p:cNvPr id="46" name="任意多边形 45"/>
+          <p:cNvSpPr/>
+          <p:nvPr/>
+        </p:nvSpPr>
+        <p:spPr>
+          <a:xfrm>
+            <a:off x="0" y="260350"/>
+            <a:ext cx="3922395" cy="739775"/>
+          </a:xfrm>
+          <a:custGeom>
+            <a:avLst/>
+            <a:gdLst>
+              <a:gd name="connsiteX0" fmla="*/ 0 w 2091831"/>
+              <a:gd name="connsiteY0" fmla="*/ 0 h 739718"/>
+              <a:gd name="connsiteX1" fmla="*/ 1721972 w 2091831"/>
+              <a:gd name="connsiteY1" fmla="*/ 0 h 739718"/>
+              <a:gd name="connsiteX2" fmla="*/ 2091831 w 2091831"/>
+              <a:gd name="connsiteY2" fmla="*/ 369859 h 739718"/>
+              <a:gd name="connsiteX3" fmla="*/ 1721972 w 2091831"/>
+              <a:gd name="connsiteY3" fmla="*/ 739718 h 739718"/>
+              <a:gd name="connsiteX4" fmla="*/ 0 w 2091831"/>
+              <a:gd name="connsiteY4" fmla="*/ 739718 h 739718"/>
+            </a:gdLst>
+            <a:ahLst/>
+            <a:cxnLst>
+              <a:cxn ang="0">
+                <a:pos x="connsiteX0" y="connsiteY0"/>
+              </a:cxn>
+              <a:cxn ang="0">
+                <a:pos x="connsiteX1" y="connsiteY1"/>
+              </a:cxn>
+              <a:cxn ang="0">
+                <a:pos x="connsiteX2" y="connsiteY2"/>
+              </a:cxn>
+              <a:cxn ang="0">
+                <a:pos x="connsiteX3" y="connsiteY3"/>
+              </a:cxn>
+              <a:cxn ang="0">
+                <a:pos x="connsiteX4" y="connsiteY4"/>
+              </a:cxn>
+            </a:cxnLst>
+            <a:rect l="l" t="t" r="r" b="b"/>
+            <a:pathLst>
+              <a:path w="2091831" h="739718">
+                <a:moveTo>
+                  <a:pt x="0" y="0"/>
+                </a:moveTo>
+                <a:lnTo>
+                  <a:pt x="1721972" y="0"/>
+                </a:lnTo>
+                <a:cubicBezTo>
+                  <a:pt x="1926239" y="0"/>
+                  <a:pt x="2091831" y="165592"/>
+                  <a:pt x="2091831" y="369859"/>
+                </a:cubicBezTo>
+                <a:cubicBezTo>
+                  <a:pt x="2091831" y="574126"/>
+                  <a:pt x="1926239" y="739718"/>
+                  <a:pt x="1721972" y="739718"/>
+                </a:cubicBezTo>
+                <a:lnTo>
+                  <a:pt x="0" y="739718"/>
+                </a:lnTo>
+                <a:close/>
+              </a:path>
+            </a:pathLst>
+          </a:custGeom>
+          <a:solidFill>
+            <a:srgbClr val="05B780"/>
+          </a:solidFill>
+          <a:ln>
+            <a:noFill/>
+          </a:ln>
+        </p:spPr>
+        <p:style>
+          <a:lnRef idx="2">
+            <a:schemeClr val="accent1">
+              <a:shade val="50000"/>
+            </a:schemeClr>
+          </a:lnRef>
+          <a:fillRef idx="1">
+            <a:schemeClr val="accent1"/>
+          </a:fillRef>
+          <a:effectRef idx="0">
+            <a:schemeClr val="accent1"/>
+          </a:effectRef>
+          <a:fontRef idx="minor">
+            <a:schemeClr val="lt1"/>
+          </a:fontRef>
+        </p:style>
+        <p:txBody>
+          <a:bodyPr anchor="ctr"/>
+          <a:lstStyle/>
+          <a:p>
+            <a:pPr marL="0" marR="0" lvl="0" indent="0" algn="ctr" defTabSz="914400" rtl="0" eaLnBrk="1" fontAlgn="auto" latinLnBrk="0" hangingPunct="1">
+              <a:lnSpc>
+                <a:spcPct val="100000"/>
+              </a:lnSpc>
+              <a:spcBef>
+                <a:spcPts val="0"/>
+              </a:spcBef>
+              <a:spcAft>
+                <a:spcPts val="0"/>
+              </a:spcAft>
+              <a:buClrTx/>
+              <a:buSzTx/>
+              <a:buFontTx/>
+              <a:buNone/>
+              <a:defRPr/>
+            </a:pPr>
+            <a:endParaRPr kumimoji="0" lang="zh-CN" altLang="en-US" sz="1800" b="0" i="0" u="none" strike="noStrike" kern="1200" cap="none" spc="0" normalizeH="0" baseline="0" noProof="0">
+              <a:ln>
+                <a:noFill/>
+              </a:ln>
+              <a:solidFill>
+                <a:schemeClr val="lt1"/>
+              </a:solidFill>
+              <a:effectLst/>
+              <a:uLnTx/>
+              <a:uFillTx/>
+              <a:latin typeface="+mn-lt"/>
+              <a:ea typeface="+mn-ea"/>
+              <a:cs typeface="+mn-cs"/>
+            </a:endParaRPr>
+          </a:p>
+        </p:txBody>
+      </p:sp>
+      <p:sp>
+        <p:nvSpPr>
+          <p:cNvPr id="6146" name="文本框 101"/>
+          <p:cNvSpPr txBox="1"/>
+          <p:nvPr/>
+        </p:nvSpPr>
+        <p:spPr>
+          <a:xfrm>
+            <a:off x="22225" y="336550"/>
+            <a:ext cx="3985895" cy="583565"/>
+          </a:xfrm>
+          <a:prstGeom prst="rect">
+            <a:avLst/>
+          </a:prstGeom>
+          <a:noFill/>
+          <a:ln w="9525">
+            <a:noFill/>
+          </a:ln>
+        </p:spPr>
+        <p:txBody>
+          <a:bodyPr wrap="square" anchor="t" anchorCtr="0">
+            <a:spAutoFit/>
+          </a:bodyPr>
+          <a:lstStyle/>
+          <a:p>
+            <a:pPr>
+              <a:buFont typeface="Arial" panose="020B0604020202020204" pitchFamily="34" charset="0"/>
+            </a:pPr>
+            <a:r>
+              <a:rPr lang="en-US" altLang="zh-CN" sz="3200" b="1" dirty="0">
+                <a:solidFill>
+                  <a:schemeClr val="bg1"/>
+                </a:solidFill>
+                <a:latin typeface="Microsoft YaHei" panose="020B0503020204020204" pitchFamily="34" charset="-122"/>
+                <a:ea typeface="Microsoft YaHei" panose="020B0503020204020204" pitchFamily="34" charset="-122"/>
+              </a:rPr>
+              <a:t>Class Exercise</a:t>
+            </a:r>
+          </a:p>
+        </p:txBody>
+      </p:sp>
+      <p:sp>
+        <p:nvSpPr>
+          <p:cNvPr id="15" name="矩形 14"/>
+          <p:cNvSpPr/>
+          <p:nvPr/>
+        </p:nvSpPr>
+        <p:spPr>
+          <a:xfrm>
+            <a:off x="3719513" y="2454275"/>
+            <a:ext cx="5913438" cy="973138"/>
+          </a:xfrm>
+          <a:prstGeom prst="rect">
+            <a:avLst/>
+          </a:prstGeom>
+          <a:noFill/>
+          <a:ln>
+            <a:solidFill>
+              <a:srgbClr val="05B780"/>
+            </a:solidFill>
+          </a:ln>
+        </p:spPr>
+        <p:style>
+          <a:lnRef idx="2">
+            <a:schemeClr val="accent1">
+              <a:shade val="50000"/>
+            </a:schemeClr>
+          </a:lnRef>
+          <a:fillRef idx="1">
+            <a:schemeClr val="accent1"/>
+          </a:fillRef>
+          <a:effectRef idx="0">
+            <a:schemeClr val="accent1"/>
+          </a:effectRef>
+          <a:fontRef idx="minor">
+            <a:schemeClr val="lt1"/>
+          </a:fontRef>
+        </p:style>
+        <p:txBody>
+          <a:bodyPr anchor="ctr"/>
+          <a:lstStyle/>
+          <a:p>
+            <a:pPr marL="0" marR="0" lvl="0" indent="0" algn="ctr" defTabSz="914400" rtl="0" eaLnBrk="1" fontAlgn="auto" latinLnBrk="0" hangingPunct="1">
+              <a:lnSpc>
+                <a:spcPct val="100000"/>
+              </a:lnSpc>
+              <a:spcBef>
+                <a:spcPts val="0"/>
+              </a:spcBef>
+              <a:spcAft>
+                <a:spcPts val="0"/>
+              </a:spcAft>
+              <a:buClrTx/>
+              <a:buSzTx/>
+              <a:buFontTx/>
+              <a:buNone/>
+              <a:defRPr/>
+            </a:pPr>
+            <a:endParaRPr kumimoji="0" lang="zh-CN" altLang="en-US" sz="4400" b="0" i="0" u="none" strike="noStrike" kern="1200" cap="none" spc="0" normalizeH="0" baseline="0" noProof="0">
+              <a:ln>
+                <a:noFill/>
+              </a:ln>
+              <a:solidFill>
+                <a:schemeClr val="lt1"/>
+              </a:solidFill>
+              <a:effectLst/>
+              <a:uLnTx/>
+              <a:uFillTx/>
+              <a:latin typeface="+mn-lt"/>
+              <a:ea typeface="+mn-ea"/>
+              <a:cs typeface="+mn-cs"/>
+            </a:endParaRPr>
+          </a:p>
+        </p:txBody>
+      </p:sp>
+      <p:sp>
+        <p:nvSpPr>
+          <p:cNvPr id="6153" name="文本框 15"/>
+          <p:cNvSpPr txBox="1"/>
+          <p:nvPr/>
+        </p:nvSpPr>
+        <p:spPr>
+          <a:xfrm>
+            <a:off x="4319588" y="2556510"/>
+            <a:ext cx="5067300" cy="583565"/>
+          </a:xfrm>
+          <a:prstGeom prst="rect">
+            <a:avLst/>
+          </a:prstGeom>
+          <a:noFill/>
+          <a:ln w="9525">
+            <a:noFill/>
+          </a:ln>
+        </p:spPr>
+        <p:txBody>
+          <a:bodyPr wrap="square" anchor="t" anchorCtr="0">
+            <a:spAutoFit/>
+          </a:bodyPr>
+          <a:lstStyle/>
+          <a:p>
+            <a:pPr>
+              <a:buFont typeface="Arial" panose="020B0604020202020204" pitchFamily="34" charset="0"/>
+            </a:pPr>
+            <a:r>
+              <a:rPr lang="en-US" altLang="zh-CN" sz="3200" b="1" dirty="0">
+                <a:solidFill>
+                  <a:srgbClr val="05B780"/>
+                </a:solidFill>
+                <a:latin typeface="Microsoft YaHei" panose="020B0503020204020204" pitchFamily="34" charset="-122"/>
+                <a:ea typeface="Microsoft YaHei" panose="020B0503020204020204" pitchFamily="34" charset="-122"/>
+              </a:rPr>
+              <a:t>Class Exercises</a:t>
+            </a:r>
+          </a:p>
+        </p:txBody>
+      </p:sp>
+      <p:grpSp>
+        <p:nvGrpSpPr>
+          <p:cNvPr id="6154" name="组合 16"/>
+          <p:cNvGrpSpPr/>
+          <p:nvPr/>
+        </p:nvGrpSpPr>
+        <p:grpSpPr>
+          <a:xfrm>
+            <a:off x="2179628" y="2022465"/>
+            <a:ext cx="1742436" cy="1839913"/>
+            <a:chOff x="1473123" y="1521447"/>
+            <a:chExt cx="645926" cy="681967"/>
+          </a:xfrm>
+        </p:grpSpPr>
+        <p:sp>
+          <p:nvSpPr>
+            <p:cNvPr id="18" name="六边形 17"/>
+            <p:cNvSpPr/>
+            <p:nvPr/>
+          </p:nvSpPr>
+          <p:spPr>
+            <a:xfrm rot="5400000">
+              <a:off x="1426090" y="1568479"/>
+              <a:ext cx="681967" cy="587902"/>
+            </a:xfrm>
+            <a:prstGeom prst="hexagon">
+              <a:avLst>
+                <a:gd name="adj" fmla="val 27469"/>
+                <a:gd name="vf" fmla="val 115470"/>
+              </a:avLst>
+            </a:prstGeom>
+            <a:solidFill>
+              <a:srgbClr val="05B780"/>
+            </a:solidFill>
+            <a:ln>
+              <a:noFill/>
+            </a:ln>
+          </p:spPr>
+          <p:style>
+            <a:lnRef idx="2">
+              <a:schemeClr val="accent1">
+                <a:shade val="50000"/>
+              </a:schemeClr>
+            </a:lnRef>
+            <a:fillRef idx="1">
+              <a:schemeClr val="accent1"/>
+            </a:fillRef>
+            <a:effectRef idx="0">
+              <a:schemeClr val="accent1"/>
+            </a:effectRef>
+            <a:fontRef idx="minor">
+              <a:schemeClr val="lt1"/>
+            </a:fontRef>
+          </p:style>
+          <p:txBody>
+            <a:bodyPr anchor="ctr"/>
+            <a:lstStyle/>
+            <a:p>
+              <a:pPr marL="0" marR="0" lvl="0" indent="0" algn="ctr" defTabSz="914400" rtl="0" eaLnBrk="1" fontAlgn="auto" latinLnBrk="0" hangingPunct="1">
+                <a:lnSpc>
+                  <a:spcPct val="100000"/>
+                </a:lnSpc>
+                <a:spcBef>
+                  <a:spcPts val="0"/>
+                </a:spcBef>
+                <a:spcAft>
+                  <a:spcPts val="0"/>
+                </a:spcAft>
+                <a:buClrTx/>
+                <a:buSzTx/>
+                <a:buFontTx/>
+                <a:buNone/>
+                <a:defRPr/>
+              </a:pPr>
+              <a:endParaRPr kumimoji="0" lang="zh-CN" altLang="en-US" sz="4400" b="0" i="0" u="none" strike="noStrike" kern="1200" cap="none" spc="0" normalizeH="0" baseline="0" noProof="0">
+                <a:ln>
+                  <a:noFill/>
+                </a:ln>
+                <a:solidFill>
+                  <a:schemeClr val="lt1"/>
+                </a:solidFill>
+                <a:effectLst/>
+                <a:uLnTx/>
+                <a:uFillTx/>
+                <a:latin typeface="+mn-lt"/>
+                <a:ea typeface="+mn-ea"/>
+                <a:cs typeface="+mn-cs"/>
+              </a:endParaRPr>
+            </a:p>
+          </p:txBody>
+        </p:sp>
+        <p:sp>
+          <p:nvSpPr>
+            <p:cNvPr id="6156" name="文本框 18"/>
+            <p:cNvSpPr txBox="1"/>
+            <p:nvPr/>
+          </p:nvSpPr>
+          <p:spPr>
+            <a:xfrm>
+              <a:off x="1532912" y="1719387"/>
+              <a:ext cx="586137" cy="284790"/>
+            </a:xfrm>
+            <a:prstGeom prst="rect">
+              <a:avLst/>
+            </a:prstGeom>
+            <a:noFill/>
+            <a:ln w="9525">
+              <a:noFill/>
+            </a:ln>
+          </p:spPr>
+          <p:txBody>
+            <a:bodyPr wrap="square" anchor="t" anchorCtr="0">
+              <a:spAutoFit/>
+            </a:bodyPr>
+            <a:lstStyle/>
+            <a:p>
+              <a:pPr>
+                <a:buFont typeface="Arial" panose="020B0604020202020204" pitchFamily="34" charset="0"/>
+              </a:pPr>
+              <a:r>
+                <a:rPr lang="en-US" altLang="zh-CN" sz="4400" b="1" dirty="0">
+                  <a:solidFill>
+                    <a:schemeClr val="bg1"/>
+                  </a:solidFill>
+                  <a:latin typeface="Microsoft YaHei" panose="020B0503020204020204" pitchFamily="34" charset="-122"/>
+                  <a:ea typeface="Microsoft YaHei" panose="020B0503020204020204" pitchFamily="34" charset="-122"/>
+                </a:rPr>
+                <a:t>0</a:t>
+              </a:r>
+              <a:r>
+                <a:rPr lang="en-CA" altLang="en-US" sz="4400" b="1" dirty="0">
+                  <a:solidFill>
+                    <a:schemeClr val="bg1"/>
+                  </a:solidFill>
+                  <a:latin typeface="Microsoft YaHei" panose="020B0503020204020204" pitchFamily="34" charset="-122"/>
+                  <a:ea typeface="Microsoft YaHei" panose="020B0503020204020204" pitchFamily="34" charset="-122"/>
+                </a:rPr>
+                <a:t>4</a:t>
+              </a:r>
+            </a:p>
+          </p:txBody>
+        </p:sp>
+      </p:grpSp>
+    </p:spTree>
+  </p:cSld>
+  <p:clrMapOvr>
+    <a:masterClrMapping/>
+  </p:clrMapOvr>
+  <p:transition spd="slow">
+    <p:wipe/>
+  </p:transition>
+</p:sld>
+</file>
+
+<file path=ppt/slides/slide31.xml><?xml version="1.0" encoding="utf-8"?>
+<p:sld xmlns:a="http://schemas.openxmlformats.org/drawingml/2006/main" xmlns:r="http://schemas.openxmlformats.org/officeDocument/2006/relationships" xmlns:p="http://schemas.openxmlformats.org/presentationml/2006/main">
+  <p:cSld>
+    <p:spTree>
+      <p:nvGrpSpPr>
+        <p:cNvPr id="1" name=""/>
+        <p:cNvGrpSpPr/>
+        <p:nvPr/>
+      </p:nvGrpSpPr>
+      <p:grpSpPr>
+        <a:xfrm>
+          <a:off x="0" y="0"/>
+          <a:ext cx="0" cy="0"/>
+          <a:chOff x="0" y="0"/>
+          <a:chExt cx="0" cy="0"/>
+        </a:xfrm>
+      </p:grpSpPr>
+      <p:sp>
+        <p:nvSpPr>
           <p:cNvPr id="15" name="任意多边形 14"/>
           <p:cNvSpPr/>
           <p:nvPr/>
@@ -14743,25 +15133,25 @@
             </a:r>
           </a:p>
           <a:p>
-            <a:pPr lvl="0"/>
-            <a:r>
-              <a:rPr lang="en-US" sz="3195" dirty="0"/>
+            <a:pPr lvl="1"/>
+            <a:r>
+              <a:rPr lang="en-US" sz="2795" dirty="0"/>
               <a:t>graph: {0: [1, 2], 1: [0, 2, 3], 2: [0, 1], 3: [1]}</a:t>
             </a:r>
             <a:r>
-              <a:rPr lang="en-CA" altLang="en-US" sz="3195" dirty="0"/>
+              <a:rPr lang="en-CA" altLang="en-US" sz="2795" dirty="0"/>
               <a:t>, </a:t>
             </a:r>
             <a:r>
-              <a:rPr lang="en-US" sz="3195" dirty="0"/>
+              <a:rPr lang="en-US" sz="2795" dirty="0"/>
               <a:t>A: 0</a:t>
             </a:r>
             <a:r>
-              <a:rPr lang="en-CA" altLang="en-US" sz="3195" dirty="0"/>
+              <a:rPr lang="en-CA" altLang="en-US" sz="2795" dirty="0"/>
               <a:t>, </a:t>
             </a:r>
             <a:r>
-              <a:rPr lang="en-US" sz="3195" dirty="0"/>
+              <a:rPr lang="en-US" sz="2795" dirty="0"/>
               <a:t>B: 3</a:t>
             </a:r>
           </a:p>
@@ -14843,7 +15233,7 @@
 </p:sld>
 </file>
 
-<file path=ppt/slides/slide31.xml><?xml version="1.0" encoding="utf-8"?>
+<file path=ppt/slides/slide32.xml><?xml version="1.0" encoding="utf-8"?>
 <p:sld xmlns:a="http://schemas.openxmlformats.org/drawingml/2006/main" xmlns:r="http://schemas.openxmlformats.org/officeDocument/2006/relationships" xmlns:p="http://schemas.openxmlformats.org/presentationml/2006/main">
   <p:cSld>
     <p:spTree>
@@ -15198,7 +15588,7 @@
 </p:sld>
 </file>
 
-<file path=ppt/slides/slide32.xml><?xml version="1.0" encoding="utf-8"?>
+<file path=ppt/slides/slide33.xml><?xml version="1.0" encoding="utf-8"?>
 <p:sld xmlns:a="http://schemas.openxmlformats.org/drawingml/2006/main" xmlns:r="http://schemas.openxmlformats.org/officeDocument/2006/relationships" xmlns:p="http://schemas.openxmlformats.org/presentationml/2006/main">
   <p:cSld>
     <p:spTree>
@@ -15596,6 +15986,976 @@
           </a:prstGeom>
         </p:spPr>
       </p:pic>
+      <p:sp>
+        <p:nvSpPr>
+          <p:cNvPr id="6" name="Freeform: Shape 5">
+            <a:extLst>
+              <a:ext uri="{FF2B5EF4-FFF2-40B4-BE49-F238E27FC236}">
+                <a16:creationId xmlns:a16="http://schemas.microsoft.com/office/drawing/2014/main" id="{44091087-78AA-4B53-ABFD-27A144AB00A3}"/>
+              </a:ext>
+            </a:extLst>
+          </p:cNvPr>
+          <p:cNvSpPr/>
+          <p:nvPr/>
+        </p:nvSpPr>
+        <p:spPr>
+          <a:xfrm>
+            <a:off x="2467992" y="4696287"/>
+            <a:ext cx="1322773" cy="630315"/>
+          </a:xfrm>
+          <a:custGeom>
+            <a:avLst/>
+            <a:gdLst>
+              <a:gd name="connsiteX0" fmla="*/ 1322773 w 1322773"/>
+              <a:gd name="connsiteY0" fmla="*/ 0 h 630315"/>
+              <a:gd name="connsiteX1" fmla="*/ 1100831 w 1322773"/>
+              <a:gd name="connsiteY1" fmla="*/ 0 h 630315"/>
+              <a:gd name="connsiteX2" fmla="*/ 896645 w 1322773"/>
+              <a:gd name="connsiteY2" fmla="*/ 8878 h 630315"/>
+              <a:gd name="connsiteX3" fmla="*/ 559293 w 1322773"/>
+              <a:gd name="connsiteY3" fmla="*/ 8878 h 630315"/>
+              <a:gd name="connsiteX4" fmla="*/ 399495 w 1322773"/>
+              <a:gd name="connsiteY4" fmla="*/ 26633 h 630315"/>
+              <a:gd name="connsiteX5" fmla="*/ 355107 w 1322773"/>
+              <a:gd name="connsiteY5" fmla="*/ 44389 h 630315"/>
+              <a:gd name="connsiteX6" fmla="*/ 88777 w 1322773"/>
+              <a:gd name="connsiteY6" fmla="*/ 71022 h 630315"/>
+              <a:gd name="connsiteX7" fmla="*/ 35511 w 1322773"/>
+              <a:gd name="connsiteY7" fmla="*/ 159798 h 630315"/>
+              <a:gd name="connsiteX8" fmla="*/ 17756 w 1322773"/>
+              <a:gd name="connsiteY8" fmla="*/ 266330 h 630315"/>
+              <a:gd name="connsiteX9" fmla="*/ 0 w 1322773"/>
+              <a:gd name="connsiteY9" fmla="*/ 399496 h 630315"/>
+              <a:gd name="connsiteX10" fmla="*/ 26633 w 1322773"/>
+              <a:gd name="connsiteY10" fmla="*/ 559294 h 630315"/>
+              <a:gd name="connsiteX11" fmla="*/ 44389 w 1322773"/>
+              <a:gd name="connsiteY11" fmla="*/ 577049 h 630315"/>
+              <a:gd name="connsiteX12" fmla="*/ 79899 w 1322773"/>
+              <a:gd name="connsiteY12" fmla="*/ 612560 h 630315"/>
+              <a:gd name="connsiteX13" fmla="*/ 150921 w 1322773"/>
+              <a:gd name="connsiteY13" fmla="*/ 630315 h 630315"/>
+              <a:gd name="connsiteX14" fmla="*/ 310719 w 1322773"/>
+              <a:gd name="connsiteY14" fmla="*/ 621437 h 630315"/>
+              <a:gd name="connsiteX15" fmla="*/ 355107 w 1322773"/>
+              <a:gd name="connsiteY15" fmla="*/ 612560 h 630315"/>
+              <a:gd name="connsiteX16" fmla="*/ 417251 w 1322773"/>
+              <a:gd name="connsiteY16" fmla="*/ 603682 h 630315"/>
+              <a:gd name="connsiteX17" fmla="*/ 470517 w 1322773"/>
+              <a:gd name="connsiteY17" fmla="*/ 594804 h 630315"/>
+              <a:gd name="connsiteX18" fmla="*/ 568171 w 1322773"/>
+              <a:gd name="connsiteY18" fmla="*/ 585927 h 630315"/>
+              <a:gd name="connsiteX19" fmla="*/ 630315 w 1322773"/>
+              <a:gd name="connsiteY19" fmla="*/ 559294 h 630315"/>
+              <a:gd name="connsiteX20" fmla="*/ 648070 w 1322773"/>
+              <a:gd name="connsiteY20" fmla="*/ 506028 h 630315"/>
+              <a:gd name="connsiteX21" fmla="*/ 603682 w 1322773"/>
+              <a:gd name="connsiteY21" fmla="*/ 284086 h 630315"/>
+              <a:gd name="connsiteX22" fmla="*/ 630315 w 1322773"/>
+              <a:gd name="connsiteY22" fmla="*/ 221942 h 630315"/>
+              <a:gd name="connsiteX23" fmla="*/ 665825 w 1322773"/>
+              <a:gd name="connsiteY23" fmla="*/ 204187 h 630315"/>
+              <a:gd name="connsiteX24" fmla="*/ 790113 w 1322773"/>
+              <a:gd name="connsiteY24" fmla="*/ 159798 h 630315"/>
+              <a:gd name="connsiteX25" fmla="*/ 852257 w 1322773"/>
+              <a:gd name="connsiteY25" fmla="*/ 346230 h 630315"/>
+              <a:gd name="connsiteX26" fmla="*/ 932156 w 1322773"/>
+              <a:gd name="connsiteY26" fmla="*/ 399496 h 630315"/>
+              <a:gd name="connsiteX27" fmla="*/ 1012055 w 1322773"/>
+              <a:gd name="connsiteY27" fmla="*/ 443884 h 630315"/>
+              <a:gd name="connsiteX28" fmla="*/ 1047565 w 1322773"/>
+              <a:gd name="connsiteY28" fmla="*/ 452762 h 630315"/>
+              <a:gd name="connsiteX29" fmla="*/ 1100831 w 1322773"/>
+              <a:gd name="connsiteY29" fmla="*/ 435006 h 630315"/>
+              <a:gd name="connsiteX30" fmla="*/ 1136342 w 1322773"/>
+              <a:gd name="connsiteY30" fmla="*/ 390618 h 630315"/>
+              <a:gd name="connsiteX31" fmla="*/ 1180730 w 1322773"/>
+              <a:gd name="connsiteY31" fmla="*/ 337352 h 630315"/>
+              <a:gd name="connsiteX32" fmla="*/ 1189608 w 1322773"/>
+              <a:gd name="connsiteY32" fmla="*/ 248575 h 630315"/>
+            </a:gdLst>
+            <a:ahLst/>
+            <a:cxnLst>
+              <a:cxn ang="0">
+                <a:pos x="connsiteX0" y="connsiteY0"/>
+              </a:cxn>
+              <a:cxn ang="0">
+                <a:pos x="connsiteX1" y="connsiteY1"/>
+              </a:cxn>
+              <a:cxn ang="0">
+                <a:pos x="connsiteX2" y="connsiteY2"/>
+              </a:cxn>
+              <a:cxn ang="0">
+                <a:pos x="connsiteX3" y="connsiteY3"/>
+              </a:cxn>
+              <a:cxn ang="0">
+                <a:pos x="connsiteX4" y="connsiteY4"/>
+              </a:cxn>
+              <a:cxn ang="0">
+                <a:pos x="connsiteX5" y="connsiteY5"/>
+              </a:cxn>
+              <a:cxn ang="0">
+                <a:pos x="connsiteX6" y="connsiteY6"/>
+              </a:cxn>
+              <a:cxn ang="0">
+                <a:pos x="connsiteX7" y="connsiteY7"/>
+              </a:cxn>
+              <a:cxn ang="0">
+                <a:pos x="connsiteX8" y="connsiteY8"/>
+              </a:cxn>
+              <a:cxn ang="0">
+                <a:pos x="connsiteX9" y="connsiteY9"/>
+              </a:cxn>
+              <a:cxn ang="0">
+                <a:pos x="connsiteX10" y="connsiteY10"/>
+              </a:cxn>
+              <a:cxn ang="0">
+                <a:pos x="connsiteX11" y="connsiteY11"/>
+              </a:cxn>
+              <a:cxn ang="0">
+                <a:pos x="connsiteX12" y="connsiteY12"/>
+              </a:cxn>
+              <a:cxn ang="0">
+                <a:pos x="connsiteX13" y="connsiteY13"/>
+              </a:cxn>
+              <a:cxn ang="0">
+                <a:pos x="connsiteX14" y="connsiteY14"/>
+              </a:cxn>
+              <a:cxn ang="0">
+                <a:pos x="connsiteX15" y="connsiteY15"/>
+              </a:cxn>
+              <a:cxn ang="0">
+                <a:pos x="connsiteX16" y="connsiteY16"/>
+              </a:cxn>
+              <a:cxn ang="0">
+                <a:pos x="connsiteX17" y="connsiteY17"/>
+              </a:cxn>
+              <a:cxn ang="0">
+                <a:pos x="connsiteX18" y="connsiteY18"/>
+              </a:cxn>
+              <a:cxn ang="0">
+                <a:pos x="connsiteX19" y="connsiteY19"/>
+              </a:cxn>
+              <a:cxn ang="0">
+                <a:pos x="connsiteX20" y="connsiteY20"/>
+              </a:cxn>
+              <a:cxn ang="0">
+                <a:pos x="connsiteX21" y="connsiteY21"/>
+              </a:cxn>
+              <a:cxn ang="0">
+                <a:pos x="connsiteX22" y="connsiteY22"/>
+              </a:cxn>
+              <a:cxn ang="0">
+                <a:pos x="connsiteX23" y="connsiteY23"/>
+              </a:cxn>
+              <a:cxn ang="0">
+                <a:pos x="connsiteX24" y="connsiteY24"/>
+              </a:cxn>
+              <a:cxn ang="0">
+                <a:pos x="connsiteX25" y="connsiteY25"/>
+              </a:cxn>
+              <a:cxn ang="0">
+                <a:pos x="connsiteX26" y="connsiteY26"/>
+              </a:cxn>
+              <a:cxn ang="0">
+                <a:pos x="connsiteX27" y="connsiteY27"/>
+              </a:cxn>
+              <a:cxn ang="0">
+                <a:pos x="connsiteX28" y="connsiteY28"/>
+              </a:cxn>
+              <a:cxn ang="0">
+                <a:pos x="connsiteX29" y="connsiteY29"/>
+              </a:cxn>
+              <a:cxn ang="0">
+                <a:pos x="connsiteX30" y="connsiteY30"/>
+              </a:cxn>
+              <a:cxn ang="0">
+                <a:pos x="connsiteX31" y="connsiteY31"/>
+              </a:cxn>
+              <a:cxn ang="0">
+                <a:pos x="connsiteX32" y="connsiteY32"/>
+              </a:cxn>
+            </a:cxnLst>
+            <a:rect l="l" t="t" r="r" b="b"/>
+            <a:pathLst>
+              <a:path w="1322773" h="630315">
+                <a:moveTo>
+                  <a:pt x="1322773" y="0"/>
+                </a:moveTo>
+                <a:cubicBezTo>
+                  <a:pt x="1001767" y="24694"/>
+                  <a:pt x="1402878" y="0"/>
+                  <a:pt x="1100831" y="0"/>
+                </a:cubicBezTo>
+                <a:cubicBezTo>
+                  <a:pt x="1032705" y="0"/>
+                  <a:pt x="964707" y="5919"/>
+                  <a:pt x="896645" y="8878"/>
+                </a:cubicBezTo>
+                <a:cubicBezTo>
+                  <a:pt x="743293" y="39550"/>
+                  <a:pt x="952563" y="1167"/>
+                  <a:pt x="559293" y="8878"/>
+                </a:cubicBezTo>
+                <a:cubicBezTo>
+                  <a:pt x="505710" y="9929"/>
+                  <a:pt x="452761" y="20715"/>
+                  <a:pt x="399495" y="26633"/>
+                </a:cubicBezTo>
+                <a:cubicBezTo>
+                  <a:pt x="384699" y="32552"/>
+                  <a:pt x="370920" y="42412"/>
+                  <a:pt x="355107" y="44389"/>
+                </a:cubicBezTo>
+                <a:cubicBezTo>
+                  <a:pt x="45204" y="83127"/>
+                  <a:pt x="198526" y="34437"/>
+                  <a:pt x="88777" y="71022"/>
+                </a:cubicBezTo>
+                <a:cubicBezTo>
+                  <a:pt x="67727" y="99088"/>
+                  <a:pt x="45291" y="124591"/>
+                  <a:pt x="35511" y="159798"/>
+                </a:cubicBezTo>
+                <a:cubicBezTo>
+                  <a:pt x="25876" y="194485"/>
+                  <a:pt x="22847" y="230691"/>
+                  <a:pt x="17756" y="266330"/>
+                </a:cubicBezTo>
+                <a:cubicBezTo>
+                  <a:pt x="5504" y="352092"/>
+                  <a:pt x="11473" y="307711"/>
+                  <a:pt x="0" y="399496"/>
+                </a:cubicBezTo>
+                <a:cubicBezTo>
+                  <a:pt x="6370" y="495047"/>
+                  <a:pt x="-15027" y="507220"/>
+                  <a:pt x="26633" y="559294"/>
+                </a:cubicBezTo>
+                <a:cubicBezTo>
+                  <a:pt x="31862" y="565830"/>
+                  <a:pt x="38470" y="571131"/>
+                  <a:pt x="44389" y="577049"/>
+                </a:cubicBezTo>
+                <a:cubicBezTo>
+                  <a:pt x="55436" y="610192"/>
+                  <a:pt x="45178" y="603091"/>
+                  <a:pt x="79899" y="612560"/>
+                </a:cubicBezTo>
+                <a:cubicBezTo>
+                  <a:pt x="103442" y="618981"/>
+                  <a:pt x="150921" y="630315"/>
+                  <a:pt x="150921" y="630315"/>
+                </a:cubicBezTo>
+                <a:cubicBezTo>
+                  <a:pt x="204187" y="627356"/>
+                  <a:pt x="257571" y="626058"/>
+                  <a:pt x="310719" y="621437"/>
+                </a:cubicBezTo>
+                <a:cubicBezTo>
+                  <a:pt x="325751" y="620130"/>
+                  <a:pt x="340223" y="615041"/>
+                  <a:pt x="355107" y="612560"/>
+                </a:cubicBezTo>
+                <a:cubicBezTo>
+                  <a:pt x="375747" y="609120"/>
+                  <a:pt x="396569" y="606864"/>
+                  <a:pt x="417251" y="603682"/>
+                </a:cubicBezTo>
+                <a:cubicBezTo>
+                  <a:pt x="435042" y="600945"/>
+                  <a:pt x="452640" y="596907"/>
+                  <a:pt x="470517" y="594804"/>
+                </a:cubicBezTo>
+                <a:cubicBezTo>
+                  <a:pt x="502979" y="590985"/>
+                  <a:pt x="535620" y="588886"/>
+                  <a:pt x="568171" y="585927"/>
+                </a:cubicBezTo>
+                <a:cubicBezTo>
+                  <a:pt x="581501" y="581483"/>
+                  <a:pt x="623003" y="569044"/>
+                  <a:pt x="630315" y="559294"/>
+                </a:cubicBezTo>
+                <a:cubicBezTo>
+                  <a:pt x="641544" y="544321"/>
+                  <a:pt x="642152" y="523783"/>
+                  <a:pt x="648070" y="506028"/>
+                </a:cubicBezTo>
+                <a:cubicBezTo>
+                  <a:pt x="610276" y="307611"/>
+                  <a:pt x="627901" y="380969"/>
+                  <a:pt x="603682" y="284086"/>
+                </a:cubicBezTo>
+                <a:cubicBezTo>
+                  <a:pt x="612560" y="263371"/>
+                  <a:pt x="616479" y="239732"/>
+                  <a:pt x="630315" y="221942"/>
+                </a:cubicBezTo>
+                <a:cubicBezTo>
+                  <a:pt x="638440" y="211496"/>
+                  <a:pt x="654814" y="211528"/>
+                  <a:pt x="665825" y="204187"/>
+                </a:cubicBezTo>
+                <a:cubicBezTo>
+                  <a:pt x="746814" y="150194"/>
+                  <a:pt x="669214" y="173232"/>
+                  <a:pt x="790113" y="159798"/>
+                </a:cubicBezTo>
+                <a:cubicBezTo>
+                  <a:pt x="906715" y="179232"/>
+                  <a:pt x="826403" y="148019"/>
+                  <a:pt x="852257" y="346230"/>
+                </a:cubicBezTo>
+                <a:cubicBezTo>
+                  <a:pt x="856818" y="381201"/>
+                  <a:pt x="914479" y="390657"/>
+                  <a:pt x="932156" y="399496"/>
+                </a:cubicBezTo>
+                <a:cubicBezTo>
+                  <a:pt x="966068" y="416452"/>
+                  <a:pt x="977849" y="431057"/>
+                  <a:pt x="1012055" y="443884"/>
+                </a:cubicBezTo>
+                <a:cubicBezTo>
+                  <a:pt x="1023479" y="448168"/>
+                  <a:pt x="1035728" y="449803"/>
+                  <a:pt x="1047565" y="452762"/>
+                </a:cubicBezTo>
+                <a:cubicBezTo>
+                  <a:pt x="1065320" y="446843"/>
+                  <a:pt x="1084091" y="443376"/>
+                  <a:pt x="1100831" y="435006"/>
+                </a:cubicBezTo>
+                <a:cubicBezTo>
+                  <a:pt x="1115593" y="427625"/>
+                  <a:pt x="1127379" y="401374"/>
+                  <a:pt x="1136342" y="390618"/>
+                </a:cubicBezTo>
+                <a:cubicBezTo>
+                  <a:pt x="1193304" y="322263"/>
+                  <a:pt x="1136648" y="403477"/>
+                  <a:pt x="1180730" y="337352"/>
+                </a:cubicBezTo>
+                <a:cubicBezTo>
+                  <a:pt x="1193914" y="284616"/>
+                  <a:pt x="1189608" y="314042"/>
+                  <a:pt x="1189608" y="248575"/>
+                </a:cubicBezTo>
+              </a:path>
+            </a:pathLst>
+          </a:custGeom>
+          <a:noFill/>
+        </p:spPr>
+        <p:style>
+          <a:lnRef idx="2">
+            <a:schemeClr val="accent1">
+              <a:shade val="50000"/>
+            </a:schemeClr>
+          </a:lnRef>
+          <a:fillRef idx="1">
+            <a:schemeClr val="accent1"/>
+          </a:fillRef>
+          <a:effectRef idx="0">
+            <a:schemeClr val="accent1"/>
+          </a:effectRef>
+          <a:fontRef idx="minor">
+            <a:schemeClr val="lt1"/>
+          </a:fontRef>
+        </p:style>
+        <p:txBody>
+          <a:bodyPr rtlCol="0" anchor="ctr"/>
+          <a:lstStyle/>
+          <a:p>
+            <a:pPr algn="ctr"/>
+            <a:endParaRPr lang="en-US"/>
+          </a:p>
+        </p:txBody>
+      </p:sp>
+      <p:sp>
+        <p:nvSpPr>
+          <p:cNvPr id="7" name="Freeform: Shape 6">
+            <a:extLst>
+              <a:ext uri="{FF2B5EF4-FFF2-40B4-BE49-F238E27FC236}">
+                <a16:creationId xmlns:a16="http://schemas.microsoft.com/office/drawing/2014/main" id="{201EACA4-597C-4F69-9823-4D5BFFC06B7C}"/>
+              </a:ext>
+            </a:extLst>
+          </p:cNvPr>
+          <p:cNvSpPr/>
+          <p:nvPr/>
+        </p:nvSpPr>
+        <p:spPr>
+          <a:xfrm>
+            <a:off x="6613864" y="4696287"/>
+            <a:ext cx="568171" cy="488272"/>
+          </a:xfrm>
+          <a:custGeom>
+            <a:avLst/>
+            <a:gdLst>
+              <a:gd name="connsiteX0" fmla="*/ 0 w 568171"/>
+              <a:gd name="connsiteY0" fmla="*/ 35511 h 488272"/>
+              <a:gd name="connsiteX1" fmla="*/ 35511 w 568171"/>
+              <a:gd name="connsiteY1" fmla="*/ 346230 h 488272"/>
+              <a:gd name="connsiteX2" fmla="*/ 71021 w 568171"/>
+              <a:gd name="connsiteY2" fmla="*/ 443884 h 488272"/>
+              <a:gd name="connsiteX3" fmla="*/ 230819 w 568171"/>
+              <a:gd name="connsiteY3" fmla="*/ 488272 h 488272"/>
+              <a:gd name="connsiteX4" fmla="*/ 301841 w 568171"/>
+              <a:gd name="connsiteY4" fmla="*/ 470517 h 488272"/>
+              <a:gd name="connsiteX5" fmla="*/ 346229 w 568171"/>
+              <a:gd name="connsiteY5" fmla="*/ 443884 h 488272"/>
+              <a:gd name="connsiteX6" fmla="*/ 417251 w 568171"/>
+              <a:gd name="connsiteY6" fmla="*/ 399496 h 488272"/>
+              <a:gd name="connsiteX7" fmla="*/ 443884 w 568171"/>
+              <a:gd name="connsiteY7" fmla="*/ 390618 h 488272"/>
+              <a:gd name="connsiteX8" fmla="*/ 470517 w 568171"/>
+              <a:gd name="connsiteY8" fmla="*/ 372863 h 488272"/>
+              <a:gd name="connsiteX9" fmla="*/ 506027 w 568171"/>
+              <a:gd name="connsiteY9" fmla="*/ 363985 h 488272"/>
+              <a:gd name="connsiteX10" fmla="*/ 532660 w 568171"/>
+              <a:gd name="connsiteY10" fmla="*/ 355107 h 488272"/>
+              <a:gd name="connsiteX11" fmla="*/ 550416 w 568171"/>
+              <a:gd name="connsiteY11" fmla="*/ 328474 h 488272"/>
+              <a:gd name="connsiteX12" fmla="*/ 559293 w 568171"/>
+              <a:gd name="connsiteY12" fmla="*/ 266330 h 488272"/>
+              <a:gd name="connsiteX13" fmla="*/ 568171 w 568171"/>
+              <a:gd name="connsiteY13" fmla="*/ 213064 h 488272"/>
+              <a:gd name="connsiteX14" fmla="*/ 550416 w 568171"/>
+              <a:gd name="connsiteY14" fmla="*/ 62144 h 488272"/>
+              <a:gd name="connsiteX15" fmla="*/ 541538 w 568171"/>
+              <a:gd name="connsiteY15" fmla="*/ 35511 h 488272"/>
+              <a:gd name="connsiteX16" fmla="*/ 506027 w 568171"/>
+              <a:gd name="connsiteY16" fmla="*/ 0 h 488272"/>
+              <a:gd name="connsiteX17" fmla="*/ 195309 w 568171"/>
+              <a:gd name="connsiteY17" fmla="*/ 8878 h 488272"/>
+            </a:gdLst>
+            <a:ahLst/>
+            <a:cxnLst>
+              <a:cxn ang="0">
+                <a:pos x="connsiteX0" y="connsiteY0"/>
+              </a:cxn>
+              <a:cxn ang="0">
+                <a:pos x="connsiteX1" y="connsiteY1"/>
+              </a:cxn>
+              <a:cxn ang="0">
+                <a:pos x="connsiteX2" y="connsiteY2"/>
+              </a:cxn>
+              <a:cxn ang="0">
+                <a:pos x="connsiteX3" y="connsiteY3"/>
+              </a:cxn>
+              <a:cxn ang="0">
+                <a:pos x="connsiteX4" y="connsiteY4"/>
+              </a:cxn>
+              <a:cxn ang="0">
+                <a:pos x="connsiteX5" y="connsiteY5"/>
+              </a:cxn>
+              <a:cxn ang="0">
+                <a:pos x="connsiteX6" y="connsiteY6"/>
+              </a:cxn>
+              <a:cxn ang="0">
+                <a:pos x="connsiteX7" y="connsiteY7"/>
+              </a:cxn>
+              <a:cxn ang="0">
+                <a:pos x="connsiteX8" y="connsiteY8"/>
+              </a:cxn>
+              <a:cxn ang="0">
+                <a:pos x="connsiteX9" y="connsiteY9"/>
+              </a:cxn>
+              <a:cxn ang="0">
+                <a:pos x="connsiteX10" y="connsiteY10"/>
+              </a:cxn>
+              <a:cxn ang="0">
+                <a:pos x="connsiteX11" y="connsiteY11"/>
+              </a:cxn>
+              <a:cxn ang="0">
+                <a:pos x="connsiteX12" y="connsiteY12"/>
+              </a:cxn>
+              <a:cxn ang="0">
+                <a:pos x="connsiteX13" y="connsiteY13"/>
+              </a:cxn>
+              <a:cxn ang="0">
+                <a:pos x="connsiteX14" y="connsiteY14"/>
+              </a:cxn>
+              <a:cxn ang="0">
+                <a:pos x="connsiteX15" y="connsiteY15"/>
+              </a:cxn>
+              <a:cxn ang="0">
+                <a:pos x="connsiteX16" y="connsiteY16"/>
+              </a:cxn>
+              <a:cxn ang="0">
+                <a:pos x="connsiteX17" y="connsiteY17"/>
+              </a:cxn>
+            </a:cxnLst>
+            <a:rect l="l" t="t" r="r" b="b"/>
+            <a:pathLst>
+              <a:path w="568171" h="488272">
+                <a:moveTo>
+                  <a:pt x="0" y="35511"/>
+                </a:moveTo>
+                <a:cubicBezTo>
+                  <a:pt x="7144" y="121238"/>
+                  <a:pt x="18589" y="278542"/>
+                  <a:pt x="35511" y="346230"/>
+                </a:cubicBezTo>
+                <a:cubicBezTo>
+                  <a:pt x="38504" y="358204"/>
+                  <a:pt x="47316" y="427290"/>
+                  <a:pt x="71021" y="443884"/>
+                </a:cubicBezTo>
+                <a:cubicBezTo>
+                  <a:pt x="136102" y="489441"/>
+                  <a:pt x="152268" y="480417"/>
+                  <a:pt x="230819" y="488272"/>
+                </a:cubicBezTo>
+                <a:cubicBezTo>
+                  <a:pt x="254493" y="482354"/>
+                  <a:pt x="279065" y="479277"/>
+                  <a:pt x="301841" y="470517"/>
+                </a:cubicBezTo>
+                <a:cubicBezTo>
+                  <a:pt x="317946" y="464323"/>
+                  <a:pt x="331534" y="452927"/>
+                  <a:pt x="346229" y="443884"/>
+                </a:cubicBezTo>
+                <a:cubicBezTo>
+                  <a:pt x="370005" y="429253"/>
+                  <a:pt x="390766" y="408325"/>
+                  <a:pt x="417251" y="399496"/>
+                </a:cubicBezTo>
+                <a:cubicBezTo>
+                  <a:pt x="426129" y="396537"/>
+                  <a:pt x="435514" y="394803"/>
+                  <a:pt x="443884" y="390618"/>
+                </a:cubicBezTo>
+                <a:cubicBezTo>
+                  <a:pt x="453427" y="385846"/>
+                  <a:pt x="460710" y="377066"/>
+                  <a:pt x="470517" y="372863"/>
+                </a:cubicBezTo>
+                <a:cubicBezTo>
+                  <a:pt x="481731" y="368057"/>
+                  <a:pt x="494295" y="367337"/>
+                  <a:pt x="506027" y="363985"/>
+                </a:cubicBezTo>
+                <a:cubicBezTo>
+                  <a:pt x="515025" y="361414"/>
+                  <a:pt x="523782" y="358066"/>
+                  <a:pt x="532660" y="355107"/>
+                </a:cubicBezTo>
+                <a:cubicBezTo>
+                  <a:pt x="538579" y="346229"/>
+                  <a:pt x="547350" y="338694"/>
+                  <a:pt x="550416" y="328474"/>
+                </a:cubicBezTo>
+                <a:cubicBezTo>
+                  <a:pt x="556429" y="308432"/>
+                  <a:pt x="556111" y="287012"/>
+                  <a:pt x="559293" y="266330"/>
+                </a:cubicBezTo>
+                <a:cubicBezTo>
+                  <a:pt x="562030" y="248539"/>
+                  <a:pt x="565212" y="230819"/>
+                  <a:pt x="568171" y="213064"/>
+                </a:cubicBezTo>
+                <a:cubicBezTo>
+                  <a:pt x="561394" y="124963"/>
+                  <a:pt x="567690" y="122604"/>
+                  <a:pt x="550416" y="62144"/>
+                </a:cubicBezTo>
+                <a:cubicBezTo>
+                  <a:pt x="547845" y="53146"/>
+                  <a:pt x="546977" y="43126"/>
+                  <a:pt x="541538" y="35511"/>
+                </a:cubicBezTo>
+                <a:cubicBezTo>
+                  <a:pt x="531808" y="21889"/>
+                  <a:pt x="517864" y="11837"/>
+                  <a:pt x="506027" y="0"/>
+                </a:cubicBezTo>
+                <a:cubicBezTo>
+                  <a:pt x="218988" y="9260"/>
+                  <a:pt x="322603" y="8878"/>
+                  <a:pt x="195309" y="8878"/>
+                </a:cubicBezTo>
+              </a:path>
+            </a:pathLst>
+          </a:custGeom>
+          <a:noFill/>
+        </p:spPr>
+        <p:style>
+          <a:lnRef idx="2">
+            <a:schemeClr val="accent1">
+              <a:shade val="50000"/>
+            </a:schemeClr>
+          </a:lnRef>
+          <a:fillRef idx="1">
+            <a:schemeClr val="accent1"/>
+          </a:fillRef>
+          <a:effectRef idx="0">
+            <a:schemeClr val="accent1"/>
+          </a:effectRef>
+          <a:fontRef idx="minor">
+            <a:schemeClr val="lt1"/>
+          </a:fontRef>
+        </p:style>
+        <p:txBody>
+          <a:bodyPr rtlCol="0" anchor="ctr"/>
+          <a:lstStyle/>
+          <a:p>
+            <a:pPr algn="ctr"/>
+            <a:endParaRPr lang="en-US"/>
+          </a:p>
+        </p:txBody>
+      </p:sp>
+      <p:sp>
+        <p:nvSpPr>
+          <p:cNvPr id="8" name="Freeform: Shape 7">
+            <a:extLst>
+              <a:ext uri="{FF2B5EF4-FFF2-40B4-BE49-F238E27FC236}">
+                <a16:creationId xmlns:a16="http://schemas.microsoft.com/office/drawing/2014/main" id="{B9E9ACE0-479F-4BAB-9643-BA10504BBFAF}"/>
+              </a:ext>
+            </a:extLst>
+          </p:cNvPr>
+          <p:cNvSpPr/>
+          <p:nvPr/>
+        </p:nvSpPr>
+        <p:spPr>
+          <a:xfrm>
+            <a:off x="7235301" y="5104660"/>
+            <a:ext cx="204186" cy="254815"/>
+          </a:xfrm>
+          <a:custGeom>
+            <a:avLst/>
+            <a:gdLst>
+              <a:gd name="connsiteX0" fmla="*/ 204186 w 204186"/>
+              <a:gd name="connsiteY0" fmla="*/ 133165 h 254815"/>
+              <a:gd name="connsiteX1" fmla="*/ 177553 w 204186"/>
+              <a:gd name="connsiteY1" fmla="*/ 88777 h 254815"/>
+              <a:gd name="connsiteX2" fmla="*/ 150920 w 204186"/>
+              <a:gd name="connsiteY2" fmla="*/ 62144 h 254815"/>
+              <a:gd name="connsiteX3" fmla="*/ 124287 w 204186"/>
+              <a:gd name="connsiteY3" fmla="*/ 8878 h 254815"/>
+              <a:gd name="connsiteX4" fmla="*/ 71021 w 204186"/>
+              <a:gd name="connsiteY4" fmla="*/ 0 h 254815"/>
+              <a:gd name="connsiteX5" fmla="*/ 44388 w 204186"/>
+              <a:gd name="connsiteY5" fmla="*/ 26633 h 254815"/>
+              <a:gd name="connsiteX6" fmla="*/ 17755 w 204186"/>
+              <a:gd name="connsiteY6" fmla="*/ 44389 h 254815"/>
+              <a:gd name="connsiteX7" fmla="*/ 0 w 204186"/>
+              <a:gd name="connsiteY7" fmla="*/ 97655 h 254815"/>
+              <a:gd name="connsiteX8" fmla="*/ 168676 w 204186"/>
+              <a:gd name="connsiteY8" fmla="*/ 248575 h 254815"/>
+            </a:gdLst>
+            <a:ahLst/>
+            <a:cxnLst>
+              <a:cxn ang="0">
+                <a:pos x="connsiteX0" y="connsiteY0"/>
+              </a:cxn>
+              <a:cxn ang="0">
+                <a:pos x="connsiteX1" y="connsiteY1"/>
+              </a:cxn>
+              <a:cxn ang="0">
+                <a:pos x="connsiteX2" y="connsiteY2"/>
+              </a:cxn>
+              <a:cxn ang="0">
+                <a:pos x="connsiteX3" y="connsiteY3"/>
+              </a:cxn>
+              <a:cxn ang="0">
+                <a:pos x="connsiteX4" y="connsiteY4"/>
+              </a:cxn>
+              <a:cxn ang="0">
+                <a:pos x="connsiteX5" y="connsiteY5"/>
+              </a:cxn>
+              <a:cxn ang="0">
+                <a:pos x="connsiteX6" y="connsiteY6"/>
+              </a:cxn>
+              <a:cxn ang="0">
+                <a:pos x="connsiteX7" y="connsiteY7"/>
+              </a:cxn>
+              <a:cxn ang="0">
+                <a:pos x="connsiteX8" y="connsiteY8"/>
+              </a:cxn>
+            </a:cxnLst>
+            <a:rect l="l" t="t" r="r" b="b"/>
+            <a:pathLst>
+              <a:path w="204186" h="254815">
+                <a:moveTo>
+                  <a:pt x="204186" y="133165"/>
+                </a:moveTo>
+                <a:cubicBezTo>
+                  <a:pt x="195308" y="118369"/>
+                  <a:pt x="187906" y="102581"/>
+                  <a:pt x="177553" y="88777"/>
+                </a:cubicBezTo>
+                <a:cubicBezTo>
+                  <a:pt x="170020" y="78733"/>
+                  <a:pt x="157884" y="72590"/>
+                  <a:pt x="150920" y="62144"/>
+                </a:cubicBezTo>
+                <a:cubicBezTo>
+                  <a:pt x="140415" y="46386"/>
+                  <a:pt x="145244" y="19356"/>
+                  <a:pt x="124287" y="8878"/>
+                </a:cubicBezTo>
+                <a:cubicBezTo>
+                  <a:pt x="108187" y="828"/>
+                  <a:pt x="88776" y="2959"/>
+                  <a:pt x="71021" y="0"/>
+                </a:cubicBezTo>
+                <a:cubicBezTo>
+                  <a:pt x="62143" y="8878"/>
+                  <a:pt x="54033" y="18595"/>
+                  <a:pt x="44388" y="26633"/>
+                </a:cubicBezTo>
+                <a:cubicBezTo>
+                  <a:pt x="36191" y="33464"/>
+                  <a:pt x="23410" y="35341"/>
+                  <a:pt x="17755" y="44389"/>
+                </a:cubicBezTo>
+                <a:cubicBezTo>
+                  <a:pt x="7836" y="60260"/>
+                  <a:pt x="5918" y="79900"/>
+                  <a:pt x="0" y="97655"/>
+                </a:cubicBezTo>
+                <a:cubicBezTo>
+                  <a:pt x="12006" y="301749"/>
+                  <a:pt x="-41516" y="248575"/>
+                  <a:pt x="168676" y="248575"/>
+                </a:cubicBezTo>
+              </a:path>
+            </a:pathLst>
+          </a:custGeom>
+          <a:noFill/>
+        </p:spPr>
+        <p:style>
+          <a:lnRef idx="2">
+            <a:schemeClr val="accent1">
+              <a:shade val="50000"/>
+            </a:schemeClr>
+          </a:lnRef>
+          <a:fillRef idx="1">
+            <a:schemeClr val="accent1"/>
+          </a:fillRef>
+          <a:effectRef idx="0">
+            <a:schemeClr val="accent1"/>
+          </a:effectRef>
+          <a:fontRef idx="minor">
+            <a:schemeClr val="lt1"/>
+          </a:fontRef>
+        </p:style>
+        <p:txBody>
+          <a:bodyPr rtlCol="0" anchor="ctr"/>
+          <a:lstStyle/>
+          <a:p>
+            <a:pPr algn="ctr"/>
+            <a:endParaRPr lang="en-US"/>
+          </a:p>
+        </p:txBody>
+      </p:sp>
+      <p:sp>
+        <p:nvSpPr>
+          <p:cNvPr id="9" name="Freeform: Shape 8">
+            <a:extLst>
+              <a:ext uri="{FF2B5EF4-FFF2-40B4-BE49-F238E27FC236}">
+                <a16:creationId xmlns:a16="http://schemas.microsoft.com/office/drawing/2014/main" id="{F0C70F24-3EB4-4DAC-9BFB-A54F83767D7A}"/>
+              </a:ext>
+            </a:extLst>
+          </p:cNvPr>
+          <p:cNvSpPr/>
+          <p:nvPr/>
+        </p:nvSpPr>
+        <p:spPr>
+          <a:xfrm>
+            <a:off x="7501631" y="5353235"/>
+            <a:ext cx="479394" cy="292963"/>
+          </a:xfrm>
+          <a:custGeom>
+            <a:avLst/>
+            <a:gdLst>
+              <a:gd name="connsiteX0" fmla="*/ 426128 w 479394"/>
+              <a:gd name="connsiteY0" fmla="*/ 0 h 292963"/>
+              <a:gd name="connsiteX1" fmla="*/ 150920 w 479394"/>
+              <a:gd name="connsiteY1" fmla="*/ 17755 h 292963"/>
+              <a:gd name="connsiteX2" fmla="*/ 26633 w 479394"/>
+              <a:gd name="connsiteY2" fmla="*/ 79899 h 292963"/>
+              <a:gd name="connsiteX3" fmla="*/ 0 w 479394"/>
+              <a:gd name="connsiteY3" fmla="*/ 88777 h 292963"/>
+              <a:gd name="connsiteX4" fmla="*/ 8878 w 479394"/>
+              <a:gd name="connsiteY4" fmla="*/ 150920 h 292963"/>
+              <a:gd name="connsiteX5" fmla="*/ 53266 w 479394"/>
+              <a:gd name="connsiteY5" fmla="*/ 195309 h 292963"/>
+              <a:gd name="connsiteX6" fmla="*/ 124287 w 479394"/>
+              <a:gd name="connsiteY6" fmla="*/ 257452 h 292963"/>
+              <a:gd name="connsiteX7" fmla="*/ 150920 w 479394"/>
+              <a:gd name="connsiteY7" fmla="*/ 275208 h 292963"/>
+              <a:gd name="connsiteX8" fmla="*/ 239697 w 479394"/>
+              <a:gd name="connsiteY8" fmla="*/ 292963 h 292963"/>
+              <a:gd name="connsiteX9" fmla="*/ 301841 w 479394"/>
+              <a:gd name="connsiteY9" fmla="*/ 275208 h 292963"/>
+              <a:gd name="connsiteX10" fmla="*/ 328474 w 479394"/>
+              <a:gd name="connsiteY10" fmla="*/ 230819 h 292963"/>
+              <a:gd name="connsiteX11" fmla="*/ 363985 w 479394"/>
+              <a:gd name="connsiteY11" fmla="*/ 204186 h 292963"/>
+              <a:gd name="connsiteX12" fmla="*/ 408373 w 479394"/>
+              <a:gd name="connsiteY12" fmla="*/ 159798 h 292963"/>
+              <a:gd name="connsiteX13" fmla="*/ 443884 w 479394"/>
+              <a:gd name="connsiteY13" fmla="*/ 133165 h 292963"/>
+              <a:gd name="connsiteX14" fmla="*/ 479394 w 479394"/>
+              <a:gd name="connsiteY14" fmla="*/ 124287 h 292963"/>
+            </a:gdLst>
+            <a:ahLst/>
+            <a:cxnLst>
+              <a:cxn ang="0">
+                <a:pos x="connsiteX0" y="connsiteY0"/>
+              </a:cxn>
+              <a:cxn ang="0">
+                <a:pos x="connsiteX1" y="connsiteY1"/>
+              </a:cxn>
+              <a:cxn ang="0">
+                <a:pos x="connsiteX2" y="connsiteY2"/>
+              </a:cxn>
+              <a:cxn ang="0">
+                <a:pos x="connsiteX3" y="connsiteY3"/>
+              </a:cxn>
+              <a:cxn ang="0">
+                <a:pos x="connsiteX4" y="connsiteY4"/>
+              </a:cxn>
+              <a:cxn ang="0">
+                <a:pos x="connsiteX5" y="connsiteY5"/>
+              </a:cxn>
+              <a:cxn ang="0">
+                <a:pos x="connsiteX6" y="connsiteY6"/>
+              </a:cxn>
+              <a:cxn ang="0">
+                <a:pos x="connsiteX7" y="connsiteY7"/>
+              </a:cxn>
+              <a:cxn ang="0">
+                <a:pos x="connsiteX8" y="connsiteY8"/>
+              </a:cxn>
+              <a:cxn ang="0">
+                <a:pos x="connsiteX9" y="connsiteY9"/>
+              </a:cxn>
+              <a:cxn ang="0">
+                <a:pos x="connsiteX10" y="connsiteY10"/>
+              </a:cxn>
+              <a:cxn ang="0">
+                <a:pos x="connsiteX11" y="connsiteY11"/>
+              </a:cxn>
+              <a:cxn ang="0">
+                <a:pos x="connsiteX12" y="connsiteY12"/>
+              </a:cxn>
+              <a:cxn ang="0">
+                <a:pos x="connsiteX13" y="connsiteY13"/>
+              </a:cxn>
+              <a:cxn ang="0">
+                <a:pos x="connsiteX14" y="connsiteY14"/>
+              </a:cxn>
+            </a:cxnLst>
+            <a:rect l="l" t="t" r="r" b="b"/>
+            <a:pathLst>
+              <a:path w="479394" h="292963">
+                <a:moveTo>
+                  <a:pt x="426128" y="0"/>
+                </a:moveTo>
+                <a:cubicBezTo>
+                  <a:pt x="334392" y="5918"/>
+                  <a:pt x="241878" y="4444"/>
+                  <a:pt x="150920" y="17755"/>
+                </a:cubicBezTo>
+                <a:cubicBezTo>
+                  <a:pt x="54378" y="31883"/>
+                  <a:pt x="84869" y="46621"/>
+                  <a:pt x="26633" y="79899"/>
+                </a:cubicBezTo>
+                <a:cubicBezTo>
+                  <a:pt x="18508" y="84542"/>
+                  <a:pt x="8878" y="85818"/>
+                  <a:pt x="0" y="88777"/>
+                </a:cubicBezTo>
+                <a:cubicBezTo>
+                  <a:pt x="2959" y="109491"/>
+                  <a:pt x="2865" y="130878"/>
+                  <a:pt x="8878" y="150920"/>
+                </a:cubicBezTo>
+                <a:cubicBezTo>
+                  <a:pt x="17755" y="180511"/>
+                  <a:pt x="32552" y="177554"/>
+                  <a:pt x="53266" y="195309"/>
+                </a:cubicBezTo>
+                <a:cubicBezTo>
+                  <a:pt x="131381" y="262264"/>
+                  <a:pt x="46976" y="202229"/>
+                  <a:pt x="124287" y="257452"/>
+                </a:cubicBezTo>
+                <a:cubicBezTo>
+                  <a:pt x="132969" y="263654"/>
+                  <a:pt x="141113" y="271005"/>
+                  <a:pt x="150920" y="275208"/>
+                </a:cubicBezTo>
+                <a:cubicBezTo>
+                  <a:pt x="167770" y="282430"/>
+                  <a:pt x="227688" y="290961"/>
+                  <a:pt x="239697" y="292963"/>
+                </a:cubicBezTo>
+                <a:cubicBezTo>
+                  <a:pt x="260412" y="287045"/>
+                  <a:pt x="284192" y="287562"/>
+                  <a:pt x="301841" y="275208"/>
+                </a:cubicBezTo>
+                <a:cubicBezTo>
+                  <a:pt x="315977" y="265313"/>
+                  <a:pt x="317111" y="243805"/>
+                  <a:pt x="328474" y="230819"/>
+                </a:cubicBezTo>
+                <a:cubicBezTo>
+                  <a:pt x="338217" y="219684"/>
+                  <a:pt x="352926" y="214016"/>
+                  <a:pt x="363985" y="204186"/>
+                </a:cubicBezTo>
+                <a:cubicBezTo>
+                  <a:pt x="379624" y="190284"/>
+                  <a:pt x="392734" y="173700"/>
+                  <a:pt x="408373" y="159798"/>
+                </a:cubicBezTo>
+                <a:cubicBezTo>
+                  <a:pt x="419432" y="149968"/>
+                  <a:pt x="430650" y="139782"/>
+                  <a:pt x="443884" y="133165"/>
+                </a:cubicBezTo>
+                <a:cubicBezTo>
+                  <a:pt x="454797" y="127708"/>
+                  <a:pt x="479394" y="124287"/>
+                  <a:pt x="479394" y="124287"/>
+                </a:cubicBezTo>
+              </a:path>
+            </a:pathLst>
+          </a:custGeom>
+          <a:noFill/>
+        </p:spPr>
+        <p:style>
+          <a:lnRef idx="2">
+            <a:schemeClr val="accent1">
+              <a:shade val="50000"/>
+            </a:schemeClr>
+          </a:lnRef>
+          <a:fillRef idx="1">
+            <a:schemeClr val="accent1"/>
+          </a:fillRef>
+          <a:effectRef idx="0">
+            <a:schemeClr val="accent1"/>
+          </a:effectRef>
+          <a:fontRef idx="minor">
+            <a:schemeClr val="lt1"/>
+          </a:fontRef>
+        </p:style>
+        <p:txBody>
+          <a:bodyPr rtlCol="0" anchor="ctr"/>
+          <a:lstStyle/>
+          <a:p>
+            <a:pPr algn="ctr"/>
+            <a:endParaRPr lang="en-US"/>
+          </a:p>
+        </p:txBody>
+      </p:sp>
     </p:spTree>
   </p:cSld>
   <p:clrMapOvr>
@@ -15607,7 +16967,7 @@
 </p:sld>
 </file>
 
-<file path=ppt/slides/slide33.xml><?xml version="1.0" encoding="utf-8"?>
+<file path=ppt/slides/slide34.xml><?xml version="1.0" encoding="utf-8"?>
 <p:sld xmlns:a="http://schemas.openxmlformats.org/drawingml/2006/main" xmlns:r="http://schemas.openxmlformats.org/officeDocument/2006/relationships" xmlns:p="http://schemas.openxmlformats.org/presentationml/2006/main">
   <p:cSld>
     <p:spTree>
@@ -18373,7 +19733,7 @@
                 <a:latin typeface="Microsoft YaHei" panose="020B0503020204020204" pitchFamily="34" charset="-122"/>
                 <a:ea typeface="Microsoft YaHei" panose="020B0503020204020204" pitchFamily="34" charset="-122"/>
               </a:rPr>
-              <a:t>Graph Data Structure</a:t>
+              <a:t>Graph Theory</a:t>
             </a:r>
           </a:p>
         </p:txBody>
